--- a/Honghao_Gan&Zhijia_Chen_CIS_5642_Project.pptx
+++ b/Honghao_Gan&Zhijia_Chen_CIS_5642_Project.pptx
@@ -12,11 +12,16 @@
     <p:sldId id="301" r:id="rId6"/>
     <p:sldId id="297" r:id="rId7"/>
     <p:sldId id="300" r:id="rId8"/>
-    <p:sldId id="302" r:id="rId9"/>
-    <p:sldId id="261" r:id="rId10"/>
-    <p:sldId id="263" r:id="rId11"/>
-    <p:sldId id="303" r:id="rId12"/>
-    <p:sldId id="304" r:id="rId13"/>
+    <p:sldId id="305" r:id="rId9"/>
+    <p:sldId id="306" r:id="rId10"/>
+    <p:sldId id="307" r:id="rId11"/>
+    <p:sldId id="308" r:id="rId12"/>
+    <p:sldId id="302" r:id="rId13"/>
+    <p:sldId id="309" r:id="rId14"/>
+    <p:sldId id="261" r:id="rId15"/>
+    <p:sldId id="263" r:id="rId16"/>
+    <p:sldId id="303" r:id="rId17"/>
+    <p:sldId id="304" r:id="rId18"/>
   </p:sldIdLst>
   <p:sldSz cx="12192000" cy="6858000"/>
   <p:notesSz cx="6858000" cy="9144000"/>
@@ -294,7 +299,7 @@
           <a:p>
             <a:fld id="{48A87A34-81AB-432B-8DAE-1953F412C126}" type="datetimeFigureOut">
               <a:rPr lang="en-US" dirty="0"/>
-              <a:t>11/30/2018</a:t>
+              <a:t>12/3/18</a:t>
             </a:fld>
             <a:endParaRPr lang="en-US" dirty="0"/>
           </a:p>
@@ -601,7 +606,7 @@
           <a:p>
             <a:fld id="{48A87A34-81AB-432B-8DAE-1953F412C126}" type="datetimeFigureOut">
               <a:rPr lang="en-US" dirty="0"/>
-              <a:t>11/30/2018</a:t>
+              <a:t>12/3/18</a:t>
             </a:fld>
             <a:endParaRPr lang="en-US" dirty="0"/>
           </a:p>
@@ -818,7 +823,7 @@
           <a:p>
             <a:fld id="{48A87A34-81AB-432B-8DAE-1953F412C126}" type="datetimeFigureOut">
               <a:rPr lang="en-US" dirty="0"/>
-              <a:t>11/30/2018</a:t>
+              <a:t>12/3/18</a:t>
             </a:fld>
             <a:endParaRPr lang="en-US" dirty="0"/>
           </a:p>
@@ -1104,7 +1109,7 @@
           <a:p>
             <a:fld id="{48A87A34-81AB-432B-8DAE-1953F412C126}" type="datetimeFigureOut">
               <a:rPr lang="en-US" dirty="0"/>
-              <a:t>11/30/2018</a:t>
+              <a:t>12/3/18</a:t>
             </a:fld>
             <a:endParaRPr lang="en-US" dirty="0"/>
           </a:p>
@@ -1553,7 +1558,7 @@
           <a:p>
             <a:fld id="{48A87A34-81AB-432B-8DAE-1953F412C126}" type="datetimeFigureOut">
               <a:rPr lang="en-US" dirty="0"/>
-              <a:t>11/30/2018</a:t>
+              <a:t>12/3/18</a:t>
             </a:fld>
             <a:endParaRPr lang="en-US" dirty="0"/>
           </a:p>
@@ -2124,7 +2129,7 @@
           <a:p>
             <a:fld id="{48A87A34-81AB-432B-8DAE-1953F412C126}" type="datetimeFigureOut">
               <a:rPr lang="en-US" dirty="0"/>
-              <a:t>11/30/2018</a:t>
+              <a:t>12/3/18</a:t>
             </a:fld>
             <a:endParaRPr lang="en-US" dirty="0"/>
           </a:p>
@@ -2971,7 +2976,7 @@
           <a:p>
             <a:fld id="{48A87A34-81AB-432B-8DAE-1953F412C126}" type="datetimeFigureOut">
               <a:rPr lang="en-US" dirty="0"/>
-              <a:t>11/30/2018</a:t>
+              <a:t>12/3/18</a:t>
             </a:fld>
             <a:endParaRPr lang="en-US" dirty="0"/>
           </a:p>
@@ -3171,7 +3176,7 @@
           <a:p>
             <a:fld id="{48A87A34-81AB-432B-8DAE-1953F412C126}" type="datetimeFigureOut">
               <a:rPr lang="en-US" dirty="0"/>
-              <a:t>11/30/2018</a:t>
+              <a:t>12/3/18</a:t>
             </a:fld>
             <a:endParaRPr lang="en-US" dirty="0"/>
           </a:p>
@@ -3380,7 +3385,7 @@
           <a:p>
             <a:fld id="{48A87A34-81AB-432B-8DAE-1953F412C126}" type="datetimeFigureOut">
               <a:rPr lang="en-US" dirty="0"/>
-              <a:t>11/30/2018</a:t>
+              <a:t>12/3/18</a:t>
             </a:fld>
             <a:endParaRPr lang="en-US" dirty="0"/>
           </a:p>
@@ -3580,7 +3585,7 @@
           <a:p>
             <a:fld id="{48A87A34-81AB-432B-8DAE-1953F412C126}" type="datetimeFigureOut">
               <a:rPr lang="en-US" dirty="0"/>
-              <a:t>11/30/2018</a:t>
+              <a:t>12/3/18</a:t>
             </a:fld>
             <a:endParaRPr lang="en-US" dirty="0"/>
           </a:p>
@@ -3855,7 +3860,7 @@
           <a:p>
             <a:fld id="{48A87A34-81AB-432B-8DAE-1953F412C126}" type="datetimeFigureOut">
               <a:rPr lang="en-US" dirty="0"/>
-              <a:t>11/30/2018</a:t>
+              <a:t>12/3/18</a:t>
             </a:fld>
             <a:endParaRPr lang="en-US" dirty="0"/>
           </a:p>
@@ -4117,7 +4122,7 @@
           <a:p>
             <a:fld id="{48A87A34-81AB-432B-8DAE-1953F412C126}" type="datetimeFigureOut">
               <a:rPr lang="en-US" dirty="0"/>
-              <a:t>11/30/2018</a:t>
+              <a:t>12/3/18</a:t>
             </a:fld>
             <a:endParaRPr lang="en-US" dirty="0"/>
           </a:p>
@@ -4527,7 +4532,7 @@
           <a:p>
             <a:fld id="{48A87A34-81AB-432B-8DAE-1953F412C126}" type="datetimeFigureOut">
               <a:rPr lang="en-US" dirty="0"/>
-              <a:t>11/30/2018</a:t>
+              <a:t>12/3/18</a:t>
             </a:fld>
             <a:endParaRPr lang="en-US" dirty="0"/>
           </a:p>
@@ -4670,7 +4675,7 @@
           <a:p>
             <a:fld id="{48A87A34-81AB-432B-8DAE-1953F412C126}" type="datetimeFigureOut">
               <a:rPr lang="en-US" dirty="0"/>
-              <a:t>11/30/2018</a:t>
+              <a:t>12/3/18</a:t>
             </a:fld>
             <a:endParaRPr lang="en-US" dirty="0"/>
           </a:p>
@@ -4790,7 +4795,7 @@
           <a:p>
             <a:fld id="{48A87A34-81AB-432B-8DAE-1953F412C126}" type="datetimeFigureOut">
               <a:rPr lang="en-US" dirty="0"/>
-              <a:t>11/30/2018</a:t>
+              <a:t>12/3/18</a:t>
             </a:fld>
             <a:endParaRPr lang="en-US" dirty="0"/>
           </a:p>
@@ -5064,7 +5069,7 @@
           <a:p>
             <a:fld id="{48A87A34-81AB-432B-8DAE-1953F412C126}" type="datetimeFigureOut">
               <a:rPr lang="en-US" dirty="0"/>
-              <a:t>11/30/2018</a:t>
+              <a:t>12/3/18</a:t>
             </a:fld>
             <a:endParaRPr lang="en-US" dirty="0"/>
           </a:p>
@@ -5371,7 +5376,7 @@
           <a:p>
             <a:fld id="{48A87A34-81AB-432B-8DAE-1953F412C126}" type="datetimeFigureOut">
               <a:rPr lang="en-US" dirty="0"/>
-              <a:t>11/30/2018</a:t>
+              <a:t>12/3/18</a:t>
             </a:fld>
             <a:endParaRPr lang="en-US" dirty="0"/>
           </a:p>
@@ -5625,7 +5630,7 @@
             <a:fld id="{48A87A34-81AB-432B-8DAE-1953F412C126}" type="datetimeFigureOut">
               <a:rPr lang="en-US" dirty="0"/>
               <a:pPr/>
-              <a:t>11/30/2018</a:t>
+              <a:t>12/3/18</a:t>
             </a:fld>
             <a:endParaRPr lang="en-US" dirty="0"/>
           </a:p>
@@ -6245,8 +6250,8 @@
         </p:nvSpPr>
         <p:spPr>
           <a:xfrm>
-            <a:off x="266330" y="179033"/>
-            <a:ext cx="11345662" cy="2004874"/>
+            <a:off x="266330" y="179034"/>
+            <a:ext cx="9716382" cy="624111"/>
           </a:xfrm>
         </p:spPr>
         <p:txBody>
@@ -6257,31 +6262,25 @@
           <a:p>
             <a:pPr algn="l"/>
             <a:r>
-              <a:rPr lang="en-US" altLang="zh-CN" sz="4400" cap="none" dirty="0">
+              <a:rPr lang="en-US" altLang="zh-CN" sz="4000" cap="none" dirty="0">
                 <a:latin typeface="Times New Roman" panose="02020603050405020304" pitchFamily="18" charset="0"/>
                 <a:cs typeface="Times New Roman" panose="02020603050405020304" pitchFamily="18" charset="0"/>
               </a:rPr>
-              <a:t>Test &amp; Collect Data</a:t>
+              <a:t>Implementing L3 Cache</a:t>
             </a:r>
             <a:br>
-              <a:rPr lang="en-US" altLang="zh-CN" sz="4400" cap="none" dirty="0">
+              <a:rPr lang="en-US" altLang="zh-CN" sz="4000" cap="none" dirty="0">
                 <a:latin typeface="Times New Roman" panose="02020603050405020304" pitchFamily="18" charset="0"/>
                 <a:cs typeface="Times New Roman" panose="02020603050405020304" pitchFamily="18" charset="0"/>
               </a:rPr>
             </a:br>
-            <a:br>
-              <a:rPr lang="en-US" altLang="zh-CN" cap="none" dirty="0">
-                <a:latin typeface="Times New Roman" panose="02020603050405020304" pitchFamily="18" charset="0"/>
-                <a:cs typeface="Times New Roman" panose="02020603050405020304" pitchFamily="18" charset="0"/>
-              </a:rPr>
-            </a:br>
-            <a:br>
-              <a:rPr lang="en-US" altLang="zh-CN" cap="none" dirty="0">
-                <a:latin typeface="Times New Roman" panose="02020603050405020304" pitchFamily="18" charset="0"/>
-                <a:cs typeface="Times New Roman" panose="02020603050405020304" pitchFamily="18" charset="0"/>
-              </a:rPr>
-            </a:br>
-            <a:endParaRPr lang="zh-CN" altLang="en-US" cap="none" dirty="0">
+            <a:r>
+              <a:rPr lang="en-US" sz="2000" cap="none" dirty="0">
+                <a:latin typeface="Menlo" panose="020B0609030804020204" pitchFamily="49" charset="0"/>
+              </a:rPr>
+              <a:t>Link L3 cache to L2 cache</a:t>
+            </a:r>
+            <a:endParaRPr lang="zh-CN" altLang="en-US" sz="4000" cap="none" dirty="0">
               <a:latin typeface="Times New Roman" panose="02020603050405020304" pitchFamily="18" charset="0"/>
               <a:cs typeface="Times New Roman" panose="02020603050405020304" pitchFamily="18" charset="0"/>
             </a:endParaRPr>
@@ -6290,109 +6289,553 @@
       </p:sp>
       <p:sp>
         <p:nvSpPr>
-          <p:cNvPr id="5" name="文本框 4">
+          <p:cNvPr id="4" name="Rectangle 3">
             <a:extLst>
               <a:ext uri="{FF2B5EF4-FFF2-40B4-BE49-F238E27FC236}">
-                <a16:creationId xmlns:a16="http://schemas.microsoft.com/office/drawing/2014/main" id="{4678C1C5-51A7-4B18-A718-D3117E110DAF}"/>
+                <a16:creationId xmlns:a16="http://schemas.microsoft.com/office/drawing/2014/main" id="{C76DE5BF-AEEE-2042-96CD-67F2C29A871B}"/>
               </a:ext>
             </a:extLst>
           </p:cNvPr>
-          <p:cNvSpPr txBox="1"/>
+          <p:cNvSpPr/>
           <p:nvPr/>
         </p:nvSpPr>
         <p:spPr>
           <a:xfrm>
-            <a:off x="501587" y="1385162"/>
-            <a:ext cx="11188823" cy="3600986"/>
+            <a:off x="266328" y="1092578"/>
+            <a:ext cx="5273336" cy="3693319"/>
           </a:xfrm>
           <a:prstGeom prst="rect">
             <a:avLst/>
           </a:prstGeom>
-          <a:noFill/>
-        </p:spPr>
-        <p:txBody>
-          <a:bodyPr wrap="square" rtlCol="0">
+        </p:spPr>
+        <p:txBody>
+          <a:bodyPr wrap="square">
             <a:spAutoFit/>
           </a:bodyPr>
           <a:lstStyle/>
           <a:p>
-            <a:pPr marL="457200" indent="-457200">
-              <a:buFont typeface="Arial" panose="020B0604020202020204" pitchFamily="34" charset="0"/>
-              <a:buChar char="•"/>
-            </a:pPr>
-            <a:r>
-              <a:rPr lang="en-US" altLang="zh-CN" sz="3200" dirty="0">
-                <a:latin typeface="Times New Roman" panose="02020603050405020304" pitchFamily="18" charset="0"/>
-                <a:cs typeface="Times New Roman" panose="02020603050405020304" pitchFamily="18" charset="0"/>
-              </a:rPr>
-              <a:t>Two test programs</a:t>
-            </a:r>
-          </a:p>
-          <a:p>
-            <a:pPr marL="457200" indent="-457200">
-              <a:buFont typeface="Arial" panose="020B0604020202020204" pitchFamily="34" charset="0"/>
-              <a:buChar char="•"/>
-            </a:pPr>
-            <a:endParaRPr lang="en-US" altLang="zh-CN" sz="3200" dirty="0">
-              <a:latin typeface="Times New Roman" panose="02020603050405020304" pitchFamily="18" charset="0"/>
-              <a:cs typeface="Times New Roman" panose="02020603050405020304" pitchFamily="18" charset="0"/>
+            <a:r>
+              <a:rPr lang="en-US" dirty="0">
+                <a:latin typeface="Menlo" panose="020B0609030804020204" pitchFamily="49" charset="0"/>
+              </a:rPr>
+              <a:t>static unsigned </a:t>
+            </a:r>
+            <a:r>
+              <a:rPr lang="en-US" dirty="0" err="1">
+                <a:latin typeface="Menlo" panose="020B0609030804020204" pitchFamily="49" charset="0"/>
+              </a:rPr>
+              <a:t>int</a:t>
+            </a:r>
+            <a:r>
+              <a:rPr lang="en-US" dirty="0">
+                <a:latin typeface="Menlo" panose="020B0609030804020204" pitchFamily="49" charset="0"/>
+              </a:rPr>
+              <a:t> </a:t>
+            </a:r>
+          </a:p>
+          <a:p>
+            <a:r>
+              <a:rPr lang="en-US" dirty="0">
+                <a:latin typeface="Menlo" panose="020B0609030804020204" pitchFamily="49" charset="0"/>
+              </a:rPr>
+              <a:t>il2_access_fn(</a:t>
+            </a:r>
+            <a:r>
+              <a:rPr lang="en-US" dirty="0" err="1">
+                <a:latin typeface="Menlo" panose="020B0609030804020204" pitchFamily="49" charset="0"/>
+              </a:rPr>
+              <a:t>enum</a:t>
+            </a:r>
+            <a:r>
+              <a:rPr lang="en-US" dirty="0">
+                <a:latin typeface="Menlo" panose="020B0609030804020204" pitchFamily="49" charset="0"/>
+              </a:rPr>
+              <a:t> </a:t>
+            </a:r>
+            <a:r>
+              <a:rPr lang="en-US" dirty="0" err="1">
+                <a:latin typeface="Menlo" panose="020B0609030804020204" pitchFamily="49" charset="0"/>
+              </a:rPr>
+              <a:t>mem_cmd</a:t>
+            </a:r>
+            <a:r>
+              <a:rPr lang="en-US" dirty="0">
+                <a:latin typeface="Menlo" panose="020B0609030804020204" pitchFamily="49" charset="0"/>
+              </a:rPr>
+              <a:t> </a:t>
+            </a:r>
+            <a:r>
+              <a:rPr lang="en-US" dirty="0" err="1">
+                <a:latin typeface="Menlo" panose="020B0609030804020204" pitchFamily="49" charset="0"/>
+              </a:rPr>
+              <a:t>cmd</a:t>
+            </a:r>
+            <a:r>
+              <a:rPr lang="en-US" dirty="0">
+                <a:latin typeface="Menlo" panose="020B0609030804020204" pitchFamily="49" charset="0"/>
+              </a:rPr>
+              <a:t>, </a:t>
+            </a:r>
+            <a:r>
+              <a:rPr lang="en-US" dirty="0" err="1">
+                <a:latin typeface="Menlo" panose="020B0609030804020204" pitchFamily="49" charset="0"/>
+              </a:rPr>
+              <a:t>md_addr_t</a:t>
+            </a:r>
+            <a:r>
+              <a:rPr lang="en-US" dirty="0">
+                <a:latin typeface="Menlo" panose="020B0609030804020204" pitchFamily="49" charset="0"/>
+              </a:rPr>
+              <a:t> </a:t>
+            </a:r>
+            <a:r>
+              <a:rPr lang="en-US" dirty="0" err="1">
+                <a:latin typeface="Menlo" panose="020B0609030804020204" pitchFamily="49" charset="0"/>
+              </a:rPr>
+              <a:t>baddr</a:t>
+            </a:r>
+            <a:r>
+              <a:rPr lang="en-US" dirty="0">
+                <a:latin typeface="Menlo" panose="020B0609030804020204" pitchFamily="49" charset="0"/>
+              </a:rPr>
+              <a:t>, </a:t>
+            </a:r>
+            <a:r>
+              <a:rPr lang="en-US" dirty="0" err="1">
+                <a:latin typeface="Menlo" panose="020B0609030804020204" pitchFamily="49" charset="0"/>
+              </a:rPr>
+              <a:t>int</a:t>
+            </a:r>
+            <a:r>
+              <a:rPr lang="en-US" dirty="0">
+                <a:latin typeface="Menlo" panose="020B0609030804020204" pitchFamily="49" charset="0"/>
+              </a:rPr>
+              <a:t> </a:t>
+            </a:r>
+            <a:r>
+              <a:rPr lang="en-US" dirty="0" err="1">
+                <a:latin typeface="Menlo" panose="020B0609030804020204" pitchFamily="49" charset="0"/>
+              </a:rPr>
+              <a:t>bsize</a:t>
+            </a:r>
+            <a:r>
+              <a:rPr lang="en-US" dirty="0">
+                <a:latin typeface="Menlo" panose="020B0609030804020204" pitchFamily="49" charset="0"/>
+              </a:rPr>
+              <a:t>, </a:t>
+            </a:r>
+          </a:p>
+          <a:p>
+            <a:r>
+              <a:rPr lang="en-US" dirty="0">
+                <a:latin typeface="Menlo" panose="020B0609030804020204" pitchFamily="49" charset="0"/>
+              </a:rPr>
+              <a:t>struct </a:t>
+            </a:r>
+            <a:r>
+              <a:rPr lang="en-US" dirty="0" err="1">
+                <a:latin typeface="Menlo" panose="020B0609030804020204" pitchFamily="49" charset="0"/>
+              </a:rPr>
+              <a:t>cache_blk_t</a:t>
+            </a:r>
+            <a:r>
+              <a:rPr lang="en-US" dirty="0">
+                <a:latin typeface="Menlo" panose="020B0609030804020204" pitchFamily="49" charset="0"/>
+              </a:rPr>
+              <a:t> *</a:t>
+            </a:r>
+            <a:r>
+              <a:rPr lang="en-US" dirty="0" err="1">
+                <a:latin typeface="Menlo" panose="020B0609030804020204" pitchFamily="49" charset="0"/>
+              </a:rPr>
+              <a:t>blk</a:t>
+            </a:r>
+            <a:r>
+              <a:rPr lang="en-US" dirty="0">
+                <a:latin typeface="Menlo" panose="020B0609030804020204" pitchFamily="49" charset="0"/>
+              </a:rPr>
+              <a:t>, </a:t>
+            </a:r>
+          </a:p>
+          <a:p>
+            <a:r>
+              <a:rPr lang="en-US" dirty="0" err="1">
+                <a:latin typeface="Menlo" panose="020B0609030804020204" pitchFamily="49" charset="0"/>
+              </a:rPr>
+              <a:t>tick_t</a:t>
+            </a:r>
+            <a:r>
+              <a:rPr lang="en-US" dirty="0">
+                <a:latin typeface="Menlo" panose="020B0609030804020204" pitchFamily="49" charset="0"/>
+              </a:rPr>
+              <a:t> now) </a:t>
+            </a:r>
+          </a:p>
+          <a:p>
+            <a:r>
+              <a:rPr lang="en-US" dirty="0">
+                <a:latin typeface="Menlo" panose="020B0609030804020204" pitchFamily="49" charset="0"/>
+              </a:rPr>
+              <a:t>{</a:t>
+            </a:r>
+          </a:p>
+          <a:p>
+            <a:pPr lvl="1"/>
+            <a:r>
+              <a:rPr lang="en-US" i="1" dirty="0">
+                <a:solidFill>
+                  <a:schemeClr val="tx1">
+                    <a:lumMod val="50000"/>
+                    <a:lumOff val="50000"/>
+                  </a:schemeClr>
+                </a:solidFill>
+                <a:latin typeface="Menlo" panose="020B0609030804020204" pitchFamily="49" charset="0"/>
+              </a:rPr>
+              <a:t>/* this is a miss to the lowest level, so access main memory, which is</a:t>
+            </a:r>
+            <a:endParaRPr lang="en-US" dirty="0">
+              <a:solidFill>
+                <a:schemeClr val="tx1">
+                  <a:lumMod val="50000"/>
+                  <a:lumOff val="50000"/>
+                </a:schemeClr>
+              </a:solidFill>
+              <a:latin typeface="Menlo" panose="020B0609030804020204" pitchFamily="49" charset="0"/>
             </a:endParaRPr>
           </a:p>
           <a:p>
-            <a:pPr marL="457200" indent="-457200">
-              <a:buFont typeface="Arial" panose="020B0604020202020204" pitchFamily="34" charset="0"/>
-              <a:buChar char="•"/>
-            </a:pPr>
-            <a:r>
-              <a:rPr lang="en-US" altLang="zh-CN" sz="3200" dirty="0">
-                <a:latin typeface="Times New Roman" panose="02020603050405020304" pitchFamily="18" charset="0"/>
-                <a:cs typeface="Times New Roman" panose="02020603050405020304" pitchFamily="18" charset="0"/>
-              </a:rPr>
-              <a:t>Sequential Access to Memory</a:t>
-            </a:r>
-          </a:p>
-          <a:p>
-            <a:pPr marL="457200" indent="-457200">
-              <a:buFont typeface="Arial" panose="020B0604020202020204" pitchFamily="34" charset="0"/>
-              <a:buChar char="•"/>
-            </a:pPr>
-            <a:endParaRPr lang="en-US" altLang="zh-CN" sz="3200" dirty="0">
-              <a:latin typeface="Times New Roman" panose="02020603050405020304" pitchFamily="18" charset="0"/>
-              <a:cs typeface="Times New Roman" panose="02020603050405020304" pitchFamily="18" charset="0"/>
+            <a:pPr lvl="1"/>
+            <a:r>
+              <a:rPr lang="en-US" i="1" dirty="0">
+                <a:solidFill>
+                  <a:schemeClr val="tx1">
+                    <a:lumMod val="50000"/>
+                    <a:lumOff val="50000"/>
+                  </a:schemeClr>
+                </a:solidFill>
+                <a:latin typeface="Menlo" panose="020B0609030804020204" pitchFamily="49" charset="0"/>
+              </a:rPr>
+              <a:t>always done in the main simulator loop */</a:t>
+            </a:r>
+            <a:endParaRPr lang="en-US" dirty="0">
+              <a:solidFill>
+                <a:schemeClr val="tx1">
+                  <a:lumMod val="50000"/>
+                  <a:lumOff val="50000"/>
+                </a:schemeClr>
+              </a:solidFill>
+              <a:latin typeface="Menlo" panose="020B0609030804020204" pitchFamily="49" charset="0"/>
             </a:endParaRPr>
           </a:p>
           <a:p>
-            <a:pPr marL="457200" indent="-457200">
-              <a:buFont typeface="Arial" panose="020B0604020202020204" pitchFamily="34" charset="0"/>
-              <a:buChar char="•"/>
-            </a:pPr>
-            <a:r>
-              <a:rPr lang="en-US" altLang="zh-CN" sz="3200" dirty="0">
-                <a:latin typeface="Times New Roman" panose="02020603050405020304" pitchFamily="18" charset="0"/>
-                <a:cs typeface="Times New Roman" panose="02020603050405020304" pitchFamily="18" charset="0"/>
-              </a:rPr>
-              <a:t>Random Access to Memory</a:t>
-            </a:r>
-          </a:p>
-          <a:p>
-            <a:pPr marL="457200" indent="-457200">
-              <a:buFont typeface="Arial" panose="020B0604020202020204" pitchFamily="34" charset="0"/>
-              <a:buChar char="•"/>
-            </a:pPr>
-            <a:endParaRPr lang="en-US" altLang="zh-CN" sz="3200" dirty="0">
-              <a:latin typeface="Times New Roman" panose="02020603050405020304" pitchFamily="18" charset="0"/>
-              <a:cs typeface="Times New Roman" panose="02020603050405020304" pitchFamily="18" charset="0"/>
+            <a:pPr lvl="1"/>
+            <a:r>
+              <a:rPr lang="en-US" dirty="0">
+                <a:latin typeface="Menlo" panose="020B0609030804020204" pitchFamily="49" charset="0"/>
+              </a:rPr>
+              <a:t>return 1;</a:t>
+            </a:r>
+          </a:p>
+          <a:p>
+            <a:r>
+              <a:rPr lang="en-US" dirty="0">
+                <a:latin typeface="Menlo" panose="020B0609030804020204" pitchFamily="49" charset="0"/>
+              </a:rPr>
+              <a:t>}</a:t>
+            </a:r>
+            <a:endParaRPr lang="en-US" b="0" dirty="0">
+              <a:effectLst/>
+              <a:latin typeface="Menlo" panose="020B0609030804020204" pitchFamily="49" charset="0"/>
             </a:endParaRPr>
           </a:p>
-          <a:p>
-            <a:endParaRPr lang="zh-CN" altLang="en-US" sz="3600" dirty="0"/>
+        </p:txBody>
+      </p:sp>
+      <p:sp>
+        <p:nvSpPr>
+          <p:cNvPr id="5" name="Rectangle 4">
+            <a:extLst>
+              <a:ext uri="{FF2B5EF4-FFF2-40B4-BE49-F238E27FC236}">
+                <a16:creationId xmlns:a16="http://schemas.microsoft.com/office/drawing/2014/main" id="{6A25841C-BBDE-4947-A713-5CA7BF06E5EF}"/>
+              </a:ext>
+            </a:extLst>
+          </p:cNvPr>
+          <p:cNvSpPr/>
+          <p:nvPr/>
+        </p:nvSpPr>
+        <p:spPr>
+          <a:xfrm>
+            <a:off x="5655074" y="1092578"/>
+            <a:ext cx="6096000" cy="5632311"/>
+          </a:xfrm>
+          <a:prstGeom prst="rect">
+            <a:avLst/>
+          </a:prstGeom>
+        </p:spPr>
+        <p:txBody>
+          <a:bodyPr>
+            <a:spAutoFit/>
+          </a:bodyPr>
+          <a:lstStyle/>
+          <a:p>
+            <a:r>
+              <a:rPr lang="en-US" dirty="0">
+                <a:latin typeface="Menlo" panose="020B0609030804020204" pitchFamily="49" charset="0"/>
+              </a:rPr>
+              <a:t>static unsigned </a:t>
+            </a:r>
+            <a:r>
+              <a:rPr lang="en-US" dirty="0" err="1">
+                <a:latin typeface="Menlo" panose="020B0609030804020204" pitchFamily="49" charset="0"/>
+              </a:rPr>
+              <a:t>int</a:t>
+            </a:r>
+            <a:endParaRPr lang="en-US" dirty="0">
+              <a:latin typeface="Menlo" panose="020B0609030804020204" pitchFamily="49" charset="0"/>
+            </a:endParaRPr>
+          </a:p>
+          <a:p>
+            <a:r>
+              <a:rPr lang="en-US" dirty="0">
+                <a:latin typeface="Menlo" panose="020B0609030804020204" pitchFamily="49" charset="0"/>
+              </a:rPr>
+              <a:t>il2_access_fn(…)</a:t>
+            </a:r>
+          </a:p>
+          <a:p>
+            <a:r>
+              <a:rPr lang="en-US" dirty="0">
+                <a:latin typeface="Menlo" panose="020B0609030804020204" pitchFamily="49" charset="0"/>
+              </a:rPr>
+              <a:t>{</a:t>
+            </a:r>
+          </a:p>
+          <a:p>
+            <a:pPr lvl="1"/>
+            <a:r>
+              <a:rPr lang="en-US" dirty="0">
+                <a:solidFill>
+                  <a:srgbClr val="FF0000"/>
+                </a:solidFill>
+                <a:latin typeface="Menlo" panose="020B0609030804020204" pitchFamily="49" charset="0"/>
+              </a:rPr>
+              <a:t>if (cache_il3)</a:t>
+            </a:r>
+          </a:p>
+          <a:p>
+            <a:pPr lvl="1"/>
+            <a:r>
+              <a:rPr lang="en-US" dirty="0">
+                <a:solidFill>
+                  <a:srgbClr val="FF0000"/>
+                </a:solidFill>
+                <a:latin typeface="Menlo" panose="020B0609030804020204" pitchFamily="49" charset="0"/>
+              </a:rPr>
+              <a:t>{</a:t>
+            </a:r>
+          </a:p>
+          <a:p>
+            <a:pPr lvl="2"/>
+            <a:r>
+              <a:rPr lang="en-US" dirty="0">
+                <a:solidFill>
+                  <a:srgbClr val="FF0000"/>
+                </a:solidFill>
+                <a:latin typeface="Menlo" panose="020B0609030804020204" pitchFamily="49" charset="0"/>
+              </a:rPr>
+              <a:t>return </a:t>
+            </a:r>
+            <a:r>
+              <a:rPr lang="en-US" dirty="0" err="1">
+                <a:solidFill>
+                  <a:srgbClr val="FF0000"/>
+                </a:solidFill>
+                <a:latin typeface="Menlo" panose="020B0609030804020204" pitchFamily="49" charset="0"/>
+              </a:rPr>
+              <a:t>cache_access</a:t>
+            </a:r>
+            <a:r>
+              <a:rPr lang="en-US" dirty="0">
+                <a:solidFill>
+                  <a:srgbClr val="FF0000"/>
+                </a:solidFill>
+                <a:latin typeface="Menlo" panose="020B0609030804020204" pitchFamily="49" charset="0"/>
+              </a:rPr>
+              <a:t>(cache_il3, </a:t>
+            </a:r>
+            <a:r>
+              <a:rPr lang="en-US" dirty="0" err="1">
+                <a:solidFill>
+                  <a:srgbClr val="FF0000"/>
+                </a:solidFill>
+                <a:latin typeface="Menlo" panose="020B0609030804020204" pitchFamily="49" charset="0"/>
+              </a:rPr>
+              <a:t>cmd</a:t>
+            </a:r>
+            <a:r>
+              <a:rPr lang="en-US" dirty="0">
+                <a:solidFill>
+                  <a:srgbClr val="FF0000"/>
+                </a:solidFill>
+                <a:latin typeface="Menlo" panose="020B0609030804020204" pitchFamily="49" charset="0"/>
+              </a:rPr>
+              <a:t>, </a:t>
+            </a:r>
+            <a:r>
+              <a:rPr lang="en-US" dirty="0" err="1">
+                <a:solidFill>
+                  <a:srgbClr val="FF0000"/>
+                </a:solidFill>
+                <a:latin typeface="Menlo" panose="020B0609030804020204" pitchFamily="49" charset="0"/>
+              </a:rPr>
+              <a:t>baddr</a:t>
+            </a:r>
+            <a:r>
+              <a:rPr lang="en-US" dirty="0">
+                <a:solidFill>
+                  <a:srgbClr val="FF0000"/>
+                </a:solidFill>
+                <a:latin typeface="Menlo" panose="020B0609030804020204" pitchFamily="49" charset="0"/>
+              </a:rPr>
+              <a:t>, NULL, </a:t>
+            </a:r>
+            <a:r>
+              <a:rPr lang="en-US" dirty="0" err="1">
+                <a:solidFill>
+                  <a:srgbClr val="FF0000"/>
+                </a:solidFill>
+                <a:latin typeface="Menlo" panose="020B0609030804020204" pitchFamily="49" charset="0"/>
+              </a:rPr>
+              <a:t>bsize</a:t>
+            </a:r>
+            <a:r>
+              <a:rPr lang="en-US" dirty="0">
+                <a:solidFill>
+                  <a:srgbClr val="FF0000"/>
+                </a:solidFill>
+                <a:latin typeface="Menlo" panose="020B0609030804020204" pitchFamily="49" charset="0"/>
+              </a:rPr>
+              <a:t>, now, NULL, NULL);</a:t>
+            </a:r>
+          </a:p>
+          <a:p>
+            <a:pPr lvl="1"/>
+            <a:r>
+              <a:rPr lang="en-US" dirty="0">
+                <a:solidFill>
+                  <a:srgbClr val="FF0000"/>
+                </a:solidFill>
+                <a:latin typeface="Menlo" panose="020B0609030804020204" pitchFamily="49" charset="0"/>
+              </a:rPr>
+              <a:t>}</a:t>
+            </a:r>
+          </a:p>
+          <a:p>
+            <a:pPr lvl="1"/>
+            <a:r>
+              <a:rPr lang="en-US" dirty="0">
+                <a:latin typeface="Menlo" panose="020B0609030804020204" pitchFamily="49" charset="0"/>
+              </a:rPr>
+              <a:t>else</a:t>
+            </a:r>
+          </a:p>
+          <a:p>
+            <a:pPr lvl="1"/>
+            <a:r>
+              <a:rPr lang="en-US" dirty="0">
+                <a:latin typeface="Menlo" panose="020B0609030804020204" pitchFamily="49" charset="0"/>
+              </a:rPr>
+              <a:t>{</a:t>
+            </a:r>
+          </a:p>
+          <a:p>
+            <a:pPr lvl="1"/>
+            <a:r>
+              <a:rPr lang="en-US" dirty="0">
+                <a:latin typeface="Menlo" panose="020B0609030804020204" pitchFamily="49" charset="0"/>
+              </a:rPr>
+              <a:t>	return 1;</a:t>
+            </a:r>
+          </a:p>
+          <a:p>
+            <a:pPr lvl="1"/>
+            <a:r>
+              <a:rPr lang="en-US" dirty="0">
+                <a:latin typeface="Menlo" panose="020B0609030804020204" pitchFamily="49" charset="0"/>
+              </a:rPr>
+              <a:t>}</a:t>
+            </a:r>
+          </a:p>
+          <a:p>
+            <a:r>
+              <a:rPr lang="en-US" dirty="0">
+                <a:latin typeface="Menlo" panose="020B0609030804020204" pitchFamily="49" charset="0"/>
+              </a:rPr>
+              <a:t>}</a:t>
+            </a:r>
+          </a:p>
+          <a:p>
+            <a:br>
+              <a:rPr lang="en-US" dirty="0">
+                <a:latin typeface="Menlo" panose="020B0609030804020204" pitchFamily="49" charset="0"/>
+              </a:rPr>
+            </a:br>
+            <a:r>
+              <a:rPr lang="en-US" dirty="0">
+                <a:latin typeface="Menlo" panose="020B0609030804020204" pitchFamily="49" charset="0"/>
+              </a:rPr>
+              <a:t>static unsigned </a:t>
+            </a:r>
+            <a:r>
+              <a:rPr lang="en-US" dirty="0" err="1">
+                <a:latin typeface="Menlo" panose="020B0609030804020204" pitchFamily="49" charset="0"/>
+              </a:rPr>
+              <a:t>int</a:t>
+            </a:r>
+            <a:r>
+              <a:rPr lang="en-US" dirty="0">
+                <a:latin typeface="Menlo" panose="020B0609030804020204" pitchFamily="49" charset="0"/>
+              </a:rPr>
+              <a:t> </a:t>
+            </a:r>
+          </a:p>
+          <a:p>
+            <a:r>
+              <a:rPr lang="en-US" dirty="0">
+                <a:latin typeface="Menlo" panose="020B0609030804020204" pitchFamily="49" charset="0"/>
+              </a:rPr>
+              <a:t>il3_access_fn(…) </a:t>
+            </a:r>
+          </a:p>
+          <a:p>
+            <a:r>
+              <a:rPr lang="en-US" dirty="0">
+                <a:latin typeface="Menlo" panose="020B0609030804020204" pitchFamily="49" charset="0"/>
+              </a:rPr>
+              <a:t>{</a:t>
+            </a:r>
+          </a:p>
+          <a:p>
+            <a:r>
+              <a:rPr lang="en-US" dirty="0">
+                <a:latin typeface="Menlo" panose="020B0609030804020204" pitchFamily="49" charset="0"/>
+              </a:rPr>
+              <a:t>	return 1;</a:t>
+            </a:r>
+          </a:p>
+          <a:p>
+            <a:r>
+              <a:rPr lang="en-US" dirty="0">
+                <a:latin typeface="Menlo" panose="020B0609030804020204" pitchFamily="49" charset="0"/>
+              </a:rPr>
+              <a:t>}</a:t>
+            </a:r>
           </a:p>
         </p:txBody>
       </p:sp>
     </p:spTree>
     <p:extLst>
       <p:ext uri="{BB962C8B-B14F-4D97-AF65-F5344CB8AC3E}">
-        <p14:creationId xmlns:p14="http://schemas.microsoft.com/office/powerpoint/2010/main" val="3603376140"/>
+        <p14:creationId xmlns:p14="http://schemas.microsoft.com/office/powerpoint/2010/main" val="2522272909"/>
       </p:ext>
     </p:extLst>
   </p:cSld>
@@ -6437,6 +6880,1530 @@
         </p:nvSpPr>
         <p:spPr>
           <a:xfrm>
+            <a:off x="266330" y="179034"/>
+            <a:ext cx="9716382" cy="624111"/>
+          </a:xfrm>
+        </p:spPr>
+        <p:txBody>
+          <a:bodyPr>
+            <a:normAutofit fontScale="90000"/>
+          </a:bodyPr>
+          <a:lstStyle/>
+          <a:p>
+            <a:pPr algn="l"/>
+            <a:r>
+              <a:rPr lang="en-US" altLang="zh-CN" sz="4000" cap="none" dirty="0">
+                <a:latin typeface="Times New Roman" panose="02020603050405020304" pitchFamily="18" charset="0"/>
+                <a:cs typeface="Times New Roman" panose="02020603050405020304" pitchFamily="18" charset="0"/>
+              </a:rPr>
+              <a:t>Implementing L3 Cache</a:t>
+            </a:r>
+            <a:br>
+              <a:rPr lang="en-US" altLang="zh-CN" sz="4000" cap="none" dirty="0">
+                <a:latin typeface="Times New Roman" panose="02020603050405020304" pitchFamily="18" charset="0"/>
+                <a:cs typeface="Times New Roman" panose="02020603050405020304" pitchFamily="18" charset="0"/>
+              </a:rPr>
+            </a:br>
+            <a:r>
+              <a:rPr lang="en-US" sz="2000" cap="none" dirty="0">
+                <a:latin typeface="Menlo" panose="020B0609030804020204" pitchFamily="49" charset="0"/>
+              </a:rPr>
+              <a:t>Inclusion property</a:t>
+            </a:r>
+            <a:endParaRPr lang="zh-CN" altLang="en-US" sz="4000" cap="none" dirty="0">
+              <a:latin typeface="Times New Roman" panose="02020603050405020304" pitchFamily="18" charset="0"/>
+              <a:cs typeface="Times New Roman" panose="02020603050405020304" pitchFamily="18" charset="0"/>
+            </a:endParaRPr>
+          </a:p>
+        </p:txBody>
+      </p:sp>
+      <p:sp>
+        <p:nvSpPr>
+          <p:cNvPr id="3" name="Rectangle 2">
+            <a:extLst>
+              <a:ext uri="{FF2B5EF4-FFF2-40B4-BE49-F238E27FC236}">
+                <a16:creationId xmlns:a16="http://schemas.microsoft.com/office/drawing/2014/main" id="{921EC245-F37D-F545-9CC5-370672D7AC52}"/>
+              </a:ext>
+            </a:extLst>
+          </p:cNvPr>
+          <p:cNvSpPr/>
+          <p:nvPr/>
+        </p:nvSpPr>
+        <p:spPr>
+          <a:xfrm>
+            <a:off x="266327" y="1092578"/>
+            <a:ext cx="9010837" cy="5632311"/>
+          </a:xfrm>
+          <a:prstGeom prst="rect">
+            <a:avLst/>
+          </a:prstGeom>
+        </p:spPr>
+        <p:txBody>
+          <a:bodyPr wrap="square">
+            <a:spAutoFit/>
+          </a:bodyPr>
+          <a:lstStyle/>
+          <a:p>
+            <a:r>
+              <a:rPr lang="en-US" dirty="0">
+                <a:latin typeface="Menlo" panose="020B0609030804020204" pitchFamily="49" charset="0"/>
+              </a:rPr>
+              <a:t>struct </a:t>
+            </a:r>
+            <a:r>
+              <a:rPr lang="en-US" dirty="0" err="1">
+                <a:latin typeface="Menlo" panose="020B0609030804020204" pitchFamily="49" charset="0"/>
+              </a:rPr>
+              <a:t>cache_blk_t</a:t>
+            </a:r>
+            <a:endParaRPr lang="en-US" dirty="0">
+              <a:latin typeface="Menlo" panose="020B0609030804020204" pitchFamily="49" charset="0"/>
+            </a:endParaRPr>
+          </a:p>
+          <a:p>
+            <a:r>
+              <a:rPr lang="en-US" dirty="0">
+                <a:latin typeface="Menlo" panose="020B0609030804020204" pitchFamily="49" charset="0"/>
+              </a:rPr>
+              <a:t>{</a:t>
+            </a:r>
+          </a:p>
+          <a:p>
+            <a:pPr lvl="1"/>
+            <a:r>
+              <a:rPr lang="en-US" dirty="0">
+                <a:latin typeface="Menlo" panose="020B0609030804020204" pitchFamily="49" charset="0"/>
+              </a:rPr>
+              <a:t>struct </a:t>
+            </a:r>
+            <a:r>
+              <a:rPr lang="en-US" dirty="0" err="1">
+                <a:latin typeface="Menlo" panose="020B0609030804020204" pitchFamily="49" charset="0"/>
+              </a:rPr>
+              <a:t>cache_blk_t</a:t>
+            </a:r>
+            <a:r>
+              <a:rPr lang="en-US" dirty="0">
+                <a:latin typeface="Menlo" panose="020B0609030804020204" pitchFamily="49" charset="0"/>
+              </a:rPr>
+              <a:t> *</a:t>
+            </a:r>
+            <a:r>
+              <a:rPr lang="en-US" dirty="0" err="1">
+                <a:latin typeface="Menlo" panose="020B0609030804020204" pitchFamily="49" charset="0"/>
+              </a:rPr>
+              <a:t>way_next</a:t>
+            </a:r>
+            <a:r>
+              <a:rPr lang="en-US" dirty="0">
+                <a:latin typeface="Menlo" panose="020B0609030804020204" pitchFamily="49" charset="0"/>
+              </a:rPr>
+              <a:t>; </a:t>
+            </a:r>
+          </a:p>
+          <a:p>
+            <a:pPr lvl="1"/>
+            <a:r>
+              <a:rPr lang="en-US" dirty="0">
+                <a:latin typeface="Menlo" panose="020B0609030804020204" pitchFamily="49" charset="0"/>
+              </a:rPr>
+              <a:t>struct </a:t>
+            </a:r>
+            <a:r>
+              <a:rPr lang="en-US" dirty="0" err="1">
+                <a:latin typeface="Menlo" panose="020B0609030804020204" pitchFamily="49" charset="0"/>
+              </a:rPr>
+              <a:t>cache_blk_t</a:t>
+            </a:r>
+            <a:r>
+              <a:rPr lang="en-US" dirty="0">
+                <a:latin typeface="Menlo" panose="020B0609030804020204" pitchFamily="49" charset="0"/>
+              </a:rPr>
+              <a:t> *</a:t>
+            </a:r>
+            <a:r>
+              <a:rPr lang="en-US" dirty="0" err="1">
+                <a:latin typeface="Menlo" panose="020B0609030804020204" pitchFamily="49" charset="0"/>
+              </a:rPr>
+              <a:t>way_prev</a:t>
+            </a:r>
+            <a:r>
+              <a:rPr lang="en-US" dirty="0">
+                <a:latin typeface="Menlo" panose="020B0609030804020204" pitchFamily="49" charset="0"/>
+              </a:rPr>
+              <a:t>; </a:t>
+            </a:r>
+          </a:p>
+          <a:p>
+            <a:pPr lvl="1"/>
+            <a:r>
+              <a:rPr lang="en-US" dirty="0">
+                <a:latin typeface="Menlo" panose="020B0609030804020204" pitchFamily="49" charset="0"/>
+              </a:rPr>
+              <a:t>struct </a:t>
+            </a:r>
+            <a:r>
+              <a:rPr lang="en-US" dirty="0" err="1">
+                <a:latin typeface="Menlo" panose="020B0609030804020204" pitchFamily="49" charset="0"/>
+              </a:rPr>
+              <a:t>cache_blk_t</a:t>
+            </a:r>
+            <a:r>
+              <a:rPr lang="en-US" dirty="0">
+                <a:latin typeface="Menlo" panose="020B0609030804020204" pitchFamily="49" charset="0"/>
+              </a:rPr>
+              <a:t> *</a:t>
+            </a:r>
+            <a:r>
+              <a:rPr lang="en-US" dirty="0" err="1">
+                <a:latin typeface="Menlo" panose="020B0609030804020204" pitchFamily="49" charset="0"/>
+              </a:rPr>
+              <a:t>hash_next</a:t>
+            </a:r>
+            <a:r>
+              <a:rPr lang="en-US" dirty="0">
+                <a:latin typeface="Menlo" panose="020B0609030804020204" pitchFamily="49" charset="0"/>
+              </a:rPr>
+              <a:t>; </a:t>
+            </a:r>
+          </a:p>
+          <a:p>
+            <a:pPr lvl="1"/>
+            <a:r>
+              <a:rPr lang="en-US" dirty="0" err="1">
+                <a:latin typeface="Menlo" panose="020B0609030804020204" pitchFamily="49" charset="0"/>
+              </a:rPr>
+              <a:t>md_addr_t</a:t>
+            </a:r>
+            <a:r>
+              <a:rPr lang="en-US" dirty="0">
+                <a:latin typeface="Menlo" panose="020B0609030804020204" pitchFamily="49" charset="0"/>
+              </a:rPr>
+              <a:t> tag; </a:t>
+            </a:r>
+            <a:r>
+              <a:rPr lang="en-US" i="1" dirty="0">
+                <a:solidFill>
+                  <a:schemeClr val="tx1">
+                    <a:lumMod val="50000"/>
+                    <a:lumOff val="50000"/>
+                  </a:schemeClr>
+                </a:solidFill>
+                <a:latin typeface="Menlo" panose="020B0609030804020204" pitchFamily="49" charset="0"/>
+              </a:rPr>
+              <a:t>/* data block tag value */</a:t>
+            </a:r>
+            <a:endParaRPr lang="en-US" dirty="0">
+              <a:solidFill>
+                <a:schemeClr val="tx1">
+                  <a:lumMod val="50000"/>
+                  <a:lumOff val="50000"/>
+                </a:schemeClr>
+              </a:solidFill>
+              <a:latin typeface="Menlo" panose="020B0609030804020204" pitchFamily="49" charset="0"/>
+            </a:endParaRPr>
+          </a:p>
+          <a:p>
+            <a:pPr lvl="1"/>
+            <a:r>
+              <a:rPr lang="en-US" dirty="0">
+                <a:latin typeface="Menlo" panose="020B0609030804020204" pitchFamily="49" charset="0"/>
+              </a:rPr>
+              <a:t>unsigned </a:t>
+            </a:r>
+            <a:r>
+              <a:rPr lang="en-US" dirty="0" err="1">
+                <a:latin typeface="Menlo" panose="020B0609030804020204" pitchFamily="49" charset="0"/>
+              </a:rPr>
+              <a:t>int</a:t>
+            </a:r>
+            <a:r>
+              <a:rPr lang="en-US" dirty="0">
+                <a:latin typeface="Menlo" panose="020B0609030804020204" pitchFamily="49" charset="0"/>
+              </a:rPr>
+              <a:t> status; </a:t>
+            </a:r>
+            <a:r>
+              <a:rPr lang="en-US" i="1" dirty="0">
+                <a:solidFill>
+                  <a:schemeClr val="tx1">
+                    <a:lumMod val="50000"/>
+                    <a:lumOff val="50000"/>
+                  </a:schemeClr>
+                </a:solidFill>
+                <a:latin typeface="Menlo" panose="020B0609030804020204" pitchFamily="49" charset="0"/>
+              </a:rPr>
+              <a:t>/* block status */</a:t>
+            </a:r>
+            <a:endParaRPr lang="en-US" dirty="0">
+              <a:solidFill>
+                <a:schemeClr val="tx1">
+                  <a:lumMod val="50000"/>
+                  <a:lumOff val="50000"/>
+                </a:schemeClr>
+              </a:solidFill>
+              <a:latin typeface="Menlo" panose="020B0609030804020204" pitchFamily="49" charset="0"/>
+            </a:endParaRPr>
+          </a:p>
+          <a:p>
+            <a:pPr lvl="1"/>
+            <a:r>
+              <a:rPr lang="en-US" dirty="0">
+                <a:latin typeface="Menlo" panose="020B0609030804020204" pitchFamily="49" charset="0"/>
+              </a:rPr>
+              <a:t>…</a:t>
+            </a:r>
+          </a:p>
+          <a:p>
+            <a:pPr lvl="1"/>
+            <a:endParaRPr lang="en-US" dirty="0">
+              <a:latin typeface="Menlo" panose="020B0609030804020204" pitchFamily="49" charset="0"/>
+            </a:endParaRPr>
+          </a:p>
+          <a:p>
+            <a:pPr lvl="1"/>
+            <a:r>
+              <a:rPr lang="en-US" dirty="0">
+                <a:solidFill>
+                  <a:srgbClr val="FF0000"/>
+                </a:solidFill>
+                <a:latin typeface="Menlo" panose="020B0609030804020204" pitchFamily="49" charset="0"/>
+              </a:rPr>
+              <a:t>unsigned </a:t>
+            </a:r>
+            <a:r>
+              <a:rPr lang="en-US" dirty="0" err="1">
+                <a:solidFill>
+                  <a:srgbClr val="FF0000"/>
+                </a:solidFill>
+                <a:latin typeface="Menlo" panose="020B0609030804020204" pitchFamily="49" charset="0"/>
+              </a:rPr>
+              <a:t>int</a:t>
+            </a:r>
+            <a:r>
+              <a:rPr lang="en-US" dirty="0">
+                <a:solidFill>
+                  <a:srgbClr val="FF0000"/>
+                </a:solidFill>
+                <a:latin typeface="Menlo" panose="020B0609030804020204" pitchFamily="49" charset="0"/>
+              </a:rPr>
+              <a:t> </a:t>
+            </a:r>
+            <a:r>
+              <a:rPr lang="en-US" dirty="0" err="1">
+                <a:solidFill>
+                  <a:srgbClr val="FF0000"/>
+                </a:solidFill>
+                <a:latin typeface="Menlo" panose="020B0609030804020204" pitchFamily="49" charset="0"/>
+              </a:rPr>
+              <a:t>presentCnt</a:t>
+            </a:r>
+            <a:r>
+              <a:rPr lang="en-US" dirty="0">
+                <a:solidFill>
+                  <a:srgbClr val="FF0000"/>
+                </a:solidFill>
+                <a:latin typeface="Menlo" panose="020B0609030804020204" pitchFamily="49" charset="0"/>
+              </a:rPr>
+              <a:t> = 0; </a:t>
+            </a:r>
+          </a:p>
+          <a:p>
+            <a:r>
+              <a:rPr lang="en-US" dirty="0">
+                <a:latin typeface="Menlo" panose="020B0609030804020204" pitchFamily="49" charset="0"/>
+              </a:rPr>
+              <a:t>};</a:t>
+            </a:r>
+          </a:p>
+          <a:p>
+            <a:endParaRPr lang="en-US" b="0" dirty="0">
+              <a:effectLst/>
+              <a:latin typeface="Menlo" panose="020B0609030804020204" pitchFamily="49" charset="0"/>
+            </a:endParaRPr>
+          </a:p>
+          <a:p>
+            <a:r>
+              <a:rPr lang="en-US" dirty="0" err="1">
+                <a:solidFill>
+                  <a:srgbClr val="FF0000"/>
+                </a:solidFill>
+                <a:latin typeface="Menlo" panose="020B0609030804020204" pitchFamily="49" charset="0"/>
+              </a:rPr>
+              <a:t>presentCnt</a:t>
+            </a:r>
+            <a:r>
+              <a:rPr lang="en-US" dirty="0">
+                <a:solidFill>
+                  <a:srgbClr val="FF0000"/>
+                </a:solidFill>
+                <a:latin typeface="Menlo" panose="020B0609030804020204" pitchFamily="49" charset="0"/>
+              </a:rPr>
+              <a:t>++ </a:t>
+            </a:r>
+            <a:r>
+              <a:rPr lang="en-US" dirty="0">
+                <a:latin typeface="Menlo" panose="020B0609030804020204" pitchFamily="49" charset="0"/>
+              </a:rPr>
+              <a:t>When a block is read.</a:t>
+            </a:r>
+          </a:p>
+          <a:p>
+            <a:endParaRPr lang="en-US" dirty="0">
+              <a:latin typeface="Menlo" panose="020B0609030804020204" pitchFamily="49" charset="0"/>
+            </a:endParaRPr>
+          </a:p>
+          <a:p>
+            <a:r>
+              <a:rPr lang="en-US" dirty="0" err="1">
+                <a:solidFill>
+                  <a:srgbClr val="FF0000"/>
+                </a:solidFill>
+                <a:latin typeface="Menlo" panose="020B0609030804020204" pitchFamily="49" charset="0"/>
+              </a:rPr>
+              <a:t>presentCnt</a:t>
+            </a:r>
+            <a:r>
+              <a:rPr lang="en-US" dirty="0">
+                <a:solidFill>
+                  <a:srgbClr val="FF0000"/>
+                </a:solidFill>
+                <a:latin typeface="Menlo" panose="020B0609030804020204" pitchFamily="49" charset="0"/>
+              </a:rPr>
+              <a:t>-- </a:t>
+            </a:r>
+            <a:r>
+              <a:rPr lang="en-US" dirty="0">
+                <a:latin typeface="Menlo" panose="020B0609030804020204" pitchFamily="49" charset="0"/>
+              </a:rPr>
+              <a:t>When an upper level cache block that read from current block is evicted.</a:t>
+            </a:r>
+          </a:p>
+          <a:p>
+            <a:endParaRPr lang="en-US" dirty="0">
+              <a:latin typeface="Menlo" panose="020B0609030804020204" pitchFamily="49" charset="0"/>
+            </a:endParaRPr>
+          </a:p>
+          <a:p>
+            <a:r>
+              <a:rPr lang="en-US" dirty="0">
+                <a:latin typeface="Menlo" panose="020B0609030804020204" pitchFamily="49" charset="0"/>
+              </a:rPr>
+              <a:t>In replacement policy, only blocks with </a:t>
+            </a:r>
+            <a:r>
+              <a:rPr lang="en-US" dirty="0" err="1">
+                <a:solidFill>
+                  <a:srgbClr val="FF0000"/>
+                </a:solidFill>
+                <a:latin typeface="Menlo" panose="020B0609030804020204" pitchFamily="49" charset="0"/>
+              </a:rPr>
+              <a:t>presentCnt</a:t>
+            </a:r>
+            <a:r>
+              <a:rPr lang="en-US" dirty="0">
+                <a:solidFill>
+                  <a:srgbClr val="FF0000"/>
+                </a:solidFill>
+                <a:latin typeface="Menlo" panose="020B0609030804020204" pitchFamily="49" charset="0"/>
+              </a:rPr>
+              <a:t> = 0 </a:t>
+            </a:r>
+            <a:r>
+              <a:rPr lang="en-US" dirty="0">
+                <a:latin typeface="Menlo" panose="020B0609030804020204" pitchFamily="49" charset="0"/>
+              </a:rPr>
+              <a:t>can be replaced.</a:t>
+            </a:r>
+          </a:p>
+          <a:p>
+            <a:endParaRPr lang="en-US" b="0" dirty="0">
+              <a:effectLst/>
+              <a:latin typeface="Menlo" panose="020B0609030804020204" pitchFamily="49" charset="0"/>
+            </a:endParaRPr>
+          </a:p>
+        </p:txBody>
+      </p:sp>
+    </p:spTree>
+    <p:extLst>
+      <p:ext uri="{BB962C8B-B14F-4D97-AF65-F5344CB8AC3E}">
+        <p14:creationId xmlns:p14="http://schemas.microsoft.com/office/powerpoint/2010/main" val="3784361807"/>
+      </p:ext>
+    </p:extLst>
+  </p:cSld>
+  <p:clrMapOvr>
+    <a:masterClrMapping/>
+  </p:clrMapOvr>
+</p:sld>
+</file>
+
+<file path=ppt/slides/slide12.xml><?xml version="1.0" encoding="utf-8"?>
+<p:sld xmlns:a="http://schemas.openxmlformats.org/drawingml/2006/main" xmlns:r="http://schemas.openxmlformats.org/officeDocument/2006/relationships" xmlns:p="http://schemas.openxmlformats.org/presentationml/2006/main">
+  <p:cSld>
+    <p:spTree>
+      <p:nvGrpSpPr>
+        <p:cNvPr id="1" name=""/>
+        <p:cNvGrpSpPr/>
+        <p:nvPr/>
+      </p:nvGrpSpPr>
+      <p:grpSpPr>
+        <a:xfrm>
+          <a:off x="0" y="0"/>
+          <a:ext cx="0" cy="0"/>
+          <a:chOff x="0" y="0"/>
+          <a:chExt cx="0" cy="0"/>
+        </a:xfrm>
+      </p:grpSpPr>
+      <p:sp>
+        <p:nvSpPr>
+          <p:cNvPr id="2" name="标题 1">
+            <a:extLst>
+              <a:ext uri="{FF2B5EF4-FFF2-40B4-BE49-F238E27FC236}">
+                <a16:creationId xmlns:a16="http://schemas.microsoft.com/office/drawing/2014/main" id="{5614F489-64FA-44FF-B952-7E619998D529}"/>
+              </a:ext>
+            </a:extLst>
+          </p:cNvPr>
+          <p:cNvSpPr>
+            <a:spLocks noGrp="1"/>
+          </p:cNvSpPr>
+          <p:nvPr>
+            <p:ph type="title"/>
+          </p:nvPr>
+        </p:nvSpPr>
+        <p:spPr>
+          <a:xfrm>
+            <a:off x="266330" y="179034"/>
+            <a:ext cx="9716382" cy="624111"/>
+          </a:xfrm>
+        </p:spPr>
+        <p:txBody>
+          <a:bodyPr>
+            <a:normAutofit fontScale="90000"/>
+          </a:bodyPr>
+          <a:lstStyle/>
+          <a:p>
+            <a:pPr algn="l"/>
+            <a:r>
+              <a:rPr lang="en-US" altLang="zh-CN" sz="4000" cap="none" dirty="0">
+                <a:latin typeface="Times New Roman" panose="02020603050405020304" pitchFamily="18" charset="0"/>
+                <a:cs typeface="Times New Roman" panose="02020603050405020304" pitchFamily="18" charset="0"/>
+              </a:rPr>
+              <a:t>Implementing LFU Replacement Policy</a:t>
+            </a:r>
+          </a:p>
+        </p:txBody>
+      </p:sp>
+      <p:pic>
+        <p:nvPicPr>
+          <p:cNvPr id="5" name="图片 4">
+            <a:extLst>
+              <a:ext uri="{FF2B5EF4-FFF2-40B4-BE49-F238E27FC236}">
+                <a16:creationId xmlns:a16="http://schemas.microsoft.com/office/drawing/2014/main" id="{9A868921-D01B-4887-B254-5FE03F250BDF}"/>
+              </a:ext>
+            </a:extLst>
+          </p:cNvPr>
+          <p:cNvPicPr>
+            <a:picLocks noChangeAspect="1"/>
+          </p:cNvPicPr>
+          <p:nvPr/>
+        </p:nvPicPr>
+        <p:blipFill>
+          <a:blip r:embed="rId2"/>
+          <a:stretch>
+            <a:fillRect/>
+          </a:stretch>
+        </p:blipFill>
+        <p:spPr>
+          <a:xfrm>
+            <a:off x="621437" y="819704"/>
+            <a:ext cx="10949126" cy="5859262"/>
+          </a:xfrm>
+          <a:prstGeom prst="rect">
+            <a:avLst/>
+          </a:prstGeom>
+        </p:spPr>
+      </p:pic>
+    </p:spTree>
+    <p:extLst>
+      <p:ext uri="{BB962C8B-B14F-4D97-AF65-F5344CB8AC3E}">
+        <p14:creationId xmlns:p14="http://schemas.microsoft.com/office/powerpoint/2010/main" val="1539855805"/>
+      </p:ext>
+    </p:extLst>
+  </p:cSld>
+  <p:clrMapOvr>
+    <a:masterClrMapping/>
+  </p:clrMapOvr>
+</p:sld>
+</file>
+
+<file path=ppt/slides/slide13.xml><?xml version="1.0" encoding="utf-8"?>
+<p:sld xmlns:a="http://schemas.openxmlformats.org/drawingml/2006/main" xmlns:r="http://schemas.openxmlformats.org/officeDocument/2006/relationships" xmlns:p="http://schemas.openxmlformats.org/presentationml/2006/main">
+  <p:cSld>
+    <p:spTree>
+      <p:nvGrpSpPr>
+        <p:cNvPr id="1" name=""/>
+        <p:cNvGrpSpPr/>
+        <p:nvPr/>
+      </p:nvGrpSpPr>
+      <p:grpSpPr>
+        <a:xfrm>
+          <a:off x="0" y="0"/>
+          <a:ext cx="0" cy="0"/>
+          <a:chOff x="0" y="0"/>
+          <a:chExt cx="0" cy="0"/>
+        </a:xfrm>
+      </p:grpSpPr>
+      <p:sp>
+        <p:nvSpPr>
+          <p:cNvPr id="2" name="标题 1">
+            <a:extLst>
+              <a:ext uri="{FF2B5EF4-FFF2-40B4-BE49-F238E27FC236}">
+                <a16:creationId xmlns:a16="http://schemas.microsoft.com/office/drawing/2014/main" id="{5614F489-64FA-44FF-B952-7E619998D529}"/>
+              </a:ext>
+            </a:extLst>
+          </p:cNvPr>
+          <p:cNvSpPr>
+            <a:spLocks noGrp="1"/>
+          </p:cNvSpPr>
+          <p:nvPr>
+            <p:ph type="title"/>
+          </p:nvPr>
+        </p:nvSpPr>
+        <p:spPr>
+          <a:xfrm>
+            <a:off x="266330" y="179034"/>
+            <a:ext cx="9716382" cy="624111"/>
+          </a:xfrm>
+        </p:spPr>
+        <p:txBody>
+          <a:bodyPr>
+            <a:normAutofit fontScale="90000"/>
+          </a:bodyPr>
+          <a:lstStyle/>
+          <a:p>
+            <a:pPr algn="l"/>
+            <a:r>
+              <a:rPr lang="en-US" altLang="zh-CN" sz="4000" cap="none" dirty="0">
+                <a:latin typeface="Times New Roman" panose="02020603050405020304" pitchFamily="18" charset="0"/>
+                <a:cs typeface="Times New Roman" panose="02020603050405020304" pitchFamily="18" charset="0"/>
+              </a:rPr>
+              <a:t>Implementing LFU Replacement Policy</a:t>
+            </a:r>
+          </a:p>
+        </p:txBody>
+      </p:sp>
+      <p:sp>
+        <p:nvSpPr>
+          <p:cNvPr id="6" name="Rectangle 5">
+            <a:extLst>
+              <a:ext uri="{FF2B5EF4-FFF2-40B4-BE49-F238E27FC236}">
+                <a16:creationId xmlns:a16="http://schemas.microsoft.com/office/drawing/2014/main" id="{25861ACB-DCFC-F044-B786-EDC72674DD97}"/>
+              </a:ext>
+            </a:extLst>
+          </p:cNvPr>
+          <p:cNvSpPr/>
+          <p:nvPr/>
+        </p:nvSpPr>
+        <p:spPr>
+          <a:xfrm>
+            <a:off x="266327" y="1092578"/>
+            <a:ext cx="9010837" cy="5355312"/>
+          </a:xfrm>
+          <a:prstGeom prst="rect">
+            <a:avLst/>
+          </a:prstGeom>
+        </p:spPr>
+        <p:txBody>
+          <a:bodyPr wrap="square">
+            <a:spAutoFit/>
+          </a:bodyPr>
+          <a:lstStyle/>
+          <a:p>
+            <a:r>
+              <a:rPr lang="en-US" dirty="0">
+                <a:latin typeface="Menlo" panose="020B0609030804020204" pitchFamily="49" charset="0"/>
+              </a:rPr>
+              <a:t>struct </a:t>
+            </a:r>
+            <a:r>
+              <a:rPr lang="en-US" dirty="0" err="1">
+                <a:latin typeface="Menlo" panose="020B0609030804020204" pitchFamily="49" charset="0"/>
+              </a:rPr>
+              <a:t>cache_blk_t</a:t>
+            </a:r>
+            <a:endParaRPr lang="en-US" dirty="0">
+              <a:latin typeface="Menlo" panose="020B0609030804020204" pitchFamily="49" charset="0"/>
+            </a:endParaRPr>
+          </a:p>
+          <a:p>
+            <a:r>
+              <a:rPr lang="en-US" dirty="0">
+                <a:latin typeface="Menlo" panose="020B0609030804020204" pitchFamily="49" charset="0"/>
+              </a:rPr>
+              <a:t>{</a:t>
+            </a:r>
+          </a:p>
+          <a:p>
+            <a:pPr lvl="1"/>
+            <a:r>
+              <a:rPr lang="en-US" dirty="0">
+                <a:latin typeface="Menlo" panose="020B0609030804020204" pitchFamily="49" charset="0"/>
+              </a:rPr>
+              <a:t>struct </a:t>
+            </a:r>
+            <a:r>
+              <a:rPr lang="en-US" dirty="0" err="1">
+                <a:latin typeface="Menlo" panose="020B0609030804020204" pitchFamily="49" charset="0"/>
+              </a:rPr>
+              <a:t>cache_blk_t</a:t>
+            </a:r>
+            <a:r>
+              <a:rPr lang="en-US" dirty="0">
+                <a:latin typeface="Menlo" panose="020B0609030804020204" pitchFamily="49" charset="0"/>
+              </a:rPr>
+              <a:t> *</a:t>
+            </a:r>
+            <a:r>
+              <a:rPr lang="en-US" dirty="0" err="1">
+                <a:latin typeface="Menlo" panose="020B0609030804020204" pitchFamily="49" charset="0"/>
+              </a:rPr>
+              <a:t>way_next</a:t>
+            </a:r>
+            <a:r>
+              <a:rPr lang="en-US" dirty="0">
+                <a:latin typeface="Menlo" panose="020B0609030804020204" pitchFamily="49" charset="0"/>
+              </a:rPr>
+              <a:t>; </a:t>
+            </a:r>
+          </a:p>
+          <a:p>
+            <a:pPr lvl="1"/>
+            <a:r>
+              <a:rPr lang="en-US" dirty="0">
+                <a:latin typeface="Menlo" panose="020B0609030804020204" pitchFamily="49" charset="0"/>
+              </a:rPr>
+              <a:t>struct </a:t>
+            </a:r>
+            <a:r>
+              <a:rPr lang="en-US" dirty="0" err="1">
+                <a:latin typeface="Menlo" panose="020B0609030804020204" pitchFamily="49" charset="0"/>
+              </a:rPr>
+              <a:t>cache_blk_t</a:t>
+            </a:r>
+            <a:r>
+              <a:rPr lang="en-US" dirty="0">
+                <a:latin typeface="Menlo" panose="020B0609030804020204" pitchFamily="49" charset="0"/>
+              </a:rPr>
+              <a:t> *</a:t>
+            </a:r>
+            <a:r>
+              <a:rPr lang="en-US" dirty="0" err="1">
+                <a:latin typeface="Menlo" panose="020B0609030804020204" pitchFamily="49" charset="0"/>
+              </a:rPr>
+              <a:t>way_prev</a:t>
+            </a:r>
+            <a:r>
+              <a:rPr lang="en-US" dirty="0">
+                <a:latin typeface="Menlo" panose="020B0609030804020204" pitchFamily="49" charset="0"/>
+              </a:rPr>
+              <a:t>; </a:t>
+            </a:r>
+          </a:p>
+          <a:p>
+            <a:pPr lvl="1"/>
+            <a:r>
+              <a:rPr lang="en-US" dirty="0">
+                <a:latin typeface="Menlo" panose="020B0609030804020204" pitchFamily="49" charset="0"/>
+              </a:rPr>
+              <a:t>struct </a:t>
+            </a:r>
+            <a:r>
+              <a:rPr lang="en-US" dirty="0" err="1">
+                <a:latin typeface="Menlo" panose="020B0609030804020204" pitchFamily="49" charset="0"/>
+              </a:rPr>
+              <a:t>cache_blk_t</a:t>
+            </a:r>
+            <a:r>
+              <a:rPr lang="en-US" dirty="0">
+                <a:latin typeface="Menlo" panose="020B0609030804020204" pitchFamily="49" charset="0"/>
+              </a:rPr>
+              <a:t> *</a:t>
+            </a:r>
+            <a:r>
+              <a:rPr lang="en-US" dirty="0" err="1">
+                <a:latin typeface="Menlo" panose="020B0609030804020204" pitchFamily="49" charset="0"/>
+              </a:rPr>
+              <a:t>hash_next</a:t>
+            </a:r>
+            <a:r>
+              <a:rPr lang="en-US" dirty="0">
+                <a:latin typeface="Menlo" panose="020B0609030804020204" pitchFamily="49" charset="0"/>
+              </a:rPr>
+              <a:t>; </a:t>
+            </a:r>
+          </a:p>
+          <a:p>
+            <a:pPr lvl="1"/>
+            <a:r>
+              <a:rPr lang="en-US" dirty="0" err="1">
+                <a:latin typeface="Menlo" panose="020B0609030804020204" pitchFamily="49" charset="0"/>
+              </a:rPr>
+              <a:t>md_addr_t</a:t>
+            </a:r>
+            <a:r>
+              <a:rPr lang="en-US" dirty="0">
+                <a:latin typeface="Menlo" panose="020B0609030804020204" pitchFamily="49" charset="0"/>
+              </a:rPr>
+              <a:t> tag; </a:t>
+            </a:r>
+            <a:r>
+              <a:rPr lang="en-US" i="1" dirty="0">
+                <a:solidFill>
+                  <a:schemeClr val="tx1">
+                    <a:lumMod val="50000"/>
+                    <a:lumOff val="50000"/>
+                  </a:schemeClr>
+                </a:solidFill>
+                <a:latin typeface="Menlo" panose="020B0609030804020204" pitchFamily="49" charset="0"/>
+              </a:rPr>
+              <a:t>/* data block tag value */</a:t>
+            </a:r>
+            <a:endParaRPr lang="en-US" dirty="0">
+              <a:solidFill>
+                <a:schemeClr val="tx1">
+                  <a:lumMod val="50000"/>
+                  <a:lumOff val="50000"/>
+                </a:schemeClr>
+              </a:solidFill>
+              <a:latin typeface="Menlo" panose="020B0609030804020204" pitchFamily="49" charset="0"/>
+            </a:endParaRPr>
+          </a:p>
+          <a:p>
+            <a:pPr lvl="1"/>
+            <a:r>
+              <a:rPr lang="en-US" dirty="0">
+                <a:latin typeface="Menlo" panose="020B0609030804020204" pitchFamily="49" charset="0"/>
+              </a:rPr>
+              <a:t>unsigned </a:t>
+            </a:r>
+            <a:r>
+              <a:rPr lang="en-US" dirty="0" err="1">
+                <a:latin typeface="Menlo" panose="020B0609030804020204" pitchFamily="49" charset="0"/>
+              </a:rPr>
+              <a:t>int</a:t>
+            </a:r>
+            <a:r>
+              <a:rPr lang="en-US" dirty="0">
+                <a:latin typeface="Menlo" panose="020B0609030804020204" pitchFamily="49" charset="0"/>
+              </a:rPr>
+              <a:t> status; </a:t>
+            </a:r>
+            <a:r>
+              <a:rPr lang="en-US" i="1" dirty="0">
+                <a:solidFill>
+                  <a:schemeClr val="tx1">
+                    <a:lumMod val="50000"/>
+                    <a:lumOff val="50000"/>
+                  </a:schemeClr>
+                </a:solidFill>
+                <a:latin typeface="Menlo" panose="020B0609030804020204" pitchFamily="49" charset="0"/>
+              </a:rPr>
+              <a:t>/* block status */</a:t>
+            </a:r>
+            <a:endParaRPr lang="en-US" dirty="0">
+              <a:solidFill>
+                <a:schemeClr val="tx1">
+                  <a:lumMod val="50000"/>
+                  <a:lumOff val="50000"/>
+                </a:schemeClr>
+              </a:solidFill>
+              <a:latin typeface="Menlo" panose="020B0609030804020204" pitchFamily="49" charset="0"/>
+            </a:endParaRPr>
+          </a:p>
+          <a:p>
+            <a:pPr lvl="1"/>
+            <a:r>
+              <a:rPr lang="en-US" dirty="0">
+                <a:latin typeface="Menlo" panose="020B0609030804020204" pitchFamily="49" charset="0"/>
+              </a:rPr>
+              <a:t>…</a:t>
+            </a:r>
+          </a:p>
+          <a:p>
+            <a:pPr lvl="1"/>
+            <a:endParaRPr lang="en-US" dirty="0">
+              <a:latin typeface="Menlo" panose="020B0609030804020204" pitchFamily="49" charset="0"/>
+            </a:endParaRPr>
+          </a:p>
+          <a:p>
+            <a:pPr lvl="1"/>
+            <a:r>
+              <a:rPr lang="en-US" dirty="0">
+                <a:solidFill>
+                  <a:srgbClr val="FF0000"/>
+                </a:solidFill>
+                <a:latin typeface="Menlo" panose="020B0609030804020204" pitchFamily="49" charset="0"/>
+              </a:rPr>
+              <a:t>unsigned </a:t>
+            </a:r>
+            <a:r>
+              <a:rPr lang="en-US" dirty="0" err="1">
+                <a:solidFill>
+                  <a:srgbClr val="FF0000"/>
+                </a:solidFill>
+                <a:latin typeface="Menlo" panose="020B0609030804020204" pitchFamily="49" charset="0"/>
+              </a:rPr>
+              <a:t>int</a:t>
+            </a:r>
+            <a:r>
+              <a:rPr lang="en-US" dirty="0">
+                <a:solidFill>
+                  <a:srgbClr val="FF0000"/>
+                </a:solidFill>
+                <a:latin typeface="Menlo" panose="020B0609030804020204" pitchFamily="49" charset="0"/>
+              </a:rPr>
+              <a:t> </a:t>
+            </a:r>
+            <a:r>
+              <a:rPr lang="en-US" dirty="0" err="1">
+                <a:solidFill>
+                  <a:srgbClr val="FF0000"/>
+                </a:solidFill>
+                <a:latin typeface="Menlo" panose="020B0609030804020204" pitchFamily="49" charset="0"/>
+              </a:rPr>
+              <a:t>presentCnt</a:t>
+            </a:r>
+            <a:r>
+              <a:rPr lang="en-US" dirty="0">
+                <a:solidFill>
+                  <a:srgbClr val="FF0000"/>
+                </a:solidFill>
+                <a:latin typeface="Menlo" panose="020B0609030804020204" pitchFamily="49" charset="0"/>
+              </a:rPr>
+              <a:t> = 0; </a:t>
+            </a:r>
+          </a:p>
+          <a:p>
+            <a:pPr lvl="1"/>
+            <a:r>
+              <a:rPr lang="en-US" dirty="0">
+                <a:solidFill>
+                  <a:srgbClr val="FF0000"/>
+                </a:solidFill>
+                <a:latin typeface="Menlo" panose="020B0609030804020204" pitchFamily="49" charset="0"/>
+              </a:rPr>
+              <a:t>unsigned </a:t>
+            </a:r>
+            <a:r>
+              <a:rPr lang="en-US" dirty="0" err="1">
+                <a:solidFill>
+                  <a:srgbClr val="FF0000"/>
+                </a:solidFill>
+                <a:latin typeface="Menlo" panose="020B0609030804020204" pitchFamily="49" charset="0"/>
+              </a:rPr>
+              <a:t>int</a:t>
+            </a:r>
+            <a:r>
+              <a:rPr lang="en-US" dirty="0">
+                <a:solidFill>
+                  <a:srgbClr val="FF0000"/>
+                </a:solidFill>
+                <a:latin typeface="Menlo" panose="020B0609030804020204" pitchFamily="49" charset="0"/>
+              </a:rPr>
+              <a:t> </a:t>
+            </a:r>
+            <a:r>
+              <a:rPr lang="en-US" dirty="0" err="1">
+                <a:solidFill>
+                  <a:srgbClr val="FF0000"/>
+                </a:solidFill>
+                <a:latin typeface="Menlo" panose="020B0609030804020204" pitchFamily="49" charset="0"/>
+              </a:rPr>
+              <a:t>useCnt</a:t>
+            </a:r>
+            <a:r>
+              <a:rPr lang="en-US" dirty="0">
+                <a:solidFill>
+                  <a:srgbClr val="FF0000"/>
+                </a:solidFill>
+                <a:latin typeface="Menlo" panose="020B0609030804020204" pitchFamily="49" charset="0"/>
+              </a:rPr>
+              <a:t> = 0;</a:t>
+            </a:r>
+          </a:p>
+          <a:p>
+            <a:r>
+              <a:rPr lang="en-US" dirty="0">
+                <a:latin typeface="Menlo" panose="020B0609030804020204" pitchFamily="49" charset="0"/>
+              </a:rPr>
+              <a:t>};</a:t>
+            </a:r>
+          </a:p>
+          <a:p>
+            <a:endParaRPr lang="en-US" b="0" dirty="0">
+              <a:effectLst/>
+              <a:latin typeface="Menlo" panose="020B0609030804020204" pitchFamily="49" charset="0"/>
+            </a:endParaRPr>
+          </a:p>
+          <a:p>
+            <a:r>
+              <a:rPr lang="en-US" b="0" dirty="0">
+                <a:effectLst/>
+                <a:latin typeface="Menlo" panose="020B0609030804020204" pitchFamily="49" charset="0"/>
+              </a:rPr>
+              <a:t>LFU replacement policy: evict the cache block that has the </a:t>
+            </a:r>
+            <a:r>
+              <a:rPr lang="en-US" b="0" dirty="0" err="1">
+                <a:effectLst/>
+                <a:latin typeface="Menlo" panose="020B0609030804020204" pitchFamily="49" charset="0"/>
+              </a:rPr>
+              <a:t>minimun</a:t>
+            </a:r>
+            <a:r>
+              <a:rPr lang="en-US" b="0" dirty="0">
+                <a:effectLst/>
+                <a:latin typeface="Menlo" panose="020B0609030804020204" pitchFamily="49" charset="0"/>
+              </a:rPr>
+              <a:t> </a:t>
+            </a:r>
+            <a:r>
+              <a:rPr lang="en-US" b="0" dirty="0" err="1">
+                <a:effectLst/>
+                <a:latin typeface="Menlo" panose="020B0609030804020204" pitchFamily="49" charset="0"/>
+              </a:rPr>
+              <a:t>useCnt</a:t>
+            </a:r>
+            <a:r>
+              <a:rPr lang="en-US" b="0" dirty="0">
+                <a:effectLst/>
+                <a:latin typeface="Menlo" panose="020B0609030804020204" pitchFamily="49" charset="0"/>
+              </a:rPr>
+              <a:t>. </a:t>
+            </a:r>
+            <a:r>
+              <a:rPr lang="en-US" dirty="0">
+                <a:latin typeface="Menlo" panose="020B0609030804020204" pitchFamily="49" charset="0"/>
+              </a:rPr>
+              <a:t>Randomly pick one if there are multiple blocks with minimum </a:t>
+            </a:r>
+            <a:r>
+              <a:rPr lang="en-US" dirty="0" err="1">
+                <a:latin typeface="Menlo" panose="020B0609030804020204" pitchFamily="49" charset="0"/>
+              </a:rPr>
+              <a:t>useCnt</a:t>
+            </a:r>
+            <a:r>
+              <a:rPr lang="en-US" dirty="0">
+                <a:latin typeface="Menlo" panose="020B0609030804020204" pitchFamily="49" charset="0"/>
+              </a:rPr>
+              <a:t>.</a:t>
+            </a:r>
+          </a:p>
+          <a:p>
+            <a:endParaRPr lang="en-US" dirty="0">
+              <a:latin typeface="Menlo" panose="020B0609030804020204" pitchFamily="49" charset="0"/>
+            </a:endParaRPr>
+          </a:p>
+          <a:p>
+            <a:r>
+              <a:rPr lang="en-US" b="0" dirty="0">
+                <a:effectLst/>
+                <a:latin typeface="Menlo" panose="020B0609030804020204" pitchFamily="49" charset="0"/>
+              </a:rPr>
+              <a:t>Need to take care of </a:t>
+            </a:r>
+            <a:r>
+              <a:rPr lang="en-US" b="0" dirty="0" err="1">
+                <a:effectLst/>
+                <a:latin typeface="Menlo" panose="020B0609030804020204" pitchFamily="49" charset="0"/>
+              </a:rPr>
+              <a:t>useCnt</a:t>
+            </a:r>
+            <a:r>
+              <a:rPr lang="en-US" b="0" dirty="0">
+                <a:effectLst/>
+                <a:latin typeface="Menlo" panose="020B0609030804020204" pitchFamily="49" charset="0"/>
+              </a:rPr>
+              <a:t> overflow. Stop adding up </a:t>
+            </a:r>
+            <a:r>
+              <a:rPr lang="en-US" b="0" dirty="0" err="1">
+                <a:effectLst/>
+                <a:latin typeface="Menlo" panose="020B0609030804020204" pitchFamily="49" charset="0"/>
+              </a:rPr>
+              <a:t>useCnt</a:t>
+            </a:r>
+            <a:r>
+              <a:rPr lang="en-US" b="0" dirty="0">
+                <a:effectLst/>
+                <a:latin typeface="Menlo" panose="020B0609030804020204" pitchFamily="49" charset="0"/>
+              </a:rPr>
+              <a:t> for the block when it happens.</a:t>
+            </a:r>
+          </a:p>
+        </p:txBody>
+      </p:sp>
+    </p:spTree>
+    <p:extLst>
+      <p:ext uri="{BB962C8B-B14F-4D97-AF65-F5344CB8AC3E}">
+        <p14:creationId xmlns:p14="http://schemas.microsoft.com/office/powerpoint/2010/main" val="1354139159"/>
+      </p:ext>
+    </p:extLst>
+  </p:cSld>
+  <p:clrMapOvr>
+    <a:masterClrMapping/>
+  </p:clrMapOvr>
+</p:sld>
+</file>
+
+<file path=ppt/slides/slide14.xml><?xml version="1.0" encoding="utf-8"?>
+<p:sld xmlns:a="http://schemas.openxmlformats.org/drawingml/2006/main" xmlns:r="http://schemas.openxmlformats.org/officeDocument/2006/relationships" xmlns:p="http://schemas.openxmlformats.org/presentationml/2006/main">
+  <p:cSld>
+    <p:spTree>
+      <p:nvGrpSpPr>
+        <p:cNvPr id="1" name=""/>
+        <p:cNvGrpSpPr/>
+        <p:nvPr/>
+      </p:nvGrpSpPr>
+      <p:grpSpPr>
+        <a:xfrm>
+          <a:off x="0" y="0"/>
+          <a:ext cx="0" cy="0"/>
+          <a:chOff x="0" y="0"/>
+          <a:chExt cx="0" cy="0"/>
+        </a:xfrm>
+      </p:grpSpPr>
+      <p:sp>
+        <p:nvSpPr>
+          <p:cNvPr id="2" name="标题 1">
+            <a:extLst>
+              <a:ext uri="{FF2B5EF4-FFF2-40B4-BE49-F238E27FC236}">
+                <a16:creationId xmlns:a16="http://schemas.microsoft.com/office/drawing/2014/main" id="{5614F489-64FA-44FF-B952-7E619998D529}"/>
+              </a:ext>
+            </a:extLst>
+          </p:cNvPr>
+          <p:cNvSpPr>
+            <a:spLocks noGrp="1"/>
+          </p:cNvSpPr>
+          <p:nvPr>
+            <p:ph type="title"/>
+          </p:nvPr>
+        </p:nvSpPr>
+        <p:spPr>
+          <a:xfrm>
+            <a:off x="227860" y="356587"/>
+            <a:ext cx="11345662" cy="1880586"/>
+          </a:xfrm>
+        </p:spPr>
+        <p:txBody>
+          <a:bodyPr>
+            <a:normAutofit fontScale="90000"/>
+          </a:bodyPr>
+          <a:lstStyle/>
+          <a:p>
+            <a:pPr algn="l"/>
+            <a:r>
+              <a:rPr lang="en-US" altLang="zh-CN" sz="4400" cap="none" dirty="0">
+                <a:latin typeface="Times New Roman" panose="02020603050405020304" pitchFamily="18" charset="0"/>
+                <a:cs typeface="Times New Roman" panose="02020603050405020304" pitchFamily="18" charset="0"/>
+              </a:rPr>
+              <a:t>Implementing Multi-Core</a:t>
+            </a:r>
+            <a:br>
+              <a:rPr lang="en-US" altLang="zh-CN" sz="4400" cap="none" dirty="0">
+                <a:latin typeface="Times New Roman" panose="02020603050405020304" pitchFamily="18" charset="0"/>
+                <a:cs typeface="Times New Roman" panose="02020603050405020304" pitchFamily="18" charset="0"/>
+              </a:rPr>
+            </a:br>
+            <a:br>
+              <a:rPr lang="en-US" altLang="zh-CN" cap="none" dirty="0">
+                <a:latin typeface="Times New Roman" panose="02020603050405020304" pitchFamily="18" charset="0"/>
+                <a:cs typeface="Times New Roman" panose="02020603050405020304" pitchFamily="18" charset="0"/>
+              </a:rPr>
+            </a:br>
+            <a:br>
+              <a:rPr lang="en-US" altLang="zh-CN" cap="none" dirty="0">
+                <a:latin typeface="Times New Roman" panose="02020603050405020304" pitchFamily="18" charset="0"/>
+                <a:cs typeface="Times New Roman" panose="02020603050405020304" pitchFamily="18" charset="0"/>
+              </a:rPr>
+            </a:br>
+            <a:endParaRPr lang="zh-CN" altLang="en-US" cap="none" dirty="0">
+              <a:latin typeface="Times New Roman" panose="02020603050405020304" pitchFamily="18" charset="0"/>
+              <a:cs typeface="Times New Roman" panose="02020603050405020304" pitchFamily="18" charset="0"/>
+            </a:endParaRPr>
+          </a:p>
+        </p:txBody>
+      </p:sp>
+      <p:sp>
+        <p:nvSpPr>
+          <p:cNvPr id="3" name="Rectangle 2">
+            <a:extLst>
+              <a:ext uri="{FF2B5EF4-FFF2-40B4-BE49-F238E27FC236}">
+                <a16:creationId xmlns:a16="http://schemas.microsoft.com/office/drawing/2014/main" id="{41598BC9-7665-E54C-850F-A7B49082A0A0}"/>
+              </a:ext>
+            </a:extLst>
+          </p:cNvPr>
+          <p:cNvSpPr/>
+          <p:nvPr/>
+        </p:nvSpPr>
+        <p:spPr>
+          <a:xfrm>
+            <a:off x="266327" y="1092578"/>
+            <a:ext cx="9010837" cy="3693319"/>
+          </a:xfrm>
+          <a:prstGeom prst="rect">
+            <a:avLst/>
+          </a:prstGeom>
+        </p:spPr>
+        <p:txBody>
+          <a:bodyPr wrap="square">
+            <a:spAutoFit/>
+          </a:bodyPr>
+          <a:lstStyle/>
+          <a:p>
+            <a:r>
+              <a:rPr lang="en-US" b="0" dirty="0">
+                <a:effectLst/>
+                <a:latin typeface="Menlo" panose="020B0609030804020204" pitchFamily="49" charset="0"/>
+              </a:rPr>
+              <a:t>Preliminary idea:</a:t>
+            </a:r>
+          </a:p>
+          <a:p>
+            <a:endParaRPr lang="en-US" b="0" dirty="0">
+              <a:effectLst/>
+              <a:latin typeface="Menlo" panose="020B0609030804020204" pitchFamily="49" charset="0"/>
+            </a:endParaRPr>
+          </a:p>
+          <a:p>
+            <a:r>
+              <a:rPr lang="en-US" dirty="0">
+                <a:latin typeface="Menlo" panose="020B0609030804020204" pitchFamily="49" charset="0"/>
+              </a:rPr>
+              <a:t>Start multiple threads for </a:t>
+            </a:r>
+            <a:r>
+              <a:rPr lang="en-US" dirty="0" err="1">
+                <a:latin typeface="Menlo" panose="020B0609030804020204" pitchFamily="49" charset="0"/>
+              </a:rPr>
+              <a:t>sim_main</a:t>
+            </a:r>
+            <a:r>
+              <a:rPr lang="en-US" dirty="0">
+                <a:latin typeface="Menlo" panose="020B0609030804020204" pitchFamily="49" charset="0"/>
+              </a:rPr>
+              <a:t> function, each thread simulates a core.</a:t>
+            </a:r>
+          </a:p>
+          <a:p>
+            <a:endParaRPr lang="en-US" dirty="0">
+              <a:latin typeface="Menlo" panose="020B0609030804020204" pitchFamily="49" charset="0"/>
+            </a:endParaRPr>
+          </a:p>
+          <a:p>
+            <a:r>
+              <a:rPr lang="en-US" dirty="0">
+                <a:latin typeface="Menlo" panose="020B0609030804020204" pitchFamily="49" charset="0"/>
+              </a:rPr>
+              <a:t>Feed different test program for each thread.</a:t>
+            </a:r>
+          </a:p>
+          <a:p>
+            <a:endParaRPr lang="en-US" b="0" dirty="0">
+              <a:effectLst/>
+              <a:latin typeface="Menlo" panose="020B0609030804020204" pitchFamily="49" charset="0"/>
+            </a:endParaRPr>
+          </a:p>
+          <a:p>
+            <a:r>
+              <a:rPr lang="en-US" dirty="0">
+                <a:latin typeface="Menlo" panose="020B0609030804020204" pitchFamily="49" charset="0"/>
+              </a:rPr>
+              <a:t>Synchronize clock among simulation threads.</a:t>
+            </a:r>
+          </a:p>
+          <a:p>
+            <a:endParaRPr lang="en-US" b="0" dirty="0">
+              <a:effectLst/>
+              <a:latin typeface="Menlo" panose="020B0609030804020204" pitchFamily="49" charset="0"/>
+            </a:endParaRPr>
+          </a:p>
+          <a:p>
+            <a:r>
+              <a:rPr lang="en-US" b="0" dirty="0">
+                <a:effectLst/>
+                <a:latin typeface="Menlo" panose="020B0609030804020204" pitchFamily="49" charset="0"/>
+              </a:rPr>
+              <a:t>Each thread keeps </a:t>
+            </a:r>
+            <a:r>
+              <a:rPr lang="en-US" dirty="0">
+                <a:latin typeface="Menlo" panose="020B0609030804020204" pitchFamily="49" charset="0"/>
+              </a:rPr>
+              <a:t>its private caches.</a:t>
+            </a:r>
+          </a:p>
+          <a:p>
+            <a:endParaRPr lang="en-US" b="0" dirty="0">
+              <a:effectLst/>
+              <a:latin typeface="Menlo" panose="020B0609030804020204" pitchFamily="49" charset="0"/>
+            </a:endParaRPr>
+          </a:p>
+          <a:p>
+            <a:r>
+              <a:rPr lang="en-US" dirty="0">
+                <a:latin typeface="Menlo" panose="020B0609030804020204" pitchFamily="49" charset="0"/>
+              </a:rPr>
+              <a:t>For shared caches, each clock only satisfy one read/write, other threads have to wait for next cycle.</a:t>
+            </a:r>
+            <a:endParaRPr lang="en-US" b="0" dirty="0">
+              <a:effectLst/>
+              <a:latin typeface="Menlo" panose="020B0609030804020204" pitchFamily="49" charset="0"/>
+            </a:endParaRPr>
+          </a:p>
+        </p:txBody>
+      </p:sp>
+    </p:spTree>
+    <p:extLst>
+      <p:ext uri="{BB962C8B-B14F-4D97-AF65-F5344CB8AC3E}">
+        <p14:creationId xmlns:p14="http://schemas.microsoft.com/office/powerpoint/2010/main" val="2401989797"/>
+      </p:ext>
+    </p:extLst>
+  </p:cSld>
+  <p:clrMapOvr>
+    <a:masterClrMapping/>
+  </p:clrMapOvr>
+</p:sld>
+</file>
+
+<file path=ppt/slides/slide15.xml><?xml version="1.0" encoding="utf-8"?>
+<p:sld xmlns:a="http://schemas.openxmlformats.org/drawingml/2006/main" xmlns:r="http://schemas.openxmlformats.org/officeDocument/2006/relationships" xmlns:p="http://schemas.openxmlformats.org/presentationml/2006/main">
+  <p:cSld>
+    <p:spTree>
+      <p:nvGrpSpPr>
+        <p:cNvPr id="1" name=""/>
+        <p:cNvGrpSpPr/>
+        <p:nvPr/>
+      </p:nvGrpSpPr>
+      <p:grpSpPr>
+        <a:xfrm>
+          <a:off x="0" y="0"/>
+          <a:ext cx="0" cy="0"/>
+          <a:chOff x="0" y="0"/>
+          <a:chExt cx="0" cy="0"/>
+        </a:xfrm>
+      </p:grpSpPr>
+      <p:sp>
+        <p:nvSpPr>
+          <p:cNvPr id="2" name="标题 1">
+            <a:extLst>
+              <a:ext uri="{FF2B5EF4-FFF2-40B4-BE49-F238E27FC236}">
+                <a16:creationId xmlns:a16="http://schemas.microsoft.com/office/drawing/2014/main" id="{5614F489-64FA-44FF-B952-7E619998D529}"/>
+              </a:ext>
+            </a:extLst>
+          </p:cNvPr>
+          <p:cNvSpPr>
+            <a:spLocks noGrp="1"/>
+          </p:cNvSpPr>
+          <p:nvPr>
+            <p:ph type="title"/>
+          </p:nvPr>
+        </p:nvSpPr>
+        <p:spPr>
+          <a:xfrm>
+            <a:off x="266330" y="179033"/>
+            <a:ext cx="11345662" cy="2004874"/>
+          </a:xfrm>
+        </p:spPr>
+        <p:txBody>
+          <a:bodyPr>
+            <a:normAutofit fontScale="90000"/>
+          </a:bodyPr>
+          <a:lstStyle/>
+          <a:p>
+            <a:pPr algn="l"/>
+            <a:r>
+              <a:rPr lang="en-US" altLang="zh-CN" sz="4400" cap="none" dirty="0">
+                <a:latin typeface="Times New Roman" panose="02020603050405020304" pitchFamily="18" charset="0"/>
+                <a:cs typeface="Times New Roman" panose="02020603050405020304" pitchFamily="18" charset="0"/>
+              </a:rPr>
+              <a:t>Test &amp; Collect Data</a:t>
+            </a:r>
+            <a:br>
+              <a:rPr lang="en-US" altLang="zh-CN" sz="4400" cap="none" dirty="0">
+                <a:latin typeface="Times New Roman" panose="02020603050405020304" pitchFamily="18" charset="0"/>
+                <a:cs typeface="Times New Roman" panose="02020603050405020304" pitchFamily="18" charset="0"/>
+              </a:rPr>
+            </a:br>
+            <a:br>
+              <a:rPr lang="en-US" altLang="zh-CN" cap="none" dirty="0">
+                <a:latin typeface="Times New Roman" panose="02020603050405020304" pitchFamily="18" charset="0"/>
+                <a:cs typeface="Times New Roman" panose="02020603050405020304" pitchFamily="18" charset="0"/>
+              </a:rPr>
+            </a:br>
+            <a:br>
+              <a:rPr lang="en-US" altLang="zh-CN" cap="none" dirty="0">
+                <a:latin typeface="Times New Roman" panose="02020603050405020304" pitchFamily="18" charset="0"/>
+                <a:cs typeface="Times New Roman" panose="02020603050405020304" pitchFamily="18" charset="0"/>
+              </a:rPr>
+            </a:br>
+            <a:endParaRPr lang="zh-CN" altLang="en-US" cap="none" dirty="0">
+              <a:latin typeface="Times New Roman" panose="02020603050405020304" pitchFamily="18" charset="0"/>
+              <a:cs typeface="Times New Roman" panose="02020603050405020304" pitchFamily="18" charset="0"/>
+            </a:endParaRPr>
+          </a:p>
+        </p:txBody>
+      </p:sp>
+      <p:sp>
+        <p:nvSpPr>
+          <p:cNvPr id="5" name="文本框 4">
+            <a:extLst>
+              <a:ext uri="{FF2B5EF4-FFF2-40B4-BE49-F238E27FC236}">
+                <a16:creationId xmlns:a16="http://schemas.microsoft.com/office/drawing/2014/main" id="{4678C1C5-51A7-4B18-A718-D3117E110DAF}"/>
+              </a:ext>
+            </a:extLst>
+          </p:cNvPr>
+          <p:cNvSpPr txBox="1"/>
+          <p:nvPr/>
+        </p:nvSpPr>
+        <p:spPr>
+          <a:xfrm>
+            <a:off x="501587" y="1385162"/>
+            <a:ext cx="11188823" cy="3600986"/>
+          </a:xfrm>
+          <a:prstGeom prst="rect">
+            <a:avLst/>
+          </a:prstGeom>
+          <a:noFill/>
+        </p:spPr>
+        <p:txBody>
+          <a:bodyPr wrap="square" rtlCol="0">
+            <a:spAutoFit/>
+          </a:bodyPr>
+          <a:lstStyle/>
+          <a:p>
+            <a:pPr marL="457200" indent="-457200">
+              <a:buFont typeface="Arial" panose="020B0604020202020204" pitchFamily="34" charset="0"/>
+              <a:buChar char="•"/>
+            </a:pPr>
+            <a:r>
+              <a:rPr lang="en-US" altLang="zh-CN" sz="3200" dirty="0">
+                <a:latin typeface="Times New Roman" panose="02020603050405020304" pitchFamily="18" charset="0"/>
+                <a:cs typeface="Times New Roman" panose="02020603050405020304" pitchFamily="18" charset="0"/>
+              </a:rPr>
+              <a:t>Two test programs</a:t>
+            </a:r>
+          </a:p>
+          <a:p>
+            <a:pPr marL="457200" indent="-457200">
+              <a:buFont typeface="Arial" panose="020B0604020202020204" pitchFamily="34" charset="0"/>
+              <a:buChar char="•"/>
+            </a:pPr>
+            <a:endParaRPr lang="en-US" altLang="zh-CN" sz="3200" dirty="0">
+              <a:latin typeface="Times New Roman" panose="02020603050405020304" pitchFamily="18" charset="0"/>
+              <a:cs typeface="Times New Roman" panose="02020603050405020304" pitchFamily="18" charset="0"/>
+            </a:endParaRPr>
+          </a:p>
+          <a:p>
+            <a:pPr marL="457200" indent="-457200">
+              <a:buFont typeface="Arial" panose="020B0604020202020204" pitchFamily="34" charset="0"/>
+              <a:buChar char="•"/>
+            </a:pPr>
+            <a:r>
+              <a:rPr lang="en-US" altLang="zh-CN" sz="3200" dirty="0">
+                <a:latin typeface="Times New Roman" panose="02020603050405020304" pitchFamily="18" charset="0"/>
+                <a:cs typeface="Times New Roman" panose="02020603050405020304" pitchFamily="18" charset="0"/>
+              </a:rPr>
+              <a:t>Sequential Access to Memory</a:t>
+            </a:r>
+          </a:p>
+          <a:p>
+            <a:pPr marL="457200" indent="-457200">
+              <a:buFont typeface="Arial" panose="020B0604020202020204" pitchFamily="34" charset="0"/>
+              <a:buChar char="•"/>
+            </a:pPr>
+            <a:endParaRPr lang="en-US" altLang="zh-CN" sz="3200" dirty="0">
+              <a:latin typeface="Times New Roman" panose="02020603050405020304" pitchFamily="18" charset="0"/>
+              <a:cs typeface="Times New Roman" panose="02020603050405020304" pitchFamily="18" charset="0"/>
+            </a:endParaRPr>
+          </a:p>
+          <a:p>
+            <a:pPr marL="457200" indent="-457200">
+              <a:buFont typeface="Arial" panose="020B0604020202020204" pitchFamily="34" charset="0"/>
+              <a:buChar char="•"/>
+            </a:pPr>
+            <a:r>
+              <a:rPr lang="en-US" altLang="zh-CN" sz="3200" dirty="0">
+                <a:latin typeface="Times New Roman" panose="02020603050405020304" pitchFamily="18" charset="0"/>
+                <a:cs typeface="Times New Roman" panose="02020603050405020304" pitchFamily="18" charset="0"/>
+              </a:rPr>
+              <a:t>Random Access to Memory</a:t>
+            </a:r>
+          </a:p>
+          <a:p>
+            <a:pPr marL="457200" indent="-457200">
+              <a:buFont typeface="Arial" panose="020B0604020202020204" pitchFamily="34" charset="0"/>
+              <a:buChar char="•"/>
+            </a:pPr>
+            <a:endParaRPr lang="en-US" altLang="zh-CN" sz="3200" dirty="0">
+              <a:latin typeface="Times New Roman" panose="02020603050405020304" pitchFamily="18" charset="0"/>
+              <a:cs typeface="Times New Roman" panose="02020603050405020304" pitchFamily="18" charset="0"/>
+            </a:endParaRPr>
+          </a:p>
+          <a:p>
+            <a:endParaRPr lang="zh-CN" altLang="en-US" sz="3600" dirty="0"/>
+          </a:p>
+        </p:txBody>
+      </p:sp>
+    </p:spTree>
+    <p:extLst>
+      <p:ext uri="{BB962C8B-B14F-4D97-AF65-F5344CB8AC3E}">
+        <p14:creationId xmlns:p14="http://schemas.microsoft.com/office/powerpoint/2010/main" val="3603376140"/>
+      </p:ext>
+    </p:extLst>
+  </p:cSld>
+  <p:clrMapOvr>
+    <a:masterClrMapping/>
+  </p:clrMapOvr>
+</p:sld>
+</file>
+
+<file path=ppt/slides/slide16.xml><?xml version="1.0" encoding="utf-8"?>
+<p:sld xmlns:a="http://schemas.openxmlformats.org/drawingml/2006/main" xmlns:r="http://schemas.openxmlformats.org/officeDocument/2006/relationships" xmlns:p="http://schemas.openxmlformats.org/presentationml/2006/main">
+  <p:cSld>
+    <p:spTree>
+      <p:nvGrpSpPr>
+        <p:cNvPr id="1" name=""/>
+        <p:cNvGrpSpPr/>
+        <p:nvPr/>
+      </p:nvGrpSpPr>
+      <p:grpSpPr>
+        <a:xfrm>
+          <a:off x="0" y="0"/>
+          <a:ext cx="0" cy="0"/>
+          <a:chOff x="0" y="0"/>
+          <a:chExt cx="0" cy="0"/>
+        </a:xfrm>
+      </p:grpSpPr>
+      <p:sp>
+        <p:nvSpPr>
+          <p:cNvPr id="2" name="标题 1">
+            <a:extLst>
+              <a:ext uri="{FF2B5EF4-FFF2-40B4-BE49-F238E27FC236}">
+                <a16:creationId xmlns:a16="http://schemas.microsoft.com/office/drawing/2014/main" id="{5614F489-64FA-44FF-B952-7E619998D529}"/>
+              </a:ext>
+            </a:extLst>
+          </p:cNvPr>
+          <p:cNvSpPr>
+            <a:spLocks noGrp="1"/>
+          </p:cNvSpPr>
+          <p:nvPr>
+            <p:ph type="title"/>
+          </p:nvPr>
+        </p:nvSpPr>
+        <p:spPr>
+          <a:xfrm>
             <a:off x="266330" y="179033"/>
             <a:ext cx="11345662" cy="2004874"/>
           </a:xfrm>
@@ -6523,7 +8490,7 @@
 </p:sld>
 </file>
 
-<file path=ppt/slides/slide12.xml><?xml version="1.0" encoding="utf-8"?>
+<file path=ppt/slides/slide17.xml><?xml version="1.0" encoding="utf-8"?>
 <p:sld xmlns:a="http://schemas.openxmlformats.org/drawingml/2006/main" xmlns:r="http://schemas.openxmlformats.org/officeDocument/2006/relationships" xmlns:p="http://schemas.openxmlformats.org/presentationml/2006/main">
   <p:cSld>
     <p:spTree>
@@ -7467,45 +9434,367 @@
                 <a:latin typeface="Times New Roman" panose="02020603050405020304" pitchFamily="18" charset="0"/>
                 <a:cs typeface="Times New Roman" panose="02020603050405020304" pitchFamily="18" charset="0"/>
               </a:rPr>
-              <a:t>Implementing LFU Replacement Policy</a:t>
-            </a:r>
-          </a:p>
-        </p:txBody>
-      </p:sp>
-      <p:pic>
-        <p:nvPicPr>
-          <p:cNvPr id="5" name="图片 4">
+              <a:t>Implementing L3 Cache</a:t>
+            </a:r>
+            <a:br>
+              <a:rPr lang="en-US" altLang="zh-CN" sz="4000" cap="none" dirty="0">
+                <a:latin typeface="Times New Roman" panose="02020603050405020304" pitchFamily="18" charset="0"/>
+                <a:cs typeface="Times New Roman" panose="02020603050405020304" pitchFamily="18" charset="0"/>
+              </a:rPr>
+            </a:br>
+            <a:r>
+              <a:rPr lang="en-US" sz="2000" cap="none" dirty="0">
+                <a:latin typeface="Menlo" panose="020B0609030804020204" pitchFamily="49" charset="0"/>
+              </a:rPr>
+              <a:t>Declare L3 cache</a:t>
+            </a:r>
+            <a:endParaRPr lang="zh-CN" altLang="en-US" sz="4000" cap="none" dirty="0">
+              <a:latin typeface="Times New Roman" panose="02020603050405020304" pitchFamily="18" charset="0"/>
+              <a:cs typeface="Times New Roman" panose="02020603050405020304" pitchFamily="18" charset="0"/>
+            </a:endParaRPr>
+          </a:p>
+        </p:txBody>
+      </p:sp>
+      <p:sp>
+        <p:nvSpPr>
+          <p:cNvPr id="4" name="Rectangle 3">
             <a:extLst>
               <a:ext uri="{FF2B5EF4-FFF2-40B4-BE49-F238E27FC236}">
-                <a16:creationId xmlns:a16="http://schemas.microsoft.com/office/drawing/2014/main" id="{9A868921-D01B-4887-B254-5FE03F250BDF}"/>
+                <a16:creationId xmlns:a16="http://schemas.microsoft.com/office/drawing/2014/main" id="{555DEAEB-89AF-6C47-9FC5-C2C23D99BF73}"/>
               </a:ext>
             </a:extLst>
           </p:cNvPr>
-          <p:cNvPicPr>
-            <a:picLocks noChangeAspect="1"/>
-          </p:cNvPicPr>
+          <p:cNvSpPr/>
           <p:nvPr/>
-        </p:nvPicPr>
-        <p:blipFill>
-          <a:blip r:embed="rId2"/>
-          <a:stretch>
-            <a:fillRect/>
-          </a:stretch>
-        </p:blipFill>
-        <p:spPr>
-          <a:xfrm>
-            <a:off x="621437" y="819704"/>
-            <a:ext cx="10949126" cy="5859262"/>
+        </p:nvSpPr>
+        <p:spPr>
+          <a:xfrm>
+            <a:off x="266330" y="1175681"/>
+            <a:ext cx="11567603" cy="4801314"/>
           </a:xfrm>
           <a:prstGeom prst="rect">
             <a:avLst/>
           </a:prstGeom>
         </p:spPr>
-      </p:pic>
+        <p:txBody>
+          <a:bodyPr wrap="square">
+            <a:spAutoFit/>
+          </a:bodyPr>
+          <a:lstStyle/>
+          <a:p>
+            <a:r>
+              <a:rPr lang="en-US" i="1" dirty="0">
+                <a:solidFill>
+                  <a:schemeClr val="tx1">
+                    <a:lumMod val="50000"/>
+                    <a:lumOff val="50000"/>
+                  </a:schemeClr>
+                </a:solidFill>
+                <a:latin typeface="Menlo" panose="020B0609030804020204" pitchFamily="49" charset="0"/>
+              </a:rPr>
+              <a:t>/* level 1 instruction cache, entry level instruction cache */</a:t>
+            </a:r>
+            <a:endParaRPr lang="en-US" dirty="0">
+              <a:solidFill>
+                <a:schemeClr val="tx1">
+                  <a:lumMod val="50000"/>
+                  <a:lumOff val="50000"/>
+                </a:schemeClr>
+              </a:solidFill>
+              <a:latin typeface="Menlo" panose="020B0609030804020204" pitchFamily="49" charset="0"/>
+            </a:endParaRPr>
+          </a:p>
+          <a:p>
+            <a:r>
+              <a:rPr lang="en-US" dirty="0">
+                <a:latin typeface="Menlo" panose="020B0609030804020204" pitchFamily="49" charset="0"/>
+              </a:rPr>
+              <a:t>static struct </a:t>
+            </a:r>
+            <a:r>
+              <a:rPr lang="en-US" dirty="0" err="1">
+                <a:latin typeface="Menlo" panose="020B0609030804020204" pitchFamily="49" charset="0"/>
+              </a:rPr>
+              <a:t>cache_t</a:t>
+            </a:r>
+            <a:r>
+              <a:rPr lang="en-US" dirty="0">
+                <a:latin typeface="Menlo" panose="020B0609030804020204" pitchFamily="49" charset="0"/>
+              </a:rPr>
+              <a:t> *cache_il1 = NULL;</a:t>
+            </a:r>
+          </a:p>
+          <a:p>
+            <a:br>
+              <a:rPr lang="en-US" dirty="0">
+                <a:latin typeface="Menlo" panose="020B0609030804020204" pitchFamily="49" charset="0"/>
+              </a:rPr>
+            </a:br>
+            <a:r>
+              <a:rPr lang="en-US" i="1" dirty="0">
+                <a:solidFill>
+                  <a:schemeClr val="tx1">
+                    <a:lumMod val="50000"/>
+                    <a:lumOff val="50000"/>
+                  </a:schemeClr>
+                </a:solidFill>
+                <a:latin typeface="Menlo" panose="020B0609030804020204" pitchFamily="49" charset="0"/>
+              </a:rPr>
+              <a:t>/* level 2 instruction cache */</a:t>
+            </a:r>
+            <a:endParaRPr lang="en-US" dirty="0">
+              <a:solidFill>
+                <a:schemeClr val="tx1">
+                  <a:lumMod val="50000"/>
+                  <a:lumOff val="50000"/>
+                </a:schemeClr>
+              </a:solidFill>
+              <a:latin typeface="Menlo" panose="020B0609030804020204" pitchFamily="49" charset="0"/>
+            </a:endParaRPr>
+          </a:p>
+          <a:p>
+            <a:r>
+              <a:rPr lang="en-US" dirty="0">
+                <a:latin typeface="Menlo" panose="020B0609030804020204" pitchFamily="49" charset="0"/>
+              </a:rPr>
+              <a:t>static struct </a:t>
+            </a:r>
+            <a:r>
+              <a:rPr lang="en-US" dirty="0" err="1">
+                <a:latin typeface="Menlo" panose="020B0609030804020204" pitchFamily="49" charset="0"/>
+              </a:rPr>
+              <a:t>cache_t</a:t>
+            </a:r>
+            <a:r>
+              <a:rPr lang="en-US" dirty="0">
+                <a:latin typeface="Menlo" panose="020B0609030804020204" pitchFamily="49" charset="0"/>
+              </a:rPr>
+              <a:t> *cache_il2 = NULL;</a:t>
+            </a:r>
+          </a:p>
+          <a:p>
+            <a:br>
+              <a:rPr lang="en-US" dirty="0">
+                <a:latin typeface="Menlo" panose="020B0609030804020204" pitchFamily="49" charset="0"/>
+              </a:rPr>
+            </a:br>
+            <a:r>
+              <a:rPr lang="en-US" i="1" dirty="0">
+                <a:solidFill>
+                  <a:schemeClr val="tx1">
+                    <a:lumMod val="50000"/>
+                    <a:lumOff val="50000"/>
+                  </a:schemeClr>
+                </a:solidFill>
+                <a:latin typeface="Menlo" panose="020B0609030804020204" pitchFamily="49" charset="0"/>
+              </a:rPr>
+              <a:t>/* level 3 instruction cache */</a:t>
+            </a:r>
+            <a:endParaRPr lang="en-US" dirty="0">
+              <a:solidFill>
+                <a:schemeClr val="tx1">
+                  <a:lumMod val="50000"/>
+                  <a:lumOff val="50000"/>
+                </a:schemeClr>
+              </a:solidFill>
+              <a:latin typeface="Menlo" panose="020B0609030804020204" pitchFamily="49" charset="0"/>
+            </a:endParaRPr>
+          </a:p>
+          <a:p>
+            <a:r>
+              <a:rPr lang="en-US" dirty="0">
+                <a:solidFill>
+                  <a:srgbClr val="FF0000"/>
+                </a:solidFill>
+                <a:latin typeface="Menlo" panose="020B0609030804020204" pitchFamily="49" charset="0"/>
+              </a:rPr>
+              <a:t>static struct </a:t>
+            </a:r>
+            <a:r>
+              <a:rPr lang="en-US" dirty="0" err="1">
+                <a:solidFill>
+                  <a:srgbClr val="FF0000"/>
+                </a:solidFill>
+                <a:latin typeface="Menlo" panose="020B0609030804020204" pitchFamily="49" charset="0"/>
+              </a:rPr>
+              <a:t>cache_t</a:t>
+            </a:r>
+            <a:r>
+              <a:rPr lang="en-US" dirty="0">
+                <a:solidFill>
+                  <a:srgbClr val="FF0000"/>
+                </a:solidFill>
+                <a:latin typeface="Menlo" panose="020B0609030804020204" pitchFamily="49" charset="0"/>
+              </a:rPr>
+              <a:t> *cache_il3 = NULL; </a:t>
+            </a:r>
+          </a:p>
+          <a:p>
+            <a:br>
+              <a:rPr lang="en-US" dirty="0">
+                <a:latin typeface="Menlo" panose="020B0609030804020204" pitchFamily="49" charset="0"/>
+              </a:rPr>
+            </a:br>
+            <a:r>
+              <a:rPr lang="en-US" i="1" dirty="0">
+                <a:solidFill>
+                  <a:schemeClr val="tx1">
+                    <a:lumMod val="50000"/>
+                    <a:lumOff val="50000"/>
+                  </a:schemeClr>
+                </a:solidFill>
+                <a:latin typeface="Menlo" panose="020B0609030804020204" pitchFamily="49" charset="0"/>
+              </a:rPr>
+              <a:t>/* level 1 data cache, entry level data cache */</a:t>
+            </a:r>
+            <a:endParaRPr lang="en-US" dirty="0">
+              <a:solidFill>
+                <a:schemeClr val="tx1">
+                  <a:lumMod val="50000"/>
+                  <a:lumOff val="50000"/>
+                </a:schemeClr>
+              </a:solidFill>
+              <a:latin typeface="Menlo" panose="020B0609030804020204" pitchFamily="49" charset="0"/>
+            </a:endParaRPr>
+          </a:p>
+          <a:p>
+            <a:r>
+              <a:rPr lang="en-US" dirty="0">
+                <a:latin typeface="Menlo" panose="020B0609030804020204" pitchFamily="49" charset="0"/>
+              </a:rPr>
+              <a:t>static struct </a:t>
+            </a:r>
+            <a:r>
+              <a:rPr lang="en-US" dirty="0" err="1">
+                <a:latin typeface="Menlo" panose="020B0609030804020204" pitchFamily="49" charset="0"/>
+              </a:rPr>
+              <a:t>cache_t</a:t>
+            </a:r>
+            <a:r>
+              <a:rPr lang="en-US" dirty="0">
+                <a:latin typeface="Menlo" panose="020B0609030804020204" pitchFamily="49" charset="0"/>
+              </a:rPr>
+              <a:t> *cache_dl1 = NULL;</a:t>
+            </a:r>
+          </a:p>
+          <a:p>
+            <a:br>
+              <a:rPr lang="en-US" dirty="0">
+                <a:latin typeface="Menlo" panose="020B0609030804020204" pitchFamily="49" charset="0"/>
+              </a:rPr>
+            </a:br>
+            <a:r>
+              <a:rPr lang="en-US" i="1" dirty="0">
+                <a:solidFill>
+                  <a:schemeClr val="tx1">
+                    <a:lumMod val="50000"/>
+                    <a:lumOff val="50000"/>
+                  </a:schemeClr>
+                </a:solidFill>
+                <a:latin typeface="Menlo" panose="020B0609030804020204" pitchFamily="49" charset="0"/>
+              </a:rPr>
+              <a:t>/* level 2 data cache */</a:t>
+            </a:r>
+            <a:endParaRPr lang="en-US" dirty="0">
+              <a:solidFill>
+                <a:schemeClr val="tx1">
+                  <a:lumMod val="50000"/>
+                  <a:lumOff val="50000"/>
+                </a:schemeClr>
+              </a:solidFill>
+              <a:latin typeface="Menlo" panose="020B0609030804020204" pitchFamily="49" charset="0"/>
+            </a:endParaRPr>
+          </a:p>
+          <a:p>
+            <a:r>
+              <a:rPr lang="en-US" dirty="0">
+                <a:latin typeface="Menlo" panose="020B0609030804020204" pitchFamily="49" charset="0"/>
+              </a:rPr>
+              <a:t>static struct </a:t>
+            </a:r>
+            <a:r>
+              <a:rPr lang="en-US" dirty="0" err="1">
+                <a:latin typeface="Menlo" panose="020B0609030804020204" pitchFamily="49" charset="0"/>
+              </a:rPr>
+              <a:t>cache_t</a:t>
+            </a:r>
+            <a:r>
+              <a:rPr lang="en-US" dirty="0">
+                <a:latin typeface="Menlo" panose="020B0609030804020204" pitchFamily="49" charset="0"/>
+              </a:rPr>
+              <a:t> *cache_dl2 = NULL;</a:t>
+            </a:r>
+          </a:p>
+          <a:p>
+            <a:br>
+              <a:rPr lang="en-US" dirty="0">
+                <a:latin typeface="Menlo" panose="020B0609030804020204" pitchFamily="49" charset="0"/>
+              </a:rPr>
+            </a:br>
+            <a:r>
+              <a:rPr lang="en-US" i="1" dirty="0">
+                <a:solidFill>
+                  <a:schemeClr val="tx1">
+                    <a:lumMod val="50000"/>
+                    <a:lumOff val="50000"/>
+                  </a:schemeClr>
+                </a:solidFill>
+                <a:latin typeface="Menlo" panose="020B0609030804020204" pitchFamily="49" charset="0"/>
+              </a:rPr>
+              <a:t>/* level 3 data cache */</a:t>
+            </a:r>
+            <a:endParaRPr lang="en-US" dirty="0">
+              <a:solidFill>
+                <a:schemeClr val="tx1">
+                  <a:lumMod val="50000"/>
+                  <a:lumOff val="50000"/>
+                </a:schemeClr>
+              </a:solidFill>
+              <a:latin typeface="Menlo" panose="020B0609030804020204" pitchFamily="49" charset="0"/>
+            </a:endParaRPr>
+          </a:p>
+          <a:p>
+            <a:r>
+              <a:rPr lang="en-US" dirty="0">
+                <a:solidFill>
+                  <a:srgbClr val="FF0000"/>
+                </a:solidFill>
+                <a:latin typeface="Menlo" panose="020B0609030804020204" pitchFamily="49" charset="0"/>
+              </a:rPr>
+              <a:t>static struct </a:t>
+            </a:r>
+            <a:r>
+              <a:rPr lang="en-US" dirty="0" err="1">
+                <a:solidFill>
+                  <a:srgbClr val="FF0000"/>
+                </a:solidFill>
+                <a:latin typeface="Menlo" panose="020B0609030804020204" pitchFamily="49" charset="0"/>
+              </a:rPr>
+              <a:t>cache_t</a:t>
+            </a:r>
+            <a:r>
+              <a:rPr lang="en-US" dirty="0">
+                <a:solidFill>
+                  <a:srgbClr val="FF0000"/>
+                </a:solidFill>
+                <a:latin typeface="Menlo" panose="020B0609030804020204" pitchFamily="49" charset="0"/>
+              </a:rPr>
+              <a:t> *cache_dl3 = NULL; </a:t>
+            </a:r>
+            <a:endParaRPr lang="en-US" b="0" dirty="0">
+              <a:solidFill>
+                <a:srgbClr val="FF0000"/>
+              </a:solidFill>
+              <a:effectLst/>
+              <a:latin typeface="Menlo" panose="020B0609030804020204" pitchFamily="49" charset="0"/>
+            </a:endParaRPr>
+          </a:p>
+        </p:txBody>
+      </p:sp>
     </p:spTree>
     <p:extLst>
       <p:ext uri="{BB962C8B-B14F-4D97-AF65-F5344CB8AC3E}">
-        <p14:creationId xmlns:p14="http://schemas.microsoft.com/office/powerpoint/2010/main" val="1539855805"/>
+        <p14:creationId xmlns:p14="http://schemas.microsoft.com/office/powerpoint/2010/main" val="1226545607"/>
       </p:ext>
     </p:extLst>
   </p:cSld>
@@ -7550,8 +9839,8 @@
         </p:nvSpPr>
         <p:spPr>
           <a:xfrm>
-            <a:off x="227860" y="356587"/>
-            <a:ext cx="11345662" cy="1880586"/>
+            <a:off x="266330" y="179034"/>
+            <a:ext cx="9716382" cy="624111"/>
           </a:xfrm>
         </p:spPr>
         <p:txBody>
@@ -7562,41 +9851,384 @@
           <a:p>
             <a:pPr algn="l"/>
             <a:r>
-              <a:rPr lang="en-US" altLang="zh-CN" sz="4400" cap="none" dirty="0">
+              <a:rPr lang="en-US" altLang="zh-CN" sz="4000" cap="none" dirty="0">
                 <a:latin typeface="Times New Roman" panose="02020603050405020304" pitchFamily="18" charset="0"/>
                 <a:cs typeface="Times New Roman" panose="02020603050405020304" pitchFamily="18" charset="0"/>
               </a:rPr>
-              <a:t>Implementing Multi-Core</a:t>
+              <a:t>Implementing L3 Cache</a:t>
             </a:r>
             <a:br>
-              <a:rPr lang="en-US" altLang="zh-CN" sz="4400" cap="none" dirty="0">
+              <a:rPr lang="en-US" altLang="zh-CN" sz="4000" cap="none" dirty="0">
                 <a:latin typeface="Times New Roman" panose="02020603050405020304" pitchFamily="18" charset="0"/>
                 <a:cs typeface="Times New Roman" panose="02020603050405020304" pitchFamily="18" charset="0"/>
               </a:rPr>
             </a:br>
-            <a:br>
-              <a:rPr lang="en-US" altLang="zh-CN" cap="none" dirty="0">
-                <a:latin typeface="Times New Roman" panose="02020603050405020304" pitchFamily="18" charset="0"/>
-                <a:cs typeface="Times New Roman" panose="02020603050405020304" pitchFamily="18" charset="0"/>
-              </a:rPr>
-            </a:br>
-            <a:br>
-              <a:rPr lang="en-US" altLang="zh-CN" cap="none" dirty="0">
-                <a:latin typeface="Times New Roman" panose="02020603050405020304" pitchFamily="18" charset="0"/>
-                <a:cs typeface="Times New Roman" panose="02020603050405020304" pitchFamily="18" charset="0"/>
-              </a:rPr>
-            </a:br>
-            <a:endParaRPr lang="zh-CN" altLang="en-US" cap="none" dirty="0">
+            <a:r>
+              <a:rPr lang="en-US" sz="2000" cap="none" dirty="0">
+                <a:latin typeface="Menlo" panose="020B0609030804020204" pitchFamily="49" charset="0"/>
+              </a:rPr>
+              <a:t>Cache miss handler function</a:t>
+            </a:r>
+            <a:endParaRPr lang="zh-CN" altLang="en-US" sz="4000" cap="none" dirty="0">
               <a:latin typeface="Times New Roman" panose="02020603050405020304" pitchFamily="18" charset="0"/>
               <a:cs typeface="Times New Roman" panose="02020603050405020304" pitchFamily="18" charset="0"/>
             </a:endParaRPr>
           </a:p>
         </p:txBody>
       </p:sp>
+      <p:sp>
+        <p:nvSpPr>
+          <p:cNvPr id="3" name="Rectangle 2">
+            <a:extLst>
+              <a:ext uri="{FF2B5EF4-FFF2-40B4-BE49-F238E27FC236}">
+                <a16:creationId xmlns:a16="http://schemas.microsoft.com/office/drawing/2014/main" id="{3F2BCFDE-8F39-624B-837A-4442E2970DC4}"/>
+              </a:ext>
+            </a:extLst>
+          </p:cNvPr>
+          <p:cNvSpPr/>
+          <p:nvPr/>
+        </p:nvSpPr>
+        <p:spPr>
+          <a:xfrm>
+            <a:off x="266329" y="803145"/>
+            <a:ext cx="10777491" cy="4801314"/>
+          </a:xfrm>
+          <a:prstGeom prst="rect">
+            <a:avLst/>
+          </a:prstGeom>
+        </p:spPr>
+        <p:txBody>
+          <a:bodyPr wrap="square">
+            <a:spAutoFit/>
+          </a:bodyPr>
+          <a:lstStyle/>
+          <a:p>
+            <a:endParaRPr lang="en-US" dirty="0">
+              <a:latin typeface="Menlo" panose="020B0609030804020204" pitchFamily="49" charset="0"/>
+            </a:endParaRPr>
+          </a:p>
+          <a:p>
+            <a:r>
+              <a:rPr lang="en-US" dirty="0">
+                <a:latin typeface="Menlo" panose="020B0609030804020204" pitchFamily="49" charset="0"/>
+              </a:rPr>
+              <a:t>struct </a:t>
+            </a:r>
+            <a:r>
+              <a:rPr lang="en-US" dirty="0" err="1">
+                <a:latin typeface="Menlo" panose="020B0609030804020204" pitchFamily="49" charset="0"/>
+              </a:rPr>
+              <a:t>cache_t</a:t>
+            </a:r>
+            <a:endParaRPr lang="en-US" dirty="0">
+              <a:latin typeface="Menlo" panose="020B0609030804020204" pitchFamily="49" charset="0"/>
+            </a:endParaRPr>
+          </a:p>
+          <a:p>
+            <a:r>
+              <a:rPr lang="en-US" dirty="0">
+                <a:latin typeface="Menlo" panose="020B0609030804020204" pitchFamily="49" charset="0"/>
+              </a:rPr>
+              <a:t>{</a:t>
+            </a:r>
+          </a:p>
+          <a:p>
+            <a:pPr lvl="1"/>
+            <a:r>
+              <a:rPr lang="en-US" dirty="0">
+                <a:latin typeface="Menlo" panose="020B0609030804020204" pitchFamily="49" charset="0"/>
+              </a:rPr>
+              <a:t>…</a:t>
+            </a:r>
+            <a:br>
+              <a:rPr lang="en-US" dirty="0">
+                <a:latin typeface="Menlo" panose="020B0609030804020204" pitchFamily="49" charset="0"/>
+              </a:rPr>
+            </a:br>
+            <a:r>
+              <a:rPr lang="en-US" dirty="0">
+                <a:latin typeface="Menlo" panose="020B0609030804020204" pitchFamily="49" charset="0"/>
+              </a:rPr>
+              <a:t>unsigned </a:t>
+            </a:r>
+            <a:r>
+              <a:rPr lang="en-US" dirty="0" err="1">
+                <a:latin typeface="Menlo" panose="020B0609030804020204" pitchFamily="49" charset="0"/>
+              </a:rPr>
+              <a:t>int</a:t>
+            </a:r>
+            <a:r>
+              <a:rPr lang="en-US" dirty="0">
+                <a:latin typeface="Menlo" panose="020B0609030804020204" pitchFamily="49" charset="0"/>
+              </a:rPr>
+              <a:t> </a:t>
+            </a:r>
+            <a:r>
+              <a:rPr lang="en-US" i="1" dirty="0">
+                <a:latin typeface="Menlo" panose="020B0609030804020204" pitchFamily="49" charset="0"/>
+              </a:rPr>
+              <a:t>/* latency of block access */</a:t>
+            </a:r>
+          </a:p>
+          <a:p>
+            <a:pPr lvl="1"/>
+            <a:endParaRPr lang="en-US" dirty="0">
+              <a:latin typeface="Menlo" panose="020B0609030804020204" pitchFamily="49" charset="0"/>
+            </a:endParaRPr>
+          </a:p>
+          <a:p>
+            <a:pPr lvl="1"/>
+            <a:r>
+              <a:rPr lang="en-US" dirty="0">
+                <a:latin typeface="Menlo" panose="020B0609030804020204" pitchFamily="49" charset="0"/>
+              </a:rPr>
+              <a:t>(*</a:t>
+            </a:r>
+            <a:r>
+              <a:rPr lang="en-US" dirty="0" err="1">
+                <a:latin typeface="Menlo" panose="020B0609030804020204" pitchFamily="49" charset="0"/>
+              </a:rPr>
+              <a:t>blk_access_fn</a:t>
+            </a:r>
+            <a:r>
+              <a:rPr lang="en-US" dirty="0">
+                <a:latin typeface="Menlo" panose="020B0609030804020204" pitchFamily="49" charset="0"/>
+              </a:rPr>
+              <a:t>)(</a:t>
+            </a:r>
+            <a:r>
+              <a:rPr lang="en-US" dirty="0" err="1">
+                <a:latin typeface="Menlo" panose="020B0609030804020204" pitchFamily="49" charset="0"/>
+              </a:rPr>
+              <a:t>enum</a:t>
+            </a:r>
+            <a:r>
+              <a:rPr lang="en-US" dirty="0">
+                <a:latin typeface="Menlo" panose="020B0609030804020204" pitchFamily="49" charset="0"/>
+              </a:rPr>
+              <a:t> </a:t>
+            </a:r>
+            <a:r>
+              <a:rPr lang="en-US" dirty="0" err="1">
+                <a:latin typeface="Menlo" panose="020B0609030804020204" pitchFamily="49" charset="0"/>
+              </a:rPr>
+              <a:t>mem_cmd</a:t>
+            </a:r>
+            <a:r>
+              <a:rPr lang="en-US" dirty="0">
+                <a:latin typeface="Menlo" panose="020B0609030804020204" pitchFamily="49" charset="0"/>
+              </a:rPr>
+              <a:t> </a:t>
+            </a:r>
+            <a:r>
+              <a:rPr lang="en-US" dirty="0" err="1">
+                <a:latin typeface="Menlo" panose="020B0609030804020204" pitchFamily="49" charset="0"/>
+              </a:rPr>
+              <a:t>cmd</a:t>
+            </a:r>
+            <a:r>
+              <a:rPr lang="en-US" dirty="0">
+                <a:latin typeface="Menlo" panose="020B0609030804020204" pitchFamily="49" charset="0"/>
+              </a:rPr>
+              <a:t>, </a:t>
+            </a:r>
+            <a:r>
+              <a:rPr lang="en-US" i="1" dirty="0">
+                <a:latin typeface="Menlo" panose="020B0609030804020204" pitchFamily="49" charset="0"/>
+              </a:rPr>
+              <a:t>/* block access command */</a:t>
+            </a:r>
+          </a:p>
+          <a:p>
+            <a:pPr lvl="1"/>
+            <a:endParaRPr lang="en-US" dirty="0">
+              <a:latin typeface="Menlo" panose="020B0609030804020204" pitchFamily="49" charset="0"/>
+            </a:endParaRPr>
+          </a:p>
+          <a:p>
+            <a:pPr lvl="1"/>
+            <a:r>
+              <a:rPr lang="en-US" dirty="0" err="1">
+                <a:latin typeface="Menlo" panose="020B0609030804020204" pitchFamily="49" charset="0"/>
+              </a:rPr>
+              <a:t>md_addr_t</a:t>
+            </a:r>
+            <a:r>
+              <a:rPr lang="en-US" dirty="0">
+                <a:latin typeface="Menlo" panose="020B0609030804020204" pitchFamily="49" charset="0"/>
+              </a:rPr>
+              <a:t> </a:t>
+            </a:r>
+            <a:r>
+              <a:rPr lang="en-US" dirty="0" err="1">
+                <a:latin typeface="Menlo" panose="020B0609030804020204" pitchFamily="49" charset="0"/>
+              </a:rPr>
+              <a:t>baddr</a:t>
+            </a:r>
+            <a:r>
+              <a:rPr lang="en-US" dirty="0">
+                <a:latin typeface="Menlo" panose="020B0609030804020204" pitchFamily="49" charset="0"/>
+              </a:rPr>
+              <a:t>, </a:t>
+            </a:r>
+            <a:r>
+              <a:rPr lang="en-US" i="1" dirty="0">
+                <a:latin typeface="Menlo" panose="020B0609030804020204" pitchFamily="49" charset="0"/>
+              </a:rPr>
+              <a:t>/* program address to access */</a:t>
+            </a:r>
+          </a:p>
+          <a:p>
+            <a:pPr lvl="1"/>
+            <a:endParaRPr lang="en-US" dirty="0">
+              <a:latin typeface="Menlo" panose="020B0609030804020204" pitchFamily="49" charset="0"/>
+            </a:endParaRPr>
+          </a:p>
+          <a:p>
+            <a:pPr lvl="1"/>
+            <a:r>
+              <a:rPr lang="en-US" dirty="0" err="1">
+                <a:latin typeface="Menlo" panose="020B0609030804020204" pitchFamily="49" charset="0"/>
+              </a:rPr>
+              <a:t>int</a:t>
+            </a:r>
+            <a:r>
+              <a:rPr lang="en-US" dirty="0">
+                <a:latin typeface="Menlo" panose="020B0609030804020204" pitchFamily="49" charset="0"/>
+              </a:rPr>
+              <a:t> </a:t>
+            </a:r>
+            <a:r>
+              <a:rPr lang="en-US" dirty="0" err="1">
+                <a:latin typeface="Menlo" panose="020B0609030804020204" pitchFamily="49" charset="0"/>
+              </a:rPr>
+              <a:t>bsize</a:t>
+            </a:r>
+            <a:r>
+              <a:rPr lang="en-US" dirty="0">
+                <a:latin typeface="Menlo" panose="020B0609030804020204" pitchFamily="49" charset="0"/>
+              </a:rPr>
+              <a:t>, </a:t>
+            </a:r>
+            <a:r>
+              <a:rPr lang="en-US" i="1" dirty="0">
+                <a:latin typeface="Menlo" panose="020B0609030804020204" pitchFamily="49" charset="0"/>
+              </a:rPr>
+              <a:t>/* size of the cache block */</a:t>
+            </a:r>
+          </a:p>
+          <a:p>
+            <a:pPr lvl="1"/>
+            <a:endParaRPr lang="en-US" dirty="0">
+              <a:latin typeface="Menlo" panose="020B0609030804020204" pitchFamily="49" charset="0"/>
+            </a:endParaRPr>
+          </a:p>
+          <a:p>
+            <a:pPr lvl="1"/>
+            <a:r>
+              <a:rPr lang="en-US" dirty="0">
+                <a:latin typeface="Menlo" panose="020B0609030804020204" pitchFamily="49" charset="0"/>
+              </a:rPr>
+              <a:t>struct </a:t>
+            </a:r>
+            <a:r>
+              <a:rPr lang="en-US" dirty="0" err="1">
+                <a:latin typeface="Menlo" panose="020B0609030804020204" pitchFamily="49" charset="0"/>
+              </a:rPr>
+              <a:t>cache_blk_t</a:t>
+            </a:r>
+            <a:r>
+              <a:rPr lang="en-US" dirty="0">
+                <a:latin typeface="Menlo" panose="020B0609030804020204" pitchFamily="49" charset="0"/>
+              </a:rPr>
+              <a:t> *</a:t>
+            </a:r>
+            <a:r>
+              <a:rPr lang="en-US" dirty="0" err="1">
+                <a:latin typeface="Menlo" panose="020B0609030804020204" pitchFamily="49" charset="0"/>
+              </a:rPr>
+              <a:t>blk</a:t>
+            </a:r>
+            <a:r>
+              <a:rPr lang="en-US" dirty="0">
+                <a:latin typeface="Menlo" panose="020B0609030804020204" pitchFamily="49" charset="0"/>
+              </a:rPr>
+              <a:t>, </a:t>
+            </a:r>
+            <a:r>
+              <a:rPr lang="en-US" i="1" dirty="0">
+                <a:latin typeface="Menlo" panose="020B0609030804020204" pitchFamily="49" charset="0"/>
+              </a:rPr>
+              <a:t>/* </a:t>
+            </a:r>
+            <a:r>
+              <a:rPr lang="en-US" i="1" dirty="0" err="1">
+                <a:latin typeface="Menlo" panose="020B0609030804020204" pitchFamily="49" charset="0"/>
+              </a:rPr>
+              <a:t>ptr</a:t>
+            </a:r>
+            <a:r>
+              <a:rPr lang="en-US" i="1" dirty="0">
+                <a:latin typeface="Menlo" panose="020B0609030804020204" pitchFamily="49" charset="0"/>
+              </a:rPr>
+              <a:t> to cache block struct */</a:t>
+            </a:r>
+          </a:p>
+          <a:p>
+            <a:pPr lvl="1"/>
+            <a:endParaRPr lang="en-US" dirty="0">
+              <a:latin typeface="Menlo" panose="020B0609030804020204" pitchFamily="49" charset="0"/>
+            </a:endParaRPr>
+          </a:p>
+          <a:p>
+            <a:pPr lvl="1"/>
+            <a:r>
+              <a:rPr lang="en-US" dirty="0" err="1">
+                <a:latin typeface="Menlo" panose="020B0609030804020204" pitchFamily="49" charset="0"/>
+              </a:rPr>
+              <a:t>tick_t</a:t>
+            </a:r>
+            <a:r>
+              <a:rPr lang="en-US" dirty="0">
+                <a:latin typeface="Menlo" panose="020B0609030804020204" pitchFamily="49" charset="0"/>
+              </a:rPr>
+              <a:t> now); </a:t>
+            </a:r>
+            <a:r>
+              <a:rPr lang="en-US" i="1" dirty="0">
+                <a:latin typeface="Menlo" panose="020B0609030804020204" pitchFamily="49" charset="0"/>
+              </a:rPr>
+              <a:t>/* when fetch was initiated */</a:t>
+            </a:r>
+          </a:p>
+          <a:p>
+            <a:pPr lvl="1"/>
+            <a:r>
+              <a:rPr lang="en-US" b="0" i="1" dirty="0">
+                <a:effectLst/>
+                <a:latin typeface="Menlo" panose="020B0609030804020204" pitchFamily="49" charset="0"/>
+              </a:rPr>
+              <a:t>…</a:t>
+            </a:r>
+          </a:p>
+          <a:p>
+            <a:r>
+              <a:rPr lang="en-US" i="1" dirty="0">
+                <a:latin typeface="Menlo" panose="020B0609030804020204" pitchFamily="49" charset="0"/>
+              </a:rPr>
+              <a:t>}</a:t>
+            </a:r>
+            <a:endParaRPr lang="en-US" b="0" i="1" dirty="0">
+              <a:effectLst/>
+              <a:latin typeface="Menlo" panose="020B0609030804020204" pitchFamily="49" charset="0"/>
+            </a:endParaRPr>
+          </a:p>
+        </p:txBody>
+      </p:sp>
     </p:spTree>
     <p:extLst>
       <p:ext uri="{BB962C8B-B14F-4D97-AF65-F5344CB8AC3E}">
-        <p14:creationId xmlns:p14="http://schemas.microsoft.com/office/powerpoint/2010/main" val="2401989797"/>
+        <p14:creationId xmlns:p14="http://schemas.microsoft.com/office/powerpoint/2010/main" val="621330998"/>
       </p:ext>
     </p:extLst>
   </p:cSld>

--- a/Honghao_Gan&Zhijia_Chen_CIS_5642_Project.pptx
+++ b/Honghao_Gan&Zhijia_Chen_CIS_5642_Project.pptx
@@ -7205,7 +7205,7 @@
                 </a:solidFill>
                 <a:latin typeface="Menlo" panose="020B0609030804020204" pitchFamily="49" charset="0"/>
               </a:rPr>
-              <a:t> = 0; </a:t>
+              <a:t>; </a:t>
             </a:r>
           </a:p>
           <a:p>
@@ -7780,7 +7780,7 @@
                 </a:solidFill>
                 <a:latin typeface="Menlo" panose="020B0609030804020204" pitchFamily="49" charset="0"/>
               </a:rPr>
-              <a:t> = 0; </a:t>
+              <a:t>; </a:t>
             </a:r>
           </a:p>
           <a:p>
@@ -7828,7 +7828,7 @@
                 </a:solidFill>
                 <a:latin typeface="Menlo" panose="020B0609030804020204" pitchFamily="49" charset="0"/>
               </a:rPr>
-              <a:t> = 0;</a:t>
+              <a:t>;</a:t>
             </a:r>
           </a:p>
           <a:p>
@@ -7851,7 +7851,107 @@
                 <a:effectLst/>
                 <a:latin typeface="Menlo" panose="020B0609030804020204" pitchFamily="49" charset="0"/>
               </a:rPr>
-              <a:t>LFU replacement policy: evict the cache block that has the </a:t>
+              <a:t>LFU replacement policy: </a:t>
+            </a:r>
+            <a:r>
+              <a:rPr lang="en-US" dirty="0" err="1">
+                <a:solidFill>
+                  <a:srgbClr val="FF0000"/>
+                </a:solidFill>
+                <a:latin typeface="Menlo" panose="020B0609030804020204" pitchFamily="49" charset="0"/>
+              </a:rPr>
+              <a:t>useCnt</a:t>
+            </a:r>
+            <a:r>
+              <a:rPr lang="en-US" altLang="zh-CN" dirty="0">
+                <a:solidFill>
+                  <a:srgbClr val="FF0000"/>
+                </a:solidFill>
+                <a:latin typeface="Menlo" panose="020B0609030804020204" pitchFamily="49" charset="0"/>
+              </a:rPr>
+              <a:t>++</a:t>
+            </a:r>
+            <a:r>
+              <a:rPr lang="zh-CN" altLang="en-US" dirty="0">
+                <a:solidFill>
+                  <a:srgbClr val="FF0000"/>
+                </a:solidFill>
+                <a:latin typeface="Menlo" panose="020B0609030804020204" pitchFamily="49" charset="0"/>
+              </a:rPr>
+              <a:t> </a:t>
+            </a:r>
+            <a:r>
+              <a:rPr lang="en-US" altLang="zh-CN" dirty="0">
+                <a:latin typeface="Menlo" panose="020B0609030804020204" pitchFamily="49" charset="0"/>
+              </a:rPr>
+              <a:t>when</a:t>
+            </a:r>
+            <a:r>
+              <a:rPr lang="zh-CN" altLang="en-US" dirty="0">
+                <a:latin typeface="Menlo" panose="020B0609030804020204" pitchFamily="49" charset="0"/>
+              </a:rPr>
+              <a:t> </a:t>
+            </a:r>
+            <a:r>
+              <a:rPr lang="en-US" altLang="zh-CN" dirty="0">
+                <a:latin typeface="Menlo" panose="020B0609030804020204" pitchFamily="49" charset="0"/>
+              </a:rPr>
+              <a:t>a</a:t>
+            </a:r>
+            <a:r>
+              <a:rPr lang="zh-CN" altLang="en-US" dirty="0">
+                <a:latin typeface="Menlo" panose="020B0609030804020204" pitchFamily="49" charset="0"/>
+              </a:rPr>
+              <a:t> </a:t>
+            </a:r>
+            <a:r>
+              <a:rPr lang="en-US" altLang="zh-CN" dirty="0">
+                <a:latin typeface="Menlo" panose="020B0609030804020204" pitchFamily="49" charset="0"/>
+              </a:rPr>
+              <a:t>block</a:t>
+            </a:r>
+            <a:r>
+              <a:rPr lang="zh-CN" altLang="en-US" dirty="0">
+                <a:latin typeface="Menlo" panose="020B0609030804020204" pitchFamily="49" charset="0"/>
+              </a:rPr>
+              <a:t> </a:t>
+            </a:r>
+            <a:r>
+              <a:rPr lang="en-US" altLang="zh-CN" dirty="0">
+                <a:latin typeface="Menlo" panose="020B0609030804020204" pitchFamily="49" charset="0"/>
+              </a:rPr>
+              <a:t>is</a:t>
+            </a:r>
+            <a:r>
+              <a:rPr lang="zh-CN" altLang="en-US" dirty="0">
+                <a:latin typeface="Menlo" panose="020B0609030804020204" pitchFamily="49" charset="0"/>
+              </a:rPr>
+              <a:t> </a:t>
+            </a:r>
+            <a:r>
+              <a:rPr lang="en-US" altLang="zh-CN" dirty="0">
+                <a:latin typeface="Menlo" panose="020B0609030804020204" pitchFamily="49" charset="0"/>
+              </a:rPr>
+              <a:t>accessed.</a:t>
+            </a:r>
+            <a:r>
+              <a:rPr lang="zh-CN" altLang="en-US" dirty="0">
+                <a:latin typeface="Menlo" panose="020B0609030804020204" pitchFamily="49" charset="0"/>
+              </a:rPr>
+              <a:t> </a:t>
+            </a:r>
+            <a:r>
+              <a:rPr lang="en-US" altLang="zh-CN" dirty="0">
+                <a:latin typeface="Menlo" panose="020B0609030804020204" pitchFamily="49" charset="0"/>
+              </a:rPr>
+              <a:t>E</a:t>
+            </a:r>
+            <a:r>
+              <a:rPr lang="en-US" b="0" dirty="0">
+                <a:effectLst/>
+                <a:latin typeface="Menlo" panose="020B0609030804020204" pitchFamily="49" charset="0"/>
+              </a:rPr>
+              <a:t>vict the cache block that has the </a:t>
             </a:r>
             <a:r>
               <a:rPr lang="en-US" b="0" dirty="0" err="1">
@@ -7939,7 +8039,105 @@
                 <a:effectLst/>
                 <a:latin typeface="Menlo" panose="020B0609030804020204" pitchFamily="49" charset="0"/>
               </a:rPr>
-              <a:t> for the block when it happens.</a:t>
+              <a:t> for </a:t>
+            </a:r>
+            <a:r>
+              <a:rPr lang="en-US" altLang="zh-CN" b="0" dirty="0">
+                <a:effectLst/>
+                <a:latin typeface="Menlo" panose="020B0609030804020204" pitchFamily="49" charset="0"/>
+              </a:rPr>
+              <a:t>a</a:t>
+            </a:r>
+            <a:r>
+              <a:rPr lang="en-US" b="0" dirty="0">
+                <a:effectLst/>
+                <a:latin typeface="Menlo" panose="020B0609030804020204" pitchFamily="49" charset="0"/>
+              </a:rPr>
+              <a:t> block </a:t>
+            </a:r>
+            <a:r>
+              <a:rPr lang="en-US" altLang="zh-CN" b="0" dirty="0">
+                <a:effectLst/>
+                <a:latin typeface="Menlo" panose="020B0609030804020204" pitchFamily="49" charset="0"/>
+              </a:rPr>
+              <a:t>whose</a:t>
+            </a:r>
+            <a:r>
+              <a:rPr lang="zh-CN" altLang="en-US" b="0" dirty="0">
+                <a:effectLst/>
+                <a:latin typeface="Menlo" panose="020B0609030804020204" pitchFamily="49" charset="0"/>
+              </a:rPr>
+              <a:t> </a:t>
+            </a:r>
+            <a:r>
+              <a:rPr lang="en-US" altLang="zh-CN" b="0" dirty="0" err="1">
+                <a:effectLst/>
+                <a:latin typeface="Menlo" panose="020B0609030804020204" pitchFamily="49" charset="0"/>
+              </a:rPr>
+              <a:t>useCnt</a:t>
+            </a:r>
+            <a:r>
+              <a:rPr lang="zh-CN" altLang="en-US" b="0" dirty="0">
+                <a:effectLst/>
+                <a:latin typeface="Menlo" panose="020B0609030804020204" pitchFamily="49" charset="0"/>
+              </a:rPr>
+              <a:t> </a:t>
+            </a:r>
+            <a:r>
+              <a:rPr lang="en-US" altLang="zh-CN" b="0" dirty="0">
+                <a:effectLst/>
+                <a:latin typeface="Menlo" panose="020B0609030804020204" pitchFamily="49" charset="0"/>
+              </a:rPr>
+              <a:t>is</a:t>
+            </a:r>
+            <a:r>
+              <a:rPr lang="zh-CN" altLang="en-US" b="0" dirty="0">
+                <a:effectLst/>
+                <a:latin typeface="Menlo" panose="020B0609030804020204" pitchFamily="49" charset="0"/>
+              </a:rPr>
+              <a:t> </a:t>
+            </a:r>
+            <a:r>
+              <a:rPr lang="en-US" altLang="zh-CN" b="0" dirty="0">
+                <a:effectLst/>
+                <a:latin typeface="Menlo" panose="020B0609030804020204" pitchFamily="49" charset="0"/>
+              </a:rPr>
+              <a:t>going</a:t>
+            </a:r>
+            <a:r>
+              <a:rPr lang="zh-CN" altLang="en-US" b="0" dirty="0">
+                <a:effectLst/>
+                <a:latin typeface="Menlo" panose="020B0609030804020204" pitchFamily="49" charset="0"/>
+              </a:rPr>
+              <a:t> </a:t>
+            </a:r>
+            <a:r>
+              <a:rPr lang="en-US" altLang="zh-CN" b="0" dirty="0">
+                <a:effectLst/>
+                <a:latin typeface="Menlo" panose="020B0609030804020204" pitchFamily="49" charset="0"/>
+              </a:rPr>
+              <a:t>to</a:t>
+            </a:r>
+            <a:r>
+              <a:rPr lang="zh-CN" altLang="en-US" b="0" dirty="0">
+                <a:effectLst/>
+                <a:latin typeface="Menlo" panose="020B0609030804020204" pitchFamily="49" charset="0"/>
+              </a:rPr>
+              <a:t> </a:t>
+            </a:r>
+            <a:r>
+              <a:rPr lang="en-US" altLang="zh-CN" b="0" dirty="0">
+                <a:effectLst/>
+                <a:latin typeface="Menlo" panose="020B0609030804020204" pitchFamily="49" charset="0"/>
+              </a:rPr>
+              <a:t>overflow</a:t>
+            </a:r>
+            <a:r>
+              <a:rPr lang="en-US" b="0" dirty="0">
+                <a:effectLst/>
+                <a:latin typeface="Menlo" panose="020B0609030804020204" pitchFamily="49" charset="0"/>
+              </a:rPr>
+              <a:t>.</a:t>
             </a:r>
           </a:p>
         </p:txBody>

--- a/Honghao_Gan&Zhijia_Chen_CIS_5642_Project.pptx
+++ b/Honghao_Gan&Zhijia_Chen_CIS_5642_Project.pptx
@@ -16,12 +16,13 @@
     <p:sldId id="306" r:id="rId10"/>
     <p:sldId id="307" r:id="rId11"/>
     <p:sldId id="308" r:id="rId12"/>
-    <p:sldId id="302" r:id="rId13"/>
-    <p:sldId id="309" r:id="rId14"/>
-    <p:sldId id="261" r:id="rId15"/>
-    <p:sldId id="263" r:id="rId16"/>
-    <p:sldId id="303" r:id="rId17"/>
-    <p:sldId id="304" r:id="rId18"/>
+    <p:sldId id="310" r:id="rId13"/>
+    <p:sldId id="302" r:id="rId14"/>
+    <p:sldId id="309" r:id="rId15"/>
+    <p:sldId id="261" r:id="rId16"/>
+    <p:sldId id="263" r:id="rId17"/>
+    <p:sldId id="303" r:id="rId18"/>
+    <p:sldId id="304" r:id="rId19"/>
   </p:sldIdLst>
   <p:sldSz cx="12192000" cy="6858000"/>
   <p:notesSz cx="6858000" cy="9144000"/>
@@ -299,7 +300,7 @@
           <a:p>
             <a:fld id="{48A87A34-81AB-432B-8DAE-1953F412C126}" type="datetimeFigureOut">
               <a:rPr lang="en-US" dirty="0"/>
-              <a:t>12/3/18</a:t>
+              <a:t>12/14/18</a:t>
             </a:fld>
             <a:endParaRPr lang="en-US" dirty="0"/>
           </a:p>
@@ -606,7 +607,7 @@
           <a:p>
             <a:fld id="{48A87A34-81AB-432B-8DAE-1953F412C126}" type="datetimeFigureOut">
               <a:rPr lang="en-US" dirty="0"/>
-              <a:t>12/3/18</a:t>
+              <a:t>12/14/18</a:t>
             </a:fld>
             <a:endParaRPr lang="en-US" dirty="0"/>
           </a:p>
@@ -823,7 +824,7 @@
           <a:p>
             <a:fld id="{48A87A34-81AB-432B-8DAE-1953F412C126}" type="datetimeFigureOut">
               <a:rPr lang="en-US" dirty="0"/>
-              <a:t>12/3/18</a:t>
+              <a:t>12/14/18</a:t>
             </a:fld>
             <a:endParaRPr lang="en-US" dirty="0"/>
           </a:p>
@@ -1109,7 +1110,7 @@
           <a:p>
             <a:fld id="{48A87A34-81AB-432B-8DAE-1953F412C126}" type="datetimeFigureOut">
               <a:rPr lang="en-US" dirty="0"/>
-              <a:t>12/3/18</a:t>
+              <a:t>12/14/18</a:t>
             </a:fld>
             <a:endParaRPr lang="en-US" dirty="0"/>
           </a:p>
@@ -1558,7 +1559,7 @@
           <a:p>
             <a:fld id="{48A87A34-81AB-432B-8DAE-1953F412C126}" type="datetimeFigureOut">
               <a:rPr lang="en-US" dirty="0"/>
-              <a:t>12/3/18</a:t>
+              <a:t>12/14/18</a:t>
             </a:fld>
             <a:endParaRPr lang="en-US" dirty="0"/>
           </a:p>
@@ -2129,7 +2130,7 @@
           <a:p>
             <a:fld id="{48A87A34-81AB-432B-8DAE-1953F412C126}" type="datetimeFigureOut">
               <a:rPr lang="en-US" dirty="0"/>
-              <a:t>12/3/18</a:t>
+              <a:t>12/14/18</a:t>
             </a:fld>
             <a:endParaRPr lang="en-US" dirty="0"/>
           </a:p>
@@ -2976,7 +2977,7 @@
           <a:p>
             <a:fld id="{48A87A34-81AB-432B-8DAE-1953F412C126}" type="datetimeFigureOut">
               <a:rPr lang="en-US" dirty="0"/>
-              <a:t>12/3/18</a:t>
+              <a:t>12/14/18</a:t>
             </a:fld>
             <a:endParaRPr lang="en-US" dirty="0"/>
           </a:p>
@@ -3176,7 +3177,7 @@
           <a:p>
             <a:fld id="{48A87A34-81AB-432B-8DAE-1953F412C126}" type="datetimeFigureOut">
               <a:rPr lang="en-US" dirty="0"/>
-              <a:t>12/3/18</a:t>
+              <a:t>12/14/18</a:t>
             </a:fld>
             <a:endParaRPr lang="en-US" dirty="0"/>
           </a:p>
@@ -3385,7 +3386,7 @@
           <a:p>
             <a:fld id="{48A87A34-81AB-432B-8DAE-1953F412C126}" type="datetimeFigureOut">
               <a:rPr lang="en-US" dirty="0"/>
-              <a:t>12/3/18</a:t>
+              <a:t>12/14/18</a:t>
             </a:fld>
             <a:endParaRPr lang="en-US" dirty="0"/>
           </a:p>
@@ -3585,7 +3586,7 @@
           <a:p>
             <a:fld id="{48A87A34-81AB-432B-8DAE-1953F412C126}" type="datetimeFigureOut">
               <a:rPr lang="en-US" dirty="0"/>
-              <a:t>12/3/18</a:t>
+              <a:t>12/14/18</a:t>
             </a:fld>
             <a:endParaRPr lang="en-US" dirty="0"/>
           </a:p>
@@ -3860,7 +3861,7 @@
           <a:p>
             <a:fld id="{48A87A34-81AB-432B-8DAE-1953F412C126}" type="datetimeFigureOut">
               <a:rPr lang="en-US" dirty="0"/>
-              <a:t>12/3/18</a:t>
+              <a:t>12/14/18</a:t>
             </a:fld>
             <a:endParaRPr lang="en-US" dirty="0"/>
           </a:p>
@@ -4122,7 +4123,7 @@
           <a:p>
             <a:fld id="{48A87A34-81AB-432B-8DAE-1953F412C126}" type="datetimeFigureOut">
               <a:rPr lang="en-US" dirty="0"/>
-              <a:t>12/3/18</a:t>
+              <a:t>12/14/18</a:t>
             </a:fld>
             <a:endParaRPr lang="en-US" dirty="0"/>
           </a:p>
@@ -4532,7 +4533,7 @@
           <a:p>
             <a:fld id="{48A87A34-81AB-432B-8DAE-1953F412C126}" type="datetimeFigureOut">
               <a:rPr lang="en-US" dirty="0"/>
-              <a:t>12/3/18</a:t>
+              <a:t>12/14/18</a:t>
             </a:fld>
             <a:endParaRPr lang="en-US" dirty="0"/>
           </a:p>
@@ -4675,7 +4676,7 @@
           <a:p>
             <a:fld id="{48A87A34-81AB-432B-8DAE-1953F412C126}" type="datetimeFigureOut">
               <a:rPr lang="en-US" dirty="0"/>
-              <a:t>12/3/18</a:t>
+              <a:t>12/14/18</a:t>
             </a:fld>
             <a:endParaRPr lang="en-US" dirty="0"/>
           </a:p>
@@ -4795,7 +4796,7 @@
           <a:p>
             <a:fld id="{48A87A34-81AB-432B-8DAE-1953F412C126}" type="datetimeFigureOut">
               <a:rPr lang="en-US" dirty="0"/>
-              <a:t>12/3/18</a:t>
+              <a:t>12/14/18</a:t>
             </a:fld>
             <a:endParaRPr lang="en-US" dirty="0"/>
           </a:p>
@@ -5069,7 +5070,7 @@
           <a:p>
             <a:fld id="{48A87A34-81AB-432B-8DAE-1953F412C126}" type="datetimeFigureOut">
               <a:rPr lang="en-US" dirty="0"/>
-              <a:t>12/3/18</a:t>
+              <a:t>12/14/18</a:t>
             </a:fld>
             <a:endParaRPr lang="en-US" dirty="0"/>
           </a:p>
@@ -5376,7 +5377,7 @@
           <a:p>
             <a:fld id="{48A87A34-81AB-432B-8DAE-1953F412C126}" type="datetimeFigureOut">
               <a:rPr lang="en-US" dirty="0"/>
-              <a:t>12/3/18</a:t>
+              <a:t>12/14/18</a:t>
             </a:fld>
             <a:endParaRPr lang="en-US" dirty="0"/>
           </a:p>
@@ -5630,7 +5631,7 @@
             <a:fld id="{48A87A34-81AB-432B-8DAE-1953F412C126}" type="datetimeFigureOut">
               <a:rPr lang="en-US" dirty="0"/>
               <a:pPr/>
-              <a:t>12/3/18</a:t>
+              <a:t>12/14/18</a:t>
             </a:fld>
             <a:endParaRPr lang="en-US" dirty="0"/>
           </a:p>
@@ -7354,6 +7355,1968 @@
           <a:chExt cx="0" cy="0"/>
         </a:xfrm>
       </p:grpSpPr>
+      <p:grpSp>
+        <p:nvGrpSpPr>
+          <p:cNvPr id="36" name="Group 35">
+            <a:extLst>
+              <a:ext uri="{FF2B5EF4-FFF2-40B4-BE49-F238E27FC236}">
+                <a16:creationId xmlns:a16="http://schemas.microsoft.com/office/drawing/2014/main" id="{07747792-BE72-E14A-BD71-9B1A48E1F966}"/>
+              </a:ext>
+            </a:extLst>
+          </p:cNvPr>
+          <p:cNvGrpSpPr/>
+          <p:nvPr/>
+        </p:nvGrpSpPr>
+        <p:grpSpPr>
+          <a:xfrm>
+            <a:off x="1583055" y="2503169"/>
+            <a:ext cx="4170045" cy="1746885"/>
+            <a:chOff x="1583055" y="2503169"/>
+            <a:chExt cx="4170045" cy="1746885"/>
+          </a:xfrm>
+        </p:grpSpPr>
+        <p:sp>
+          <p:nvSpPr>
+            <p:cNvPr id="5" name="TextBox 4">
+              <a:extLst>
+                <a:ext uri="{FF2B5EF4-FFF2-40B4-BE49-F238E27FC236}">
+                  <a16:creationId xmlns:a16="http://schemas.microsoft.com/office/drawing/2014/main" id="{BC8E4409-AE28-D04D-9482-772DD1EDBA19}"/>
+                </a:ext>
+              </a:extLst>
+            </p:cNvPr>
+            <p:cNvSpPr txBox="1"/>
+            <p:nvPr/>
+          </p:nvSpPr>
+          <p:spPr>
+            <a:xfrm>
+              <a:off x="1583055" y="2555587"/>
+              <a:ext cx="2114550" cy="461665"/>
+            </a:xfrm>
+            <a:prstGeom prst="rect">
+              <a:avLst/>
+            </a:prstGeom>
+            <a:noFill/>
+          </p:spPr>
+          <p:txBody>
+            <a:bodyPr wrap="square" rtlCol="0">
+              <a:spAutoFit/>
+            </a:bodyPr>
+            <a:lstStyle/>
+            <a:p>
+              <a:pPr algn="ctr"/>
+              <a:r>
+                <a:rPr lang="en-US" altLang="zh-CN" sz="1200" dirty="0"/>
+                <a:t>L1</a:t>
+              </a:r>
+              <a:r>
+                <a:rPr lang="zh-CN" altLang="en-US" sz="1200" dirty="0"/>
+                <a:t> </a:t>
+              </a:r>
+              <a:r>
+                <a:rPr lang="en-US" altLang="zh-CN" sz="1200" dirty="0"/>
+                <a:t>I-Cache</a:t>
+              </a:r>
+            </a:p>
+            <a:p>
+              <a:pPr algn="ctr"/>
+              <a:r>
+                <a:rPr lang="en-US" altLang="zh-CN" sz="1200" dirty="0"/>
+                <a:t>Access</a:t>
+              </a:r>
+              <a:r>
+                <a:rPr lang="zh-CN" altLang="en-US" sz="1200" dirty="0"/>
+                <a:t> </a:t>
+              </a:r>
+              <a:r>
+                <a:rPr lang="en-US" altLang="zh-CN" sz="1200" dirty="0"/>
+                <a:t>#:</a:t>
+              </a:r>
+              <a:r>
+                <a:rPr lang="zh-CN" altLang="en-US" sz="1200" dirty="0"/>
+                <a:t> </a:t>
+              </a:r>
+              <a:r>
+                <a:rPr lang="en-US" altLang="zh-CN" sz="1200" dirty="0"/>
+                <a:t>40905687</a:t>
+              </a:r>
+              <a:endParaRPr lang="en-US" sz="1200" dirty="0"/>
+            </a:p>
+          </p:txBody>
+        </p:sp>
+        <p:sp>
+          <p:nvSpPr>
+            <p:cNvPr id="13" name="TextBox 12">
+              <a:extLst>
+                <a:ext uri="{FF2B5EF4-FFF2-40B4-BE49-F238E27FC236}">
+                  <a16:creationId xmlns:a16="http://schemas.microsoft.com/office/drawing/2014/main" id="{3FF11BB1-6AEB-3C49-A968-AFF103521BBB}"/>
+                </a:ext>
+              </a:extLst>
+            </p:cNvPr>
+            <p:cNvSpPr txBox="1"/>
+            <p:nvPr/>
+          </p:nvSpPr>
+          <p:spPr>
+            <a:xfrm>
+              <a:off x="1711642" y="3709521"/>
+              <a:ext cx="3853815" cy="523220"/>
+            </a:xfrm>
+            <a:prstGeom prst="rect">
+              <a:avLst/>
+            </a:prstGeom>
+            <a:noFill/>
+          </p:spPr>
+          <p:txBody>
+            <a:bodyPr wrap="square" rtlCol="0">
+              <a:spAutoFit/>
+            </a:bodyPr>
+            <a:lstStyle/>
+            <a:p>
+              <a:pPr algn="ctr"/>
+              <a:r>
+                <a:rPr lang="en-US" altLang="zh-CN" sz="1400" dirty="0"/>
+                <a:t>L2</a:t>
+              </a:r>
+              <a:r>
+                <a:rPr lang="zh-CN" altLang="en-US" sz="1400" dirty="0"/>
+                <a:t> </a:t>
+              </a:r>
+              <a:r>
+                <a:rPr lang="en-US" altLang="zh-CN" sz="1400" dirty="0"/>
+                <a:t>Unified</a:t>
+              </a:r>
+              <a:r>
+                <a:rPr lang="zh-CN" altLang="en-US" sz="1400" dirty="0"/>
+                <a:t> </a:t>
+              </a:r>
+              <a:r>
+                <a:rPr lang="en-US" altLang="zh-CN" sz="1400" dirty="0"/>
+                <a:t>Cache</a:t>
+              </a:r>
+            </a:p>
+            <a:p>
+              <a:pPr algn="ctr"/>
+              <a:r>
+                <a:rPr lang="en-US" altLang="zh-CN" sz="1400" dirty="0"/>
+                <a:t>Access</a:t>
+              </a:r>
+              <a:r>
+                <a:rPr lang="zh-CN" altLang="en-US" sz="1400" dirty="0"/>
+                <a:t> </a:t>
+              </a:r>
+              <a:r>
+                <a:rPr lang="en-US" altLang="zh-CN" sz="1400" dirty="0"/>
+                <a:t>#:</a:t>
+              </a:r>
+              <a:r>
+                <a:rPr lang="zh-CN" altLang="en-US" sz="1400" dirty="0"/>
+                <a:t> </a:t>
+              </a:r>
+              <a:r>
+                <a:rPr lang="en-US" altLang="zh-CN" sz="1400" dirty="0"/>
+                <a:t>1147746</a:t>
+              </a:r>
+              <a:endParaRPr lang="en-US" sz="1400" dirty="0"/>
+            </a:p>
+          </p:txBody>
+        </p:sp>
+        <p:sp>
+          <p:nvSpPr>
+            <p:cNvPr id="4" name="Rectangle 3">
+              <a:extLst>
+                <a:ext uri="{FF2B5EF4-FFF2-40B4-BE49-F238E27FC236}">
+                  <a16:creationId xmlns:a16="http://schemas.microsoft.com/office/drawing/2014/main" id="{79CC3A7B-BE80-4E4A-BA77-581ACDD65902}"/>
+                </a:ext>
+              </a:extLst>
+            </p:cNvPr>
+            <p:cNvSpPr/>
+            <p:nvPr/>
+          </p:nvSpPr>
+          <p:spPr>
+            <a:xfrm>
+              <a:off x="1611630" y="2503170"/>
+              <a:ext cx="2057400" cy="560070"/>
+            </a:xfrm>
+            <a:prstGeom prst="rect">
+              <a:avLst/>
+            </a:prstGeom>
+            <a:noFill/>
+            <a:ln>
+              <a:solidFill>
+                <a:schemeClr val="tx1"/>
+              </a:solidFill>
+            </a:ln>
+          </p:spPr>
+          <p:style>
+            <a:lnRef idx="2">
+              <a:schemeClr val="accent1">
+                <a:shade val="50000"/>
+              </a:schemeClr>
+            </a:lnRef>
+            <a:fillRef idx="1">
+              <a:schemeClr val="accent1"/>
+            </a:fillRef>
+            <a:effectRef idx="0">
+              <a:schemeClr val="accent1"/>
+            </a:effectRef>
+            <a:fontRef idx="minor">
+              <a:schemeClr val="lt1"/>
+            </a:fontRef>
+          </p:style>
+          <p:txBody>
+            <a:bodyPr rtlCol="0" anchor="ctr"/>
+            <a:lstStyle/>
+            <a:p>
+              <a:pPr algn="ctr"/>
+              <a:endParaRPr lang="en-US"/>
+            </a:p>
+          </p:txBody>
+        </p:sp>
+        <p:grpSp>
+          <p:nvGrpSpPr>
+            <p:cNvPr id="7" name="Group 6">
+              <a:extLst>
+                <a:ext uri="{FF2B5EF4-FFF2-40B4-BE49-F238E27FC236}">
+                  <a16:creationId xmlns:a16="http://schemas.microsoft.com/office/drawing/2014/main" id="{91277AA4-E930-6944-9075-2FFA642EF0C5}"/>
+                </a:ext>
+              </a:extLst>
+            </p:cNvPr>
+            <p:cNvGrpSpPr/>
+            <p:nvPr/>
+          </p:nvGrpSpPr>
+          <p:grpSpPr>
+            <a:xfrm>
+              <a:off x="3638550" y="2503169"/>
+              <a:ext cx="2114550" cy="560070"/>
+              <a:chOff x="1583055" y="2503170"/>
+              <a:chExt cx="2114550" cy="560070"/>
+            </a:xfrm>
+          </p:grpSpPr>
+          <p:sp>
+            <p:nvSpPr>
+              <p:cNvPr id="8" name="Rectangle 7">
+                <a:extLst>
+                  <a:ext uri="{FF2B5EF4-FFF2-40B4-BE49-F238E27FC236}">
+                    <a16:creationId xmlns:a16="http://schemas.microsoft.com/office/drawing/2014/main" id="{367D61E0-445C-924D-8F66-6D79C62C8130}"/>
+                  </a:ext>
+                </a:extLst>
+              </p:cNvPr>
+              <p:cNvSpPr/>
+              <p:nvPr/>
+            </p:nvSpPr>
+            <p:spPr>
+              <a:xfrm>
+                <a:off x="1611630" y="2503170"/>
+                <a:ext cx="2057400" cy="560070"/>
+              </a:xfrm>
+              <a:prstGeom prst="rect">
+                <a:avLst/>
+              </a:prstGeom>
+              <a:noFill/>
+              <a:ln>
+                <a:solidFill>
+                  <a:schemeClr val="tx1"/>
+                </a:solidFill>
+              </a:ln>
+            </p:spPr>
+            <p:style>
+              <a:lnRef idx="2">
+                <a:schemeClr val="accent1">
+                  <a:shade val="50000"/>
+                </a:schemeClr>
+              </a:lnRef>
+              <a:fillRef idx="1">
+                <a:schemeClr val="accent1"/>
+              </a:fillRef>
+              <a:effectRef idx="0">
+                <a:schemeClr val="accent1"/>
+              </a:effectRef>
+              <a:fontRef idx="minor">
+                <a:schemeClr val="lt1"/>
+              </a:fontRef>
+            </p:style>
+            <p:txBody>
+              <a:bodyPr rtlCol="0" anchor="ctr"/>
+              <a:lstStyle/>
+              <a:p>
+                <a:pPr algn="ctr"/>
+                <a:endParaRPr lang="en-US"/>
+              </a:p>
+            </p:txBody>
+          </p:sp>
+          <p:sp>
+            <p:nvSpPr>
+              <p:cNvPr id="9" name="TextBox 8">
+                <a:extLst>
+                  <a:ext uri="{FF2B5EF4-FFF2-40B4-BE49-F238E27FC236}">
+                    <a16:creationId xmlns:a16="http://schemas.microsoft.com/office/drawing/2014/main" id="{B385364B-7A04-9841-9C89-53CD60D4D388}"/>
+                  </a:ext>
+                </a:extLst>
+              </p:cNvPr>
+              <p:cNvSpPr txBox="1"/>
+              <p:nvPr/>
+            </p:nvSpPr>
+            <p:spPr>
+              <a:xfrm>
+                <a:off x="1583055" y="2517039"/>
+                <a:ext cx="2114550" cy="523220"/>
+              </a:xfrm>
+              <a:prstGeom prst="rect">
+                <a:avLst/>
+              </a:prstGeom>
+              <a:noFill/>
+            </p:spPr>
+            <p:txBody>
+              <a:bodyPr wrap="square" rtlCol="0">
+                <a:spAutoFit/>
+              </a:bodyPr>
+              <a:lstStyle/>
+              <a:p>
+                <a:pPr algn="ctr"/>
+                <a:r>
+                  <a:rPr lang="en-US" altLang="zh-CN" sz="1400" dirty="0"/>
+                  <a:t>L1</a:t>
+                </a:r>
+                <a:r>
+                  <a:rPr lang="zh-CN" altLang="en-US" sz="1400" dirty="0"/>
+                  <a:t> </a:t>
+                </a:r>
+                <a:r>
+                  <a:rPr lang="en-US" altLang="zh-CN" sz="1400" dirty="0"/>
+                  <a:t>D-Cache</a:t>
+                </a:r>
+              </a:p>
+              <a:p>
+                <a:pPr algn="ctr"/>
+                <a:r>
+                  <a:rPr lang="en-US" altLang="zh-CN" sz="1400" dirty="0"/>
+                  <a:t>Access</a:t>
+                </a:r>
+                <a:r>
+                  <a:rPr lang="zh-CN" altLang="en-US" sz="1400" dirty="0"/>
+                  <a:t> </a:t>
+                </a:r>
+                <a:r>
+                  <a:rPr lang="en-US" altLang="zh-CN" sz="1400" dirty="0"/>
+                  <a:t>#:</a:t>
+                </a:r>
+                <a:r>
+                  <a:rPr lang="zh-CN" altLang="en-US" sz="1400" dirty="0"/>
+                  <a:t> </a:t>
+                </a:r>
+                <a:r>
+                  <a:rPr lang="en-US" altLang="zh-CN" sz="1400" dirty="0"/>
+                  <a:t>12494388</a:t>
+                </a:r>
+                <a:endParaRPr lang="en-US" sz="1400" dirty="0"/>
+              </a:p>
+            </p:txBody>
+          </p:sp>
+        </p:grpSp>
+        <p:sp>
+          <p:nvSpPr>
+            <p:cNvPr id="12" name="Rectangle 11">
+              <a:extLst>
+                <a:ext uri="{FF2B5EF4-FFF2-40B4-BE49-F238E27FC236}">
+                  <a16:creationId xmlns:a16="http://schemas.microsoft.com/office/drawing/2014/main" id="{9C675DC5-265A-8044-8343-6D2FDE14E3FC}"/>
+                </a:ext>
+              </a:extLst>
+            </p:cNvPr>
+            <p:cNvSpPr/>
+            <p:nvPr/>
+          </p:nvSpPr>
+          <p:spPr>
+            <a:xfrm>
+              <a:off x="1609725" y="3689984"/>
+              <a:ext cx="4114800" cy="560070"/>
+            </a:xfrm>
+            <a:prstGeom prst="rect">
+              <a:avLst/>
+            </a:prstGeom>
+            <a:noFill/>
+            <a:ln>
+              <a:solidFill>
+                <a:schemeClr val="tx1"/>
+              </a:solidFill>
+            </a:ln>
+          </p:spPr>
+          <p:style>
+            <a:lnRef idx="2">
+              <a:schemeClr val="accent1">
+                <a:shade val="50000"/>
+              </a:schemeClr>
+            </a:lnRef>
+            <a:fillRef idx="1">
+              <a:schemeClr val="accent1"/>
+            </a:fillRef>
+            <a:effectRef idx="0">
+              <a:schemeClr val="accent1"/>
+            </a:effectRef>
+            <a:fontRef idx="minor">
+              <a:schemeClr val="lt1"/>
+            </a:fontRef>
+          </p:style>
+          <p:txBody>
+            <a:bodyPr rtlCol="0" anchor="ctr"/>
+            <a:lstStyle/>
+            <a:p>
+              <a:pPr algn="ctr"/>
+              <a:endParaRPr lang="en-US"/>
+            </a:p>
+          </p:txBody>
+        </p:sp>
+        <p:grpSp>
+          <p:nvGrpSpPr>
+            <p:cNvPr id="32" name="Group 31">
+              <a:extLst>
+                <a:ext uri="{FF2B5EF4-FFF2-40B4-BE49-F238E27FC236}">
+                  <a16:creationId xmlns:a16="http://schemas.microsoft.com/office/drawing/2014/main" id="{58ABBC1F-61A2-C449-9772-3B0F9F4D8CC7}"/>
+                </a:ext>
+              </a:extLst>
+            </p:cNvPr>
+            <p:cNvGrpSpPr/>
+            <p:nvPr/>
+          </p:nvGrpSpPr>
+          <p:grpSpPr>
+            <a:xfrm>
+              <a:off x="1821183" y="3060382"/>
+              <a:ext cx="1826893" cy="629602"/>
+              <a:chOff x="1821183" y="3060382"/>
+              <a:chExt cx="1826893" cy="629602"/>
+            </a:xfrm>
+          </p:grpSpPr>
+          <p:cxnSp>
+            <p:nvCxnSpPr>
+              <p:cNvPr id="24" name="Straight Arrow Connector 23">
+                <a:extLst>
+                  <a:ext uri="{FF2B5EF4-FFF2-40B4-BE49-F238E27FC236}">
+                    <a16:creationId xmlns:a16="http://schemas.microsoft.com/office/drawing/2014/main" id="{D0F9A1A8-7D9C-DF40-8B26-77C26764E86D}"/>
+                  </a:ext>
+                </a:extLst>
+              </p:cNvPr>
+              <p:cNvCxnSpPr>
+                <a:cxnSpLocks/>
+              </p:cNvCxnSpPr>
+              <p:nvPr/>
+            </p:nvCxnSpPr>
+            <p:spPr>
+              <a:xfrm>
+                <a:off x="1840230" y="3060382"/>
+                <a:ext cx="0" cy="629602"/>
+              </a:xfrm>
+              <a:prstGeom prst="straightConnector1">
+                <a:avLst/>
+              </a:prstGeom>
+              <a:ln>
+                <a:tailEnd type="triangle"/>
+              </a:ln>
+            </p:spPr>
+            <p:style>
+              <a:lnRef idx="1">
+                <a:schemeClr val="dk1"/>
+              </a:lnRef>
+              <a:fillRef idx="0">
+                <a:schemeClr val="dk1"/>
+              </a:fillRef>
+              <a:effectRef idx="0">
+                <a:schemeClr val="dk1"/>
+              </a:effectRef>
+              <a:fontRef idx="minor">
+                <a:schemeClr val="tx1"/>
+              </a:fontRef>
+            </p:style>
+          </p:cxnSp>
+          <p:sp>
+            <p:nvSpPr>
+              <p:cNvPr id="27" name="TextBox 26">
+                <a:extLst>
+                  <a:ext uri="{FF2B5EF4-FFF2-40B4-BE49-F238E27FC236}">
+                    <a16:creationId xmlns:a16="http://schemas.microsoft.com/office/drawing/2014/main" id="{C02B53F2-A3B3-2441-9B4F-3C85606AD5C8}"/>
+                  </a:ext>
+                </a:extLst>
+              </p:cNvPr>
+              <p:cNvSpPr txBox="1"/>
+              <p:nvPr/>
+            </p:nvSpPr>
+            <p:spPr>
+              <a:xfrm>
+                <a:off x="1821183" y="3163162"/>
+                <a:ext cx="1826893" cy="523220"/>
+              </a:xfrm>
+              <a:prstGeom prst="rect">
+                <a:avLst/>
+              </a:prstGeom>
+              <a:noFill/>
+            </p:spPr>
+            <p:txBody>
+              <a:bodyPr wrap="square" rtlCol="0">
+                <a:spAutoFit/>
+              </a:bodyPr>
+              <a:lstStyle/>
+              <a:p>
+                <a:r>
+                  <a:rPr lang="en-US" altLang="zh-CN" sz="1400" dirty="0"/>
+                  <a:t>miss</a:t>
+                </a:r>
+                <a:r>
+                  <a:rPr lang="zh-CN" altLang="en-US" sz="1400" dirty="0"/>
+                  <a:t> </a:t>
+                </a:r>
+                <a:r>
+                  <a:rPr lang="en-US" altLang="zh-CN" sz="1400" dirty="0"/>
+                  <a:t>#</a:t>
+                </a:r>
+                <a:r>
+                  <a:rPr lang="zh-CN" altLang="en-US" sz="1400" dirty="0"/>
+                  <a:t> </a:t>
+                </a:r>
+                <a:r>
+                  <a:rPr lang="en-US" altLang="zh-CN" sz="1400" dirty="0"/>
+                  <a:t>:</a:t>
+                </a:r>
+                <a:r>
+                  <a:rPr lang="zh-CN" altLang="en-US" sz="1400" dirty="0"/>
+                  <a:t> </a:t>
+                </a:r>
+                <a:r>
+                  <a:rPr lang="en-US" altLang="zh-CN" sz="1400" dirty="0"/>
+                  <a:t>236</a:t>
+                </a:r>
+              </a:p>
+              <a:p>
+                <a:r>
+                  <a:rPr lang="en-US" altLang="zh-CN" sz="1400" dirty="0"/>
+                  <a:t>writeback</a:t>
+                </a:r>
+                <a:r>
+                  <a:rPr lang="zh-CN" altLang="en-US" sz="1400" dirty="0"/>
+                  <a:t> </a:t>
+                </a:r>
+                <a:r>
+                  <a:rPr lang="en-US" altLang="zh-CN" sz="1400" dirty="0"/>
+                  <a:t>#</a:t>
+                </a:r>
+                <a:r>
+                  <a:rPr lang="zh-CN" altLang="en-US" sz="1400" dirty="0"/>
+                  <a:t> </a:t>
+                </a:r>
+                <a:r>
+                  <a:rPr lang="en-US" altLang="zh-CN" sz="1400" dirty="0"/>
+                  <a:t>:</a:t>
+                </a:r>
+                <a:r>
+                  <a:rPr lang="zh-CN" altLang="en-US" sz="1400" dirty="0"/>
+                  <a:t> </a:t>
+                </a:r>
+                <a:r>
+                  <a:rPr lang="en-US" altLang="zh-CN" sz="1400" dirty="0"/>
+                  <a:t>0</a:t>
+                </a:r>
+                <a:r>
+                  <a:rPr lang="zh-CN" altLang="en-US" sz="1400" dirty="0"/>
+                  <a:t> </a:t>
+                </a:r>
+                <a:endParaRPr lang="en-US" sz="1400" dirty="0"/>
+              </a:p>
+            </p:txBody>
+          </p:sp>
+        </p:grpSp>
+        <p:grpSp>
+          <p:nvGrpSpPr>
+            <p:cNvPr id="33" name="Group 32">
+              <a:extLst>
+                <a:ext uri="{FF2B5EF4-FFF2-40B4-BE49-F238E27FC236}">
+                  <a16:creationId xmlns:a16="http://schemas.microsoft.com/office/drawing/2014/main" id="{1BECAB47-E249-1244-B5AF-371306E7A59A}"/>
+                </a:ext>
+              </a:extLst>
+            </p:cNvPr>
+            <p:cNvGrpSpPr/>
+            <p:nvPr/>
+          </p:nvGrpSpPr>
+          <p:grpSpPr>
+            <a:xfrm>
+              <a:off x="3895725" y="3056780"/>
+              <a:ext cx="1828800" cy="629602"/>
+              <a:chOff x="1840230" y="3060382"/>
+              <a:chExt cx="1828800" cy="629602"/>
+            </a:xfrm>
+          </p:grpSpPr>
+          <p:cxnSp>
+            <p:nvCxnSpPr>
+              <p:cNvPr id="34" name="Straight Arrow Connector 33">
+                <a:extLst>
+                  <a:ext uri="{FF2B5EF4-FFF2-40B4-BE49-F238E27FC236}">
+                    <a16:creationId xmlns:a16="http://schemas.microsoft.com/office/drawing/2014/main" id="{4C27E88C-33BE-B546-ABC3-CB4ACEC1421C}"/>
+                  </a:ext>
+                </a:extLst>
+              </p:cNvPr>
+              <p:cNvCxnSpPr>
+                <a:cxnSpLocks/>
+              </p:cNvCxnSpPr>
+              <p:nvPr/>
+            </p:nvCxnSpPr>
+            <p:spPr>
+              <a:xfrm>
+                <a:off x="1840230" y="3060382"/>
+                <a:ext cx="0" cy="629602"/>
+              </a:xfrm>
+              <a:prstGeom prst="straightConnector1">
+                <a:avLst/>
+              </a:prstGeom>
+              <a:ln>
+                <a:tailEnd type="triangle"/>
+              </a:ln>
+            </p:spPr>
+            <p:style>
+              <a:lnRef idx="1">
+                <a:schemeClr val="dk1"/>
+              </a:lnRef>
+              <a:fillRef idx="0">
+                <a:schemeClr val="dk1"/>
+              </a:fillRef>
+              <a:effectRef idx="0">
+                <a:schemeClr val="dk1"/>
+              </a:effectRef>
+              <a:fontRef idx="minor">
+                <a:schemeClr val="tx1"/>
+              </a:fontRef>
+            </p:style>
+          </p:cxnSp>
+          <p:sp>
+            <p:nvSpPr>
+              <p:cNvPr id="35" name="TextBox 34">
+                <a:extLst>
+                  <a:ext uri="{FF2B5EF4-FFF2-40B4-BE49-F238E27FC236}">
+                    <a16:creationId xmlns:a16="http://schemas.microsoft.com/office/drawing/2014/main" id="{E8ADED9F-9FC4-4F49-AEBA-F960CA7A29B1}"/>
+                  </a:ext>
+                </a:extLst>
+              </p:cNvPr>
+              <p:cNvSpPr txBox="1"/>
+              <p:nvPr/>
+            </p:nvSpPr>
+            <p:spPr>
+              <a:xfrm>
+                <a:off x="1842137" y="3148801"/>
+                <a:ext cx="1826893" cy="523220"/>
+              </a:xfrm>
+              <a:prstGeom prst="rect">
+                <a:avLst/>
+              </a:prstGeom>
+              <a:noFill/>
+            </p:spPr>
+            <p:txBody>
+              <a:bodyPr wrap="square" rtlCol="0">
+                <a:spAutoFit/>
+              </a:bodyPr>
+              <a:lstStyle/>
+              <a:p>
+                <a:r>
+                  <a:rPr lang="en-US" altLang="zh-CN" sz="1400" dirty="0"/>
+                  <a:t>miss</a:t>
+                </a:r>
+                <a:r>
+                  <a:rPr lang="zh-CN" altLang="en-US" sz="1400" dirty="0"/>
+                  <a:t> </a:t>
+                </a:r>
+                <a:r>
+                  <a:rPr lang="en-US" altLang="zh-CN" sz="1400" dirty="0"/>
+                  <a:t>#</a:t>
+                </a:r>
+                <a:r>
+                  <a:rPr lang="zh-CN" altLang="en-US" sz="1400" dirty="0"/>
+                  <a:t> </a:t>
+                </a:r>
+                <a:r>
+                  <a:rPr lang="en-US" altLang="zh-CN" sz="1400" dirty="0"/>
+                  <a:t>:</a:t>
+                </a:r>
+                <a:r>
+                  <a:rPr lang="zh-CN" altLang="en-US" sz="1400" dirty="0"/>
+                  <a:t> </a:t>
+                </a:r>
+                <a:r>
+                  <a:rPr lang="en-US" altLang="zh-CN" sz="1400" dirty="0"/>
+                  <a:t>579211</a:t>
+                </a:r>
+              </a:p>
+              <a:p>
+                <a:r>
+                  <a:rPr lang="en-US" altLang="zh-CN" sz="1400" dirty="0"/>
+                  <a:t>writeback</a:t>
+                </a:r>
+                <a:r>
+                  <a:rPr lang="zh-CN" altLang="en-US" sz="1400" dirty="0"/>
+                  <a:t> </a:t>
+                </a:r>
+                <a:r>
+                  <a:rPr lang="en-US" altLang="zh-CN" sz="1400" dirty="0"/>
+                  <a:t>#</a:t>
+                </a:r>
+                <a:r>
+                  <a:rPr lang="zh-CN" altLang="en-US" sz="1400" dirty="0"/>
+                  <a:t> </a:t>
+                </a:r>
+                <a:r>
+                  <a:rPr lang="en-US" altLang="zh-CN" sz="1400" dirty="0"/>
+                  <a:t>:</a:t>
+                </a:r>
+                <a:r>
+                  <a:rPr lang="zh-CN" altLang="en-US" sz="1400" dirty="0"/>
+                  <a:t> </a:t>
+                </a:r>
+                <a:r>
+                  <a:rPr lang="en-US" altLang="zh-CN" sz="1400" dirty="0"/>
+                  <a:t>568299</a:t>
+                </a:r>
+                <a:r>
+                  <a:rPr lang="zh-CN" altLang="en-US" sz="1400" dirty="0"/>
+                  <a:t> </a:t>
+                </a:r>
+                <a:endParaRPr lang="en-US" sz="1400" dirty="0"/>
+              </a:p>
+            </p:txBody>
+          </p:sp>
+        </p:grpSp>
+      </p:grpSp>
+      <p:grpSp>
+        <p:nvGrpSpPr>
+          <p:cNvPr id="37" name="Group 36">
+            <a:extLst>
+              <a:ext uri="{FF2B5EF4-FFF2-40B4-BE49-F238E27FC236}">
+                <a16:creationId xmlns:a16="http://schemas.microsoft.com/office/drawing/2014/main" id="{3A5CE37D-F170-8C44-A7FB-679EA33A3337}"/>
+              </a:ext>
+            </a:extLst>
+          </p:cNvPr>
+          <p:cNvGrpSpPr/>
+          <p:nvPr/>
+        </p:nvGrpSpPr>
+        <p:grpSpPr>
+          <a:xfrm>
+            <a:off x="5935983" y="2503169"/>
+            <a:ext cx="4209095" cy="1746885"/>
+            <a:chOff x="1583055" y="2503169"/>
+            <a:chExt cx="4209095" cy="1746885"/>
+          </a:xfrm>
+        </p:grpSpPr>
+        <p:sp>
+          <p:nvSpPr>
+            <p:cNvPr id="38" name="TextBox 37">
+              <a:extLst>
+                <a:ext uri="{FF2B5EF4-FFF2-40B4-BE49-F238E27FC236}">
+                  <a16:creationId xmlns:a16="http://schemas.microsoft.com/office/drawing/2014/main" id="{BBF8B43E-AEC5-6845-83A5-C40685DC433B}"/>
+                </a:ext>
+              </a:extLst>
+            </p:cNvPr>
+            <p:cNvSpPr txBox="1"/>
+            <p:nvPr/>
+          </p:nvSpPr>
+          <p:spPr>
+            <a:xfrm>
+              <a:off x="1583055" y="2555587"/>
+              <a:ext cx="2114550" cy="461665"/>
+            </a:xfrm>
+            <a:prstGeom prst="rect">
+              <a:avLst/>
+            </a:prstGeom>
+            <a:noFill/>
+          </p:spPr>
+          <p:txBody>
+            <a:bodyPr wrap="square" rtlCol="0">
+              <a:spAutoFit/>
+            </a:bodyPr>
+            <a:lstStyle/>
+            <a:p>
+              <a:pPr algn="ctr"/>
+              <a:r>
+                <a:rPr lang="en-US" altLang="zh-CN" sz="1200" dirty="0"/>
+                <a:t>L1</a:t>
+              </a:r>
+              <a:r>
+                <a:rPr lang="zh-CN" altLang="en-US" sz="1200" dirty="0"/>
+                <a:t> </a:t>
+              </a:r>
+              <a:r>
+                <a:rPr lang="en-US" altLang="zh-CN" sz="1200" dirty="0"/>
+                <a:t>I-Cache</a:t>
+              </a:r>
+            </a:p>
+            <a:p>
+              <a:pPr algn="ctr"/>
+              <a:r>
+                <a:rPr lang="en-US" altLang="zh-CN" sz="1200" dirty="0"/>
+                <a:t>Access</a:t>
+              </a:r>
+              <a:r>
+                <a:rPr lang="zh-CN" altLang="en-US" sz="1200" dirty="0"/>
+                <a:t> </a:t>
+              </a:r>
+              <a:r>
+                <a:rPr lang="en-US" altLang="zh-CN" sz="1200" dirty="0"/>
+                <a:t>#:</a:t>
+              </a:r>
+              <a:r>
+                <a:rPr lang="zh-CN" altLang="en-US" sz="1200" dirty="0"/>
+                <a:t> </a:t>
+              </a:r>
+              <a:r>
+                <a:rPr lang="en-US" altLang="zh-CN" sz="1200" dirty="0"/>
+                <a:t>1823262177</a:t>
+              </a:r>
+              <a:endParaRPr lang="en-US" sz="1200" dirty="0"/>
+            </a:p>
+          </p:txBody>
+        </p:sp>
+        <p:sp>
+          <p:nvSpPr>
+            <p:cNvPr id="39" name="TextBox 38">
+              <a:extLst>
+                <a:ext uri="{FF2B5EF4-FFF2-40B4-BE49-F238E27FC236}">
+                  <a16:creationId xmlns:a16="http://schemas.microsoft.com/office/drawing/2014/main" id="{7DBF3BB1-5F08-1245-9011-2FDCF264CAC2}"/>
+                </a:ext>
+              </a:extLst>
+            </p:cNvPr>
+            <p:cNvSpPr txBox="1"/>
+            <p:nvPr/>
+          </p:nvSpPr>
+          <p:spPr>
+            <a:xfrm>
+              <a:off x="1711642" y="3709521"/>
+              <a:ext cx="3853815" cy="523220"/>
+            </a:xfrm>
+            <a:prstGeom prst="rect">
+              <a:avLst/>
+            </a:prstGeom>
+            <a:noFill/>
+          </p:spPr>
+          <p:txBody>
+            <a:bodyPr wrap="square" rtlCol="0">
+              <a:spAutoFit/>
+            </a:bodyPr>
+            <a:lstStyle/>
+            <a:p>
+              <a:pPr algn="ctr"/>
+              <a:r>
+                <a:rPr lang="en-US" altLang="zh-CN" sz="1400" dirty="0"/>
+                <a:t>L2</a:t>
+              </a:r>
+              <a:r>
+                <a:rPr lang="zh-CN" altLang="en-US" sz="1400" dirty="0"/>
+                <a:t> </a:t>
+              </a:r>
+              <a:r>
+                <a:rPr lang="en-US" altLang="zh-CN" sz="1400" dirty="0"/>
+                <a:t>Unified</a:t>
+              </a:r>
+              <a:r>
+                <a:rPr lang="zh-CN" altLang="en-US" sz="1400" dirty="0"/>
+                <a:t> </a:t>
+              </a:r>
+              <a:r>
+                <a:rPr lang="en-US" altLang="zh-CN" sz="1400" dirty="0"/>
+                <a:t>Cache</a:t>
+              </a:r>
+            </a:p>
+            <a:p>
+              <a:pPr algn="ctr"/>
+              <a:r>
+                <a:rPr lang="en-US" altLang="zh-CN" sz="1400" dirty="0"/>
+                <a:t>Access</a:t>
+              </a:r>
+              <a:r>
+                <a:rPr lang="zh-CN" altLang="en-US" sz="1400" dirty="0"/>
+                <a:t> </a:t>
+              </a:r>
+              <a:r>
+                <a:rPr lang="en-US" altLang="zh-CN" sz="1400" dirty="0"/>
+                <a:t>#:</a:t>
+              </a:r>
+              <a:r>
+                <a:rPr lang="zh-CN" altLang="en-US" sz="1400" dirty="0"/>
+                <a:t> </a:t>
+              </a:r>
+              <a:r>
+                <a:rPr lang="en-US" altLang="zh-CN" sz="1400" dirty="0"/>
+                <a:t>34763061</a:t>
+              </a:r>
+              <a:endParaRPr lang="en-US" sz="1400" dirty="0"/>
+            </a:p>
+          </p:txBody>
+        </p:sp>
+        <p:sp>
+          <p:nvSpPr>
+            <p:cNvPr id="40" name="Rectangle 39">
+              <a:extLst>
+                <a:ext uri="{FF2B5EF4-FFF2-40B4-BE49-F238E27FC236}">
+                  <a16:creationId xmlns:a16="http://schemas.microsoft.com/office/drawing/2014/main" id="{0CEADF2D-A4B1-C149-8FFB-BA066CB5F76B}"/>
+                </a:ext>
+              </a:extLst>
+            </p:cNvPr>
+            <p:cNvSpPr/>
+            <p:nvPr/>
+          </p:nvSpPr>
+          <p:spPr>
+            <a:xfrm>
+              <a:off x="1611630" y="2503170"/>
+              <a:ext cx="2057400" cy="560070"/>
+            </a:xfrm>
+            <a:prstGeom prst="rect">
+              <a:avLst/>
+            </a:prstGeom>
+            <a:noFill/>
+            <a:ln>
+              <a:solidFill>
+                <a:schemeClr val="tx1"/>
+              </a:solidFill>
+            </a:ln>
+          </p:spPr>
+          <p:style>
+            <a:lnRef idx="2">
+              <a:schemeClr val="accent1">
+                <a:shade val="50000"/>
+              </a:schemeClr>
+            </a:lnRef>
+            <a:fillRef idx="1">
+              <a:schemeClr val="accent1"/>
+            </a:fillRef>
+            <a:effectRef idx="0">
+              <a:schemeClr val="accent1"/>
+            </a:effectRef>
+            <a:fontRef idx="minor">
+              <a:schemeClr val="lt1"/>
+            </a:fontRef>
+          </p:style>
+          <p:txBody>
+            <a:bodyPr rtlCol="0" anchor="ctr"/>
+            <a:lstStyle/>
+            <a:p>
+              <a:pPr algn="ctr"/>
+              <a:endParaRPr lang="en-US"/>
+            </a:p>
+          </p:txBody>
+        </p:sp>
+        <p:grpSp>
+          <p:nvGrpSpPr>
+            <p:cNvPr id="41" name="Group 40">
+              <a:extLst>
+                <a:ext uri="{FF2B5EF4-FFF2-40B4-BE49-F238E27FC236}">
+                  <a16:creationId xmlns:a16="http://schemas.microsoft.com/office/drawing/2014/main" id="{4BF20905-DD09-DE44-B6C2-1F6A800869FC}"/>
+                </a:ext>
+              </a:extLst>
+            </p:cNvPr>
+            <p:cNvGrpSpPr/>
+            <p:nvPr/>
+          </p:nvGrpSpPr>
+          <p:grpSpPr>
+            <a:xfrm>
+              <a:off x="3638550" y="2503169"/>
+              <a:ext cx="2114550" cy="560070"/>
+              <a:chOff x="1583055" y="2503170"/>
+              <a:chExt cx="2114550" cy="560070"/>
+            </a:xfrm>
+          </p:grpSpPr>
+          <p:sp>
+            <p:nvSpPr>
+              <p:cNvPr id="49" name="Rectangle 48">
+                <a:extLst>
+                  <a:ext uri="{FF2B5EF4-FFF2-40B4-BE49-F238E27FC236}">
+                    <a16:creationId xmlns:a16="http://schemas.microsoft.com/office/drawing/2014/main" id="{FA95B565-4EBC-5B40-AB30-AEEE5610F990}"/>
+                  </a:ext>
+                </a:extLst>
+              </p:cNvPr>
+              <p:cNvSpPr/>
+              <p:nvPr/>
+            </p:nvSpPr>
+            <p:spPr>
+              <a:xfrm>
+                <a:off x="1611630" y="2503170"/>
+                <a:ext cx="2057400" cy="560070"/>
+              </a:xfrm>
+              <a:prstGeom prst="rect">
+                <a:avLst/>
+              </a:prstGeom>
+              <a:noFill/>
+              <a:ln>
+                <a:solidFill>
+                  <a:schemeClr val="tx1"/>
+                </a:solidFill>
+              </a:ln>
+            </p:spPr>
+            <p:style>
+              <a:lnRef idx="2">
+                <a:schemeClr val="accent1">
+                  <a:shade val="50000"/>
+                </a:schemeClr>
+              </a:lnRef>
+              <a:fillRef idx="1">
+                <a:schemeClr val="accent1"/>
+              </a:fillRef>
+              <a:effectRef idx="0">
+                <a:schemeClr val="accent1"/>
+              </a:effectRef>
+              <a:fontRef idx="minor">
+                <a:schemeClr val="lt1"/>
+              </a:fontRef>
+            </p:style>
+            <p:txBody>
+              <a:bodyPr rtlCol="0" anchor="ctr"/>
+              <a:lstStyle/>
+              <a:p>
+                <a:pPr algn="ctr"/>
+                <a:endParaRPr lang="en-US"/>
+              </a:p>
+            </p:txBody>
+          </p:sp>
+          <p:sp>
+            <p:nvSpPr>
+              <p:cNvPr id="50" name="TextBox 49">
+                <a:extLst>
+                  <a:ext uri="{FF2B5EF4-FFF2-40B4-BE49-F238E27FC236}">
+                    <a16:creationId xmlns:a16="http://schemas.microsoft.com/office/drawing/2014/main" id="{ACBC9BCB-7015-2B40-B138-725F48F040D1}"/>
+                  </a:ext>
+                </a:extLst>
+              </p:cNvPr>
+              <p:cNvSpPr txBox="1"/>
+              <p:nvPr/>
+            </p:nvSpPr>
+            <p:spPr>
+              <a:xfrm>
+                <a:off x="1583055" y="2517039"/>
+                <a:ext cx="2114550" cy="523220"/>
+              </a:xfrm>
+              <a:prstGeom prst="rect">
+                <a:avLst/>
+              </a:prstGeom>
+              <a:noFill/>
+            </p:spPr>
+            <p:txBody>
+              <a:bodyPr wrap="square" rtlCol="0">
+                <a:spAutoFit/>
+              </a:bodyPr>
+              <a:lstStyle/>
+              <a:p>
+                <a:pPr algn="ctr"/>
+                <a:r>
+                  <a:rPr lang="en-US" altLang="zh-CN" sz="1400" dirty="0"/>
+                  <a:t>L1</a:t>
+                </a:r>
+                <a:r>
+                  <a:rPr lang="zh-CN" altLang="en-US" sz="1400" dirty="0"/>
+                  <a:t> </a:t>
+                </a:r>
+                <a:r>
+                  <a:rPr lang="en-US" altLang="zh-CN" sz="1400" dirty="0"/>
+                  <a:t>D-Cache</a:t>
+                </a:r>
+              </a:p>
+              <a:p>
+                <a:pPr algn="ctr"/>
+                <a:r>
+                  <a:rPr lang="en-US" altLang="zh-CN" sz="1400" dirty="0"/>
+                  <a:t>Access</a:t>
+                </a:r>
+                <a:r>
+                  <a:rPr lang="zh-CN" altLang="en-US" sz="1400" dirty="0"/>
+                  <a:t> </a:t>
+                </a:r>
+                <a:r>
+                  <a:rPr lang="en-US" altLang="zh-CN" sz="1400" dirty="0"/>
+                  <a:t>#:</a:t>
+                </a:r>
+                <a:r>
+                  <a:rPr lang="zh-CN" altLang="en-US" sz="1400" dirty="0"/>
+                  <a:t> </a:t>
+                </a:r>
+                <a:r>
+                  <a:rPr lang="en-US" altLang="zh-CN" sz="1400" dirty="0"/>
+                  <a:t>517354205</a:t>
+                </a:r>
+                <a:endParaRPr lang="en-US" sz="1400" dirty="0"/>
+              </a:p>
+            </p:txBody>
+          </p:sp>
+        </p:grpSp>
+        <p:sp>
+          <p:nvSpPr>
+            <p:cNvPr id="42" name="Rectangle 41">
+              <a:extLst>
+                <a:ext uri="{FF2B5EF4-FFF2-40B4-BE49-F238E27FC236}">
+                  <a16:creationId xmlns:a16="http://schemas.microsoft.com/office/drawing/2014/main" id="{E91665D5-431D-6D4B-9A48-C9B95EEA318D}"/>
+                </a:ext>
+              </a:extLst>
+            </p:cNvPr>
+            <p:cNvSpPr/>
+            <p:nvPr/>
+          </p:nvSpPr>
+          <p:spPr>
+            <a:xfrm>
+              <a:off x="1609725" y="3689984"/>
+              <a:ext cx="4114800" cy="560070"/>
+            </a:xfrm>
+            <a:prstGeom prst="rect">
+              <a:avLst/>
+            </a:prstGeom>
+            <a:noFill/>
+            <a:ln>
+              <a:solidFill>
+                <a:schemeClr val="tx1"/>
+              </a:solidFill>
+            </a:ln>
+          </p:spPr>
+          <p:style>
+            <a:lnRef idx="2">
+              <a:schemeClr val="accent1">
+                <a:shade val="50000"/>
+              </a:schemeClr>
+            </a:lnRef>
+            <a:fillRef idx="1">
+              <a:schemeClr val="accent1"/>
+            </a:fillRef>
+            <a:effectRef idx="0">
+              <a:schemeClr val="accent1"/>
+            </a:effectRef>
+            <a:fontRef idx="minor">
+              <a:schemeClr val="lt1"/>
+            </a:fontRef>
+          </p:style>
+          <p:txBody>
+            <a:bodyPr rtlCol="0" anchor="ctr"/>
+            <a:lstStyle/>
+            <a:p>
+              <a:pPr algn="ctr"/>
+              <a:endParaRPr lang="en-US"/>
+            </a:p>
+          </p:txBody>
+        </p:sp>
+        <p:grpSp>
+          <p:nvGrpSpPr>
+            <p:cNvPr id="43" name="Group 42">
+              <a:extLst>
+                <a:ext uri="{FF2B5EF4-FFF2-40B4-BE49-F238E27FC236}">
+                  <a16:creationId xmlns:a16="http://schemas.microsoft.com/office/drawing/2014/main" id="{ED7B3B25-3947-8B49-B4F6-A4D07B29C6BE}"/>
+                </a:ext>
+              </a:extLst>
+            </p:cNvPr>
+            <p:cNvGrpSpPr/>
+            <p:nvPr/>
+          </p:nvGrpSpPr>
+          <p:grpSpPr>
+            <a:xfrm>
+              <a:off x="1821183" y="3060382"/>
+              <a:ext cx="1826893" cy="629602"/>
+              <a:chOff x="1821183" y="3060382"/>
+              <a:chExt cx="1826893" cy="629602"/>
+            </a:xfrm>
+          </p:grpSpPr>
+          <p:cxnSp>
+            <p:nvCxnSpPr>
+              <p:cNvPr id="47" name="Straight Arrow Connector 46">
+                <a:extLst>
+                  <a:ext uri="{FF2B5EF4-FFF2-40B4-BE49-F238E27FC236}">
+                    <a16:creationId xmlns:a16="http://schemas.microsoft.com/office/drawing/2014/main" id="{2530A763-2E87-7745-9EDD-60386486EBBC}"/>
+                  </a:ext>
+                </a:extLst>
+              </p:cNvPr>
+              <p:cNvCxnSpPr>
+                <a:cxnSpLocks/>
+              </p:cNvCxnSpPr>
+              <p:nvPr/>
+            </p:nvCxnSpPr>
+            <p:spPr>
+              <a:xfrm>
+                <a:off x="1840230" y="3060382"/>
+                <a:ext cx="0" cy="629602"/>
+              </a:xfrm>
+              <a:prstGeom prst="straightConnector1">
+                <a:avLst/>
+              </a:prstGeom>
+              <a:ln>
+                <a:tailEnd type="triangle"/>
+              </a:ln>
+            </p:spPr>
+            <p:style>
+              <a:lnRef idx="1">
+                <a:schemeClr val="dk1"/>
+              </a:lnRef>
+              <a:fillRef idx="0">
+                <a:schemeClr val="dk1"/>
+              </a:fillRef>
+              <a:effectRef idx="0">
+                <a:schemeClr val="dk1"/>
+              </a:effectRef>
+              <a:fontRef idx="minor">
+                <a:schemeClr val="tx1"/>
+              </a:fontRef>
+            </p:style>
+          </p:cxnSp>
+          <p:sp>
+            <p:nvSpPr>
+              <p:cNvPr id="48" name="TextBox 47">
+                <a:extLst>
+                  <a:ext uri="{FF2B5EF4-FFF2-40B4-BE49-F238E27FC236}">
+                    <a16:creationId xmlns:a16="http://schemas.microsoft.com/office/drawing/2014/main" id="{BB354605-D64A-1D4C-B54D-264DE7AE1758}"/>
+                  </a:ext>
+                </a:extLst>
+              </p:cNvPr>
+              <p:cNvSpPr txBox="1"/>
+              <p:nvPr/>
+            </p:nvSpPr>
+            <p:spPr>
+              <a:xfrm>
+                <a:off x="1821183" y="3163162"/>
+                <a:ext cx="1826893" cy="523220"/>
+              </a:xfrm>
+              <a:prstGeom prst="rect">
+                <a:avLst/>
+              </a:prstGeom>
+              <a:noFill/>
+            </p:spPr>
+            <p:txBody>
+              <a:bodyPr wrap="square" rtlCol="0">
+                <a:spAutoFit/>
+              </a:bodyPr>
+              <a:lstStyle/>
+              <a:p>
+                <a:r>
+                  <a:rPr lang="en-US" altLang="zh-CN" sz="1400" dirty="0"/>
+                  <a:t>miss</a:t>
+                </a:r>
+                <a:r>
+                  <a:rPr lang="zh-CN" altLang="en-US" sz="1400" dirty="0"/>
+                  <a:t> </a:t>
+                </a:r>
+                <a:r>
+                  <a:rPr lang="en-US" altLang="zh-CN" sz="1400" dirty="0"/>
+                  <a:t>#</a:t>
+                </a:r>
+                <a:r>
+                  <a:rPr lang="zh-CN" altLang="en-US" sz="1400" dirty="0"/>
+                  <a:t> </a:t>
+                </a:r>
+                <a:r>
+                  <a:rPr lang="en-US" altLang="zh-CN" sz="1400" dirty="0"/>
+                  <a:t>:</a:t>
+                </a:r>
+                <a:r>
+                  <a:rPr lang="zh-CN" altLang="en-US" sz="1400" dirty="0"/>
+                  <a:t> </a:t>
+                </a:r>
+                <a:r>
+                  <a:rPr lang="en-US" altLang="zh-CN" sz="1400" dirty="0"/>
+                  <a:t>247</a:t>
+                </a:r>
+              </a:p>
+              <a:p>
+                <a:r>
+                  <a:rPr lang="en-US" altLang="zh-CN" sz="1400" dirty="0"/>
+                  <a:t>writeback</a:t>
+                </a:r>
+                <a:r>
+                  <a:rPr lang="zh-CN" altLang="en-US" sz="1400" dirty="0"/>
+                  <a:t> </a:t>
+                </a:r>
+                <a:r>
+                  <a:rPr lang="en-US" altLang="zh-CN" sz="1400" dirty="0"/>
+                  <a:t>#</a:t>
+                </a:r>
+                <a:r>
+                  <a:rPr lang="zh-CN" altLang="en-US" sz="1400" dirty="0"/>
+                  <a:t> </a:t>
+                </a:r>
+                <a:r>
+                  <a:rPr lang="en-US" altLang="zh-CN" sz="1400" dirty="0"/>
+                  <a:t>:</a:t>
+                </a:r>
+                <a:r>
+                  <a:rPr lang="zh-CN" altLang="en-US" sz="1400" dirty="0"/>
+                  <a:t> </a:t>
+                </a:r>
+                <a:r>
+                  <a:rPr lang="en-US" altLang="zh-CN" sz="1400" dirty="0"/>
+                  <a:t>0</a:t>
+                </a:r>
+                <a:r>
+                  <a:rPr lang="zh-CN" altLang="en-US" sz="1400" dirty="0"/>
+                  <a:t> </a:t>
+                </a:r>
+                <a:endParaRPr lang="en-US" sz="1400" dirty="0"/>
+              </a:p>
+            </p:txBody>
+          </p:sp>
+        </p:grpSp>
+        <p:grpSp>
+          <p:nvGrpSpPr>
+            <p:cNvPr id="44" name="Group 43">
+              <a:extLst>
+                <a:ext uri="{FF2B5EF4-FFF2-40B4-BE49-F238E27FC236}">
+                  <a16:creationId xmlns:a16="http://schemas.microsoft.com/office/drawing/2014/main" id="{82D446F8-BF53-664F-AD58-6F1206AFE5CA}"/>
+                </a:ext>
+              </a:extLst>
+            </p:cNvPr>
+            <p:cNvGrpSpPr/>
+            <p:nvPr/>
+          </p:nvGrpSpPr>
+          <p:grpSpPr>
+            <a:xfrm>
+              <a:off x="3895725" y="3056780"/>
+              <a:ext cx="1896425" cy="629602"/>
+              <a:chOff x="1840230" y="3060382"/>
+              <a:chExt cx="1896425" cy="629602"/>
+            </a:xfrm>
+          </p:grpSpPr>
+          <p:cxnSp>
+            <p:nvCxnSpPr>
+              <p:cNvPr id="45" name="Straight Arrow Connector 44">
+                <a:extLst>
+                  <a:ext uri="{FF2B5EF4-FFF2-40B4-BE49-F238E27FC236}">
+                    <a16:creationId xmlns:a16="http://schemas.microsoft.com/office/drawing/2014/main" id="{792FC59E-037C-0747-9193-6B55427D8443}"/>
+                  </a:ext>
+                </a:extLst>
+              </p:cNvPr>
+              <p:cNvCxnSpPr>
+                <a:cxnSpLocks/>
+              </p:cNvCxnSpPr>
+              <p:nvPr/>
+            </p:nvCxnSpPr>
+            <p:spPr>
+              <a:xfrm>
+                <a:off x="1840230" y="3060382"/>
+                <a:ext cx="0" cy="629602"/>
+              </a:xfrm>
+              <a:prstGeom prst="straightConnector1">
+                <a:avLst/>
+              </a:prstGeom>
+              <a:ln>
+                <a:tailEnd type="triangle"/>
+              </a:ln>
+            </p:spPr>
+            <p:style>
+              <a:lnRef idx="1">
+                <a:schemeClr val="dk1"/>
+              </a:lnRef>
+              <a:fillRef idx="0">
+                <a:schemeClr val="dk1"/>
+              </a:fillRef>
+              <a:effectRef idx="0">
+                <a:schemeClr val="dk1"/>
+              </a:effectRef>
+              <a:fontRef idx="minor">
+                <a:schemeClr val="tx1"/>
+              </a:fontRef>
+            </p:style>
+          </p:cxnSp>
+          <p:sp>
+            <p:nvSpPr>
+              <p:cNvPr id="46" name="TextBox 45">
+                <a:extLst>
+                  <a:ext uri="{FF2B5EF4-FFF2-40B4-BE49-F238E27FC236}">
+                    <a16:creationId xmlns:a16="http://schemas.microsoft.com/office/drawing/2014/main" id="{CD287BD7-B309-6F47-B622-8A403D47ED0D}"/>
+                  </a:ext>
+                </a:extLst>
+              </p:cNvPr>
+              <p:cNvSpPr txBox="1"/>
+              <p:nvPr/>
+            </p:nvSpPr>
+            <p:spPr>
+              <a:xfrm>
+                <a:off x="1842137" y="3148801"/>
+                <a:ext cx="1894518" cy="523220"/>
+              </a:xfrm>
+              <a:prstGeom prst="rect">
+                <a:avLst/>
+              </a:prstGeom>
+              <a:noFill/>
+            </p:spPr>
+            <p:txBody>
+              <a:bodyPr wrap="square" rtlCol="0">
+                <a:spAutoFit/>
+              </a:bodyPr>
+              <a:lstStyle/>
+              <a:p>
+                <a:r>
+                  <a:rPr lang="en-US" altLang="zh-CN" sz="1400" dirty="0"/>
+                  <a:t>miss</a:t>
+                </a:r>
+                <a:r>
+                  <a:rPr lang="zh-CN" altLang="en-US" sz="1400" dirty="0"/>
+                  <a:t> </a:t>
+                </a:r>
+                <a:r>
+                  <a:rPr lang="en-US" altLang="zh-CN" sz="1400" dirty="0"/>
+                  <a:t>#</a:t>
+                </a:r>
+                <a:r>
+                  <a:rPr lang="zh-CN" altLang="en-US" sz="1400" dirty="0"/>
+                  <a:t> </a:t>
+                </a:r>
+                <a:r>
+                  <a:rPr lang="en-US" altLang="zh-CN" sz="1400" dirty="0"/>
+                  <a:t>:</a:t>
+                </a:r>
+                <a:r>
+                  <a:rPr lang="zh-CN" altLang="en-US" sz="1400" dirty="0"/>
+                  <a:t> </a:t>
+                </a:r>
+                <a:r>
+                  <a:rPr lang="en-US" altLang="zh-CN" sz="1400" dirty="0"/>
+                  <a:t>32502204</a:t>
+                </a:r>
+              </a:p>
+              <a:p>
+                <a:r>
+                  <a:rPr lang="en-US" altLang="zh-CN" sz="1400" dirty="0"/>
+                  <a:t>writeback</a:t>
+                </a:r>
+                <a:r>
+                  <a:rPr lang="zh-CN" altLang="en-US" sz="1400" dirty="0"/>
+                  <a:t> </a:t>
+                </a:r>
+                <a:r>
+                  <a:rPr lang="en-US" altLang="zh-CN" sz="1400" dirty="0"/>
+                  <a:t>#</a:t>
+                </a:r>
+                <a:r>
+                  <a:rPr lang="zh-CN" altLang="en-US" sz="1400" dirty="0"/>
+                  <a:t> </a:t>
+                </a:r>
+                <a:r>
+                  <a:rPr lang="en-US" altLang="zh-CN" sz="1400" dirty="0"/>
+                  <a:t>:</a:t>
+                </a:r>
+                <a:r>
+                  <a:rPr lang="zh-CN" altLang="en-US" sz="1400" dirty="0"/>
+                  <a:t> </a:t>
+                </a:r>
+                <a:r>
+                  <a:rPr lang="en-US" altLang="zh-CN" sz="1400" dirty="0"/>
+                  <a:t>2260610</a:t>
+                </a:r>
+                <a:r>
+                  <a:rPr lang="zh-CN" altLang="en-US" sz="1400" dirty="0"/>
+                  <a:t> </a:t>
+                </a:r>
+                <a:endParaRPr lang="en-US" sz="1400" dirty="0"/>
+              </a:p>
+            </p:txBody>
+          </p:sp>
+        </p:grpSp>
+      </p:grpSp>
+      <p:sp>
+        <p:nvSpPr>
+          <p:cNvPr id="52" name="Rectangle 51">
+            <a:extLst>
+              <a:ext uri="{FF2B5EF4-FFF2-40B4-BE49-F238E27FC236}">
+                <a16:creationId xmlns:a16="http://schemas.microsoft.com/office/drawing/2014/main" id="{D1622163-A1AC-F344-BB2D-C35306E941F8}"/>
+              </a:ext>
+            </a:extLst>
+          </p:cNvPr>
+          <p:cNvSpPr/>
+          <p:nvPr/>
+        </p:nvSpPr>
+        <p:spPr>
+          <a:xfrm>
+            <a:off x="1609724" y="4888619"/>
+            <a:ext cx="8467723" cy="560070"/>
+          </a:xfrm>
+          <a:prstGeom prst="rect">
+            <a:avLst/>
+          </a:prstGeom>
+          <a:noFill/>
+          <a:ln>
+            <a:solidFill>
+              <a:schemeClr val="tx1"/>
+            </a:solidFill>
+          </a:ln>
+        </p:spPr>
+        <p:style>
+          <a:lnRef idx="2">
+            <a:schemeClr val="accent1">
+              <a:shade val="50000"/>
+            </a:schemeClr>
+          </a:lnRef>
+          <a:fillRef idx="1">
+            <a:schemeClr val="accent1"/>
+          </a:fillRef>
+          <a:effectRef idx="0">
+            <a:schemeClr val="accent1"/>
+          </a:effectRef>
+          <a:fontRef idx="minor">
+            <a:schemeClr val="lt1"/>
+          </a:fontRef>
+        </p:style>
+        <p:txBody>
+          <a:bodyPr rtlCol="0" anchor="ctr"/>
+          <a:lstStyle/>
+          <a:p>
+            <a:pPr algn="ctr"/>
+            <a:endParaRPr lang="en-US"/>
+          </a:p>
+        </p:txBody>
+      </p:sp>
+      <p:cxnSp>
+        <p:nvCxnSpPr>
+          <p:cNvPr id="53" name="Straight Arrow Connector 52">
+            <a:extLst>
+              <a:ext uri="{FF2B5EF4-FFF2-40B4-BE49-F238E27FC236}">
+                <a16:creationId xmlns:a16="http://schemas.microsoft.com/office/drawing/2014/main" id="{8F44E4B7-0C28-9540-A2C4-CE54FCF7755D}"/>
+              </a:ext>
+            </a:extLst>
+          </p:cNvPr>
+          <p:cNvCxnSpPr>
+            <a:cxnSpLocks/>
+          </p:cNvCxnSpPr>
+          <p:nvPr/>
+        </p:nvCxnSpPr>
+        <p:spPr>
+          <a:xfrm>
+            <a:off x="6193158" y="4263090"/>
+            <a:ext cx="0" cy="629602"/>
+          </a:xfrm>
+          <a:prstGeom prst="straightConnector1">
+            <a:avLst/>
+          </a:prstGeom>
+          <a:ln>
+            <a:tailEnd type="triangle"/>
+          </a:ln>
+        </p:spPr>
+        <p:style>
+          <a:lnRef idx="1">
+            <a:schemeClr val="dk1"/>
+          </a:lnRef>
+          <a:fillRef idx="0">
+            <a:schemeClr val="dk1"/>
+          </a:fillRef>
+          <a:effectRef idx="0">
+            <a:schemeClr val="dk1"/>
+          </a:effectRef>
+          <a:fontRef idx="minor">
+            <a:schemeClr val="tx1"/>
+          </a:fontRef>
+        </p:style>
+      </p:cxnSp>
+      <p:sp>
+        <p:nvSpPr>
+          <p:cNvPr id="54" name="TextBox 53">
+            <a:extLst>
+              <a:ext uri="{FF2B5EF4-FFF2-40B4-BE49-F238E27FC236}">
+                <a16:creationId xmlns:a16="http://schemas.microsoft.com/office/drawing/2014/main" id="{27C6BAF5-CD3D-B642-AA21-C6124A246AB9}"/>
+              </a:ext>
+            </a:extLst>
+          </p:cNvPr>
+          <p:cNvSpPr txBox="1"/>
+          <p:nvPr/>
+        </p:nvSpPr>
+        <p:spPr>
+          <a:xfrm>
+            <a:off x="6174111" y="4365870"/>
+            <a:ext cx="1826893" cy="523220"/>
+          </a:xfrm>
+          <a:prstGeom prst="rect">
+            <a:avLst/>
+          </a:prstGeom>
+          <a:noFill/>
+        </p:spPr>
+        <p:txBody>
+          <a:bodyPr wrap="square" rtlCol="0">
+            <a:spAutoFit/>
+          </a:bodyPr>
+          <a:lstStyle/>
+          <a:p>
+            <a:r>
+              <a:rPr lang="en-US" altLang="zh-CN" sz="1400" dirty="0"/>
+              <a:t>miss</a:t>
+            </a:r>
+            <a:r>
+              <a:rPr lang="zh-CN" altLang="en-US" sz="1400" dirty="0"/>
+              <a:t> </a:t>
+            </a:r>
+            <a:r>
+              <a:rPr lang="en-US" altLang="zh-CN" sz="1400" dirty="0"/>
+              <a:t>#</a:t>
+            </a:r>
+            <a:r>
+              <a:rPr lang="zh-CN" altLang="en-US" sz="1400" dirty="0"/>
+              <a:t> </a:t>
+            </a:r>
+            <a:r>
+              <a:rPr lang="en-US" altLang="zh-CN" sz="1400" dirty="0"/>
+              <a:t>:</a:t>
+            </a:r>
+            <a:r>
+              <a:rPr lang="zh-CN" altLang="en-US" sz="1400" dirty="0"/>
+              <a:t> </a:t>
+            </a:r>
+            <a:r>
+              <a:rPr lang="en-US" altLang="zh-CN" sz="1400" dirty="0"/>
+              <a:t>2496411</a:t>
+            </a:r>
+          </a:p>
+          <a:p>
+            <a:r>
+              <a:rPr lang="en-US" altLang="zh-CN" sz="1400" dirty="0"/>
+              <a:t>writeback</a:t>
+            </a:r>
+            <a:r>
+              <a:rPr lang="zh-CN" altLang="en-US" sz="1400" dirty="0"/>
+              <a:t> </a:t>
+            </a:r>
+            <a:r>
+              <a:rPr lang="en-US" altLang="zh-CN" sz="1400" dirty="0"/>
+              <a:t>#</a:t>
+            </a:r>
+            <a:r>
+              <a:rPr lang="zh-CN" altLang="en-US" sz="1400" dirty="0"/>
+              <a:t> </a:t>
+            </a:r>
+            <a:r>
+              <a:rPr lang="en-US" altLang="zh-CN" sz="1400" dirty="0"/>
+              <a:t>:</a:t>
+            </a:r>
+            <a:r>
+              <a:rPr lang="zh-CN" altLang="en-US" sz="1400" dirty="0"/>
+              <a:t> </a:t>
+            </a:r>
+            <a:r>
+              <a:rPr lang="en-US" altLang="zh-CN" sz="1400" dirty="0"/>
+              <a:t>21993</a:t>
+            </a:r>
+            <a:r>
+              <a:rPr lang="zh-CN" altLang="en-US" sz="1400" dirty="0"/>
+              <a:t> </a:t>
+            </a:r>
+            <a:endParaRPr lang="en-US" sz="1400" dirty="0"/>
+          </a:p>
+        </p:txBody>
+      </p:sp>
+      <p:cxnSp>
+        <p:nvCxnSpPr>
+          <p:cNvPr id="55" name="Straight Arrow Connector 54">
+            <a:extLst>
+              <a:ext uri="{FF2B5EF4-FFF2-40B4-BE49-F238E27FC236}">
+                <a16:creationId xmlns:a16="http://schemas.microsoft.com/office/drawing/2014/main" id="{16242286-833A-B941-855A-178934322399}"/>
+              </a:ext>
+            </a:extLst>
+          </p:cNvPr>
+          <p:cNvCxnSpPr>
+            <a:cxnSpLocks/>
+          </p:cNvCxnSpPr>
+          <p:nvPr/>
+        </p:nvCxnSpPr>
+        <p:spPr>
+          <a:xfrm>
+            <a:off x="1840230" y="4256334"/>
+            <a:ext cx="0" cy="629602"/>
+          </a:xfrm>
+          <a:prstGeom prst="straightConnector1">
+            <a:avLst/>
+          </a:prstGeom>
+          <a:ln>
+            <a:tailEnd type="triangle"/>
+          </a:ln>
+        </p:spPr>
+        <p:style>
+          <a:lnRef idx="1">
+            <a:schemeClr val="dk1"/>
+          </a:lnRef>
+          <a:fillRef idx="0">
+            <a:schemeClr val="dk1"/>
+          </a:fillRef>
+          <a:effectRef idx="0">
+            <a:schemeClr val="dk1"/>
+          </a:effectRef>
+          <a:fontRef idx="minor">
+            <a:schemeClr val="tx1"/>
+          </a:fontRef>
+        </p:style>
+      </p:cxnSp>
+      <p:sp>
+        <p:nvSpPr>
+          <p:cNvPr id="56" name="TextBox 55">
+            <a:extLst>
+              <a:ext uri="{FF2B5EF4-FFF2-40B4-BE49-F238E27FC236}">
+                <a16:creationId xmlns:a16="http://schemas.microsoft.com/office/drawing/2014/main" id="{539FC95A-8B2F-184E-8471-5FE03B6A9F6D}"/>
+              </a:ext>
+            </a:extLst>
+          </p:cNvPr>
+          <p:cNvSpPr txBox="1"/>
+          <p:nvPr/>
+        </p:nvSpPr>
+        <p:spPr>
+          <a:xfrm>
+            <a:off x="1821183" y="4359114"/>
+            <a:ext cx="1826893" cy="523220"/>
+          </a:xfrm>
+          <a:prstGeom prst="rect">
+            <a:avLst/>
+          </a:prstGeom>
+          <a:noFill/>
+        </p:spPr>
+        <p:txBody>
+          <a:bodyPr wrap="square" rtlCol="0">
+            <a:spAutoFit/>
+          </a:bodyPr>
+          <a:lstStyle/>
+          <a:p>
+            <a:r>
+              <a:rPr lang="en-US" altLang="zh-CN" sz="1400" dirty="0"/>
+              <a:t>miss</a:t>
+            </a:r>
+            <a:r>
+              <a:rPr lang="zh-CN" altLang="en-US" sz="1400" dirty="0"/>
+              <a:t> </a:t>
+            </a:r>
+            <a:r>
+              <a:rPr lang="en-US" altLang="zh-CN" sz="1400" dirty="0"/>
+              <a:t>#</a:t>
+            </a:r>
+            <a:r>
+              <a:rPr lang="zh-CN" altLang="en-US" sz="1400" dirty="0"/>
+              <a:t> </a:t>
+            </a:r>
+            <a:r>
+              <a:rPr lang="en-US" altLang="zh-CN" sz="1400" dirty="0"/>
+              <a:t>:</a:t>
+            </a:r>
+            <a:r>
+              <a:rPr lang="zh-CN" altLang="en-US" sz="1400" dirty="0"/>
+              <a:t> </a:t>
+            </a:r>
+            <a:r>
+              <a:rPr lang="en-US" altLang="zh-CN" sz="1400" dirty="0"/>
+              <a:t>378457</a:t>
+            </a:r>
+          </a:p>
+          <a:p>
+            <a:r>
+              <a:rPr lang="en-US" altLang="zh-CN" sz="1400" dirty="0"/>
+              <a:t>writeback</a:t>
+            </a:r>
+            <a:r>
+              <a:rPr lang="zh-CN" altLang="en-US" sz="1400" dirty="0"/>
+              <a:t> </a:t>
+            </a:r>
+            <a:r>
+              <a:rPr lang="en-US" altLang="zh-CN" sz="1400" dirty="0"/>
+              <a:t>#</a:t>
+            </a:r>
+            <a:r>
+              <a:rPr lang="zh-CN" altLang="en-US" sz="1400" dirty="0"/>
+              <a:t> </a:t>
+            </a:r>
+            <a:r>
+              <a:rPr lang="en-US" altLang="zh-CN" sz="1400" dirty="0"/>
+              <a:t>:</a:t>
+            </a:r>
+            <a:r>
+              <a:rPr lang="zh-CN" altLang="en-US" sz="1400" dirty="0"/>
+              <a:t> </a:t>
+            </a:r>
+            <a:r>
+              <a:rPr lang="en-US" altLang="zh-CN" sz="1400" dirty="0"/>
+              <a:t>376080</a:t>
+            </a:r>
+            <a:r>
+              <a:rPr lang="zh-CN" altLang="en-US" sz="1400" dirty="0"/>
+              <a:t> </a:t>
+            </a:r>
+            <a:endParaRPr lang="en-US" sz="1400" dirty="0"/>
+          </a:p>
+        </p:txBody>
+      </p:sp>
+      <p:sp>
+        <p:nvSpPr>
+          <p:cNvPr id="57" name="TextBox 56">
+            <a:extLst>
+              <a:ext uri="{FF2B5EF4-FFF2-40B4-BE49-F238E27FC236}">
+                <a16:creationId xmlns:a16="http://schemas.microsoft.com/office/drawing/2014/main" id="{D16FF877-55B0-1A41-98B0-DF56B14ECB6B}"/>
+              </a:ext>
+            </a:extLst>
+          </p:cNvPr>
+          <p:cNvSpPr txBox="1"/>
+          <p:nvPr/>
+        </p:nvSpPr>
+        <p:spPr>
+          <a:xfrm>
+            <a:off x="2609850" y="2199059"/>
+            <a:ext cx="2114550" cy="276999"/>
+          </a:xfrm>
+          <a:prstGeom prst="rect">
+            <a:avLst/>
+          </a:prstGeom>
+          <a:noFill/>
+        </p:spPr>
+        <p:txBody>
+          <a:bodyPr wrap="square" rtlCol="0">
+            <a:spAutoFit/>
+          </a:bodyPr>
+          <a:lstStyle/>
+          <a:p>
+            <a:pPr algn="ctr"/>
+            <a:r>
+              <a:rPr lang="en-US" altLang="zh-CN" sz="1200" dirty="0"/>
+              <a:t>Core</a:t>
+            </a:r>
+            <a:r>
+              <a:rPr lang="zh-CN" altLang="en-US" sz="1200" dirty="0"/>
+              <a:t> </a:t>
+            </a:r>
+            <a:r>
+              <a:rPr lang="en-US" altLang="zh-CN" sz="1200" dirty="0"/>
+              <a:t>1</a:t>
+            </a:r>
+            <a:endParaRPr lang="en-US" sz="1200" dirty="0"/>
+          </a:p>
+        </p:txBody>
+      </p:sp>
+      <p:sp>
+        <p:nvSpPr>
+          <p:cNvPr id="58" name="TextBox 57">
+            <a:extLst>
+              <a:ext uri="{FF2B5EF4-FFF2-40B4-BE49-F238E27FC236}">
+                <a16:creationId xmlns:a16="http://schemas.microsoft.com/office/drawing/2014/main" id="{A391D71A-89A4-2845-BBBB-A6B94091EB2C}"/>
+              </a:ext>
+            </a:extLst>
+          </p:cNvPr>
+          <p:cNvSpPr txBox="1"/>
+          <p:nvPr/>
+        </p:nvSpPr>
+        <p:spPr>
+          <a:xfrm>
+            <a:off x="6962778" y="2198366"/>
+            <a:ext cx="2114550" cy="276999"/>
+          </a:xfrm>
+          <a:prstGeom prst="rect">
+            <a:avLst/>
+          </a:prstGeom>
+          <a:noFill/>
+        </p:spPr>
+        <p:txBody>
+          <a:bodyPr wrap="square" rtlCol="0">
+            <a:spAutoFit/>
+          </a:bodyPr>
+          <a:lstStyle/>
+          <a:p>
+            <a:pPr algn="ctr"/>
+            <a:r>
+              <a:rPr lang="en-US" altLang="zh-CN" sz="1200" dirty="0"/>
+              <a:t>Core</a:t>
+            </a:r>
+            <a:r>
+              <a:rPr lang="zh-CN" altLang="en-US" sz="1200" dirty="0"/>
+              <a:t> </a:t>
+            </a:r>
+            <a:r>
+              <a:rPr lang="en-US" altLang="zh-CN" sz="1200" dirty="0"/>
+              <a:t>2</a:t>
+            </a:r>
+            <a:endParaRPr lang="en-US" sz="1200" dirty="0"/>
+          </a:p>
+        </p:txBody>
+      </p:sp>
+      <p:sp>
+        <p:nvSpPr>
+          <p:cNvPr id="59" name="TextBox 58">
+            <a:extLst>
+              <a:ext uri="{FF2B5EF4-FFF2-40B4-BE49-F238E27FC236}">
+                <a16:creationId xmlns:a16="http://schemas.microsoft.com/office/drawing/2014/main" id="{E8948094-DDA3-5E48-8E0F-CDBF58DD7D1E}"/>
+              </a:ext>
+            </a:extLst>
+          </p:cNvPr>
+          <p:cNvSpPr txBox="1"/>
+          <p:nvPr/>
+        </p:nvSpPr>
+        <p:spPr>
+          <a:xfrm>
+            <a:off x="3916677" y="4904309"/>
+            <a:ext cx="3853815" cy="523220"/>
+          </a:xfrm>
+          <a:prstGeom prst="rect">
+            <a:avLst/>
+          </a:prstGeom>
+          <a:noFill/>
+        </p:spPr>
+        <p:txBody>
+          <a:bodyPr wrap="square" rtlCol="0">
+            <a:spAutoFit/>
+          </a:bodyPr>
+          <a:lstStyle/>
+          <a:p>
+            <a:pPr algn="ctr"/>
+            <a:r>
+              <a:rPr lang="en-US" altLang="zh-CN" sz="1400" dirty="0"/>
+              <a:t>L3</a:t>
+            </a:r>
+            <a:r>
+              <a:rPr lang="zh-CN" altLang="en-US" sz="1400" dirty="0"/>
+              <a:t> </a:t>
+            </a:r>
+            <a:r>
+              <a:rPr lang="en-US" altLang="zh-CN" sz="1400" dirty="0"/>
+              <a:t>Unified</a:t>
+            </a:r>
+            <a:r>
+              <a:rPr lang="zh-CN" altLang="en-US" sz="1400" dirty="0"/>
+              <a:t> </a:t>
+            </a:r>
+            <a:r>
+              <a:rPr lang="en-US" altLang="zh-CN" sz="1400" dirty="0"/>
+              <a:t>Cache</a:t>
+            </a:r>
+          </a:p>
+          <a:p>
+            <a:pPr algn="ctr"/>
+            <a:r>
+              <a:rPr lang="en-US" altLang="zh-CN" sz="1400" dirty="0"/>
+              <a:t>Access</a:t>
+            </a:r>
+            <a:r>
+              <a:rPr lang="zh-CN" altLang="en-US" sz="1400" dirty="0"/>
+              <a:t> </a:t>
+            </a:r>
+            <a:r>
+              <a:rPr lang="en-US" altLang="zh-CN" sz="1400" dirty="0"/>
+              <a:t>#:</a:t>
+            </a:r>
+            <a:r>
+              <a:rPr lang="zh-CN" altLang="en-US" sz="1400" dirty="0"/>
+              <a:t> </a:t>
+            </a:r>
+            <a:r>
+              <a:rPr lang="en-US" altLang="zh-CN" sz="1400" dirty="0"/>
+              <a:t>3272939</a:t>
+            </a:r>
+            <a:endParaRPr lang="en-US" sz="1400" dirty="0"/>
+          </a:p>
+        </p:txBody>
+      </p:sp>
+    </p:spTree>
+    <p:extLst>
+      <p:ext uri="{BB962C8B-B14F-4D97-AF65-F5344CB8AC3E}">
+        <p14:creationId xmlns:p14="http://schemas.microsoft.com/office/powerpoint/2010/main" val="1487617145"/>
+      </p:ext>
+    </p:extLst>
+  </p:cSld>
+  <p:clrMapOvr>
+    <a:masterClrMapping/>
+  </p:clrMapOvr>
+</p:sld>
+</file>
+
+<file path=ppt/slides/slide13.xml><?xml version="1.0" encoding="utf-8"?>
+<p:sld xmlns:a="http://schemas.openxmlformats.org/drawingml/2006/main" xmlns:r="http://schemas.openxmlformats.org/officeDocument/2006/relationships" xmlns:p="http://schemas.openxmlformats.org/presentationml/2006/main">
+  <p:cSld>
+    <p:spTree>
+      <p:nvGrpSpPr>
+        <p:cNvPr id="1" name=""/>
+        <p:cNvGrpSpPr/>
+        <p:nvPr/>
+      </p:nvGrpSpPr>
+      <p:grpSpPr>
+        <a:xfrm>
+          <a:off x="0" y="0"/>
+          <a:ext cx="0" cy="0"/>
+          <a:chOff x="0" y="0"/>
+          <a:chExt cx="0" cy="0"/>
+        </a:xfrm>
+      </p:grpSpPr>
       <p:sp>
         <p:nvSpPr>
           <p:cNvPr id="2" name="标题 1">
@@ -7436,725 +9399,6 @@
 </p:sld>
 </file>
 
-<file path=ppt/slides/slide13.xml><?xml version="1.0" encoding="utf-8"?>
-<p:sld xmlns:a="http://schemas.openxmlformats.org/drawingml/2006/main" xmlns:r="http://schemas.openxmlformats.org/officeDocument/2006/relationships" xmlns:p="http://schemas.openxmlformats.org/presentationml/2006/main">
-  <p:cSld>
-    <p:spTree>
-      <p:nvGrpSpPr>
-        <p:cNvPr id="1" name=""/>
-        <p:cNvGrpSpPr/>
-        <p:nvPr/>
-      </p:nvGrpSpPr>
-      <p:grpSpPr>
-        <a:xfrm>
-          <a:off x="0" y="0"/>
-          <a:ext cx="0" cy="0"/>
-          <a:chOff x="0" y="0"/>
-          <a:chExt cx="0" cy="0"/>
-        </a:xfrm>
-      </p:grpSpPr>
-      <p:sp>
-        <p:nvSpPr>
-          <p:cNvPr id="2" name="标题 1">
-            <a:extLst>
-              <a:ext uri="{FF2B5EF4-FFF2-40B4-BE49-F238E27FC236}">
-                <a16:creationId xmlns:a16="http://schemas.microsoft.com/office/drawing/2014/main" id="{5614F489-64FA-44FF-B952-7E619998D529}"/>
-              </a:ext>
-            </a:extLst>
-          </p:cNvPr>
-          <p:cNvSpPr>
-            <a:spLocks noGrp="1"/>
-          </p:cNvSpPr>
-          <p:nvPr>
-            <p:ph type="title"/>
-          </p:nvPr>
-        </p:nvSpPr>
-        <p:spPr>
-          <a:xfrm>
-            <a:off x="266330" y="179034"/>
-            <a:ext cx="9716382" cy="624111"/>
-          </a:xfrm>
-        </p:spPr>
-        <p:txBody>
-          <a:bodyPr>
-            <a:normAutofit fontScale="90000"/>
-          </a:bodyPr>
-          <a:lstStyle/>
-          <a:p>
-            <a:pPr algn="l"/>
-            <a:r>
-              <a:rPr lang="en-US" altLang="zh-CN" sz="4000" cap="none" dirty="0">
-                <a:latin typeface="Times New Roman" panose="02020603050405020304" pitchFamily="18" charset="0"/>
-                <a:cs typeface="Times New Roman" panose="02020603050405020304" pitchFamily="18" charset="0"/>
-              </a:rPr>
-              <a:t>Implementing LFU Replacement Policy</a:t>
-            </a:r>
-          </a:p>
-        </p:txBody>
-      </p:sp>
-      <p:sp>
-        <p:nvSpPr>
-          <p:cNvPr id="6" name="Rectangle 5">
-            <a:extLst>
-              <a:ext uri="{FF2B5EF4-FFF2-40B4-BE49-F238E27FC236}">
-                <a16:creationId xmlns:a16="http://schemas.microsoft.com/office/drawing/2014/main" id="{25861ACB-DCFC-F044-B786-EDC72674DD97}"/>
-              </a:ext>
-            </a:extLst>
-          </p:cNvPr>
-          <p:cNvSpPr/>
-          <p:nvPr/>
-        </p:nvSpPr>
-        <p:spPr>
-          <a:xfrm>
-            <a:off x="266327" y="1092578"/>
-            <a:ext cx="9010837" cy="5355312"/>
-          </a:xfrm>
-          <a:prstGeom prst="rect">
-            <a:avLst/>
-          </a:prstGeom>
-        </p:spPr>
-        <p:txBody>
-          <a:bodyPr wrap="square">
-            <a:spAutoFit/>
-          </a:bodyPr>
-          <a:lstStyle/>
-          <a:p>
-            <a:r>
-              <a:rPr lang="en-US" dirty="0">
-                <a:latin typeface="Menlo" panose="020B0609030804020204" pitchFamily="49" charset="0"/>
-              </a:rPr>
-              <a:t>struct </a:t>
-            </a:r>
-            <a:r>
-              <a:rPr lang="en-US" dirty="0" err="1">
-                <a:latin typeface="Menlo" panose="020B0609030804020204" pitchFamily="49" charset="0"/>
-              </a:rPr>
-              <a:t>cache_blk_t</a:t>
-            </a:r>
-            <a:endParaRPr lang="en-US" dirty="0">
-              <a:latin typeface="Menlo" panose="020B0609030804020204" pitchFamily="49" charset="0"/>
-            </a:endParaRPr>
-          </a:p>
-          <a:p>
-            <a:r>
-              <a:rPr lang="en-US" dirty="0">
-                <a:latin typeface="Menlo" panose="020B0609030804020204" pitchFamily="49" charset="0"/>
-              </a:rPr>
-              <a:t>{</a:t>
-            </a:r>
-          </a:p>
-          <a:p>
-            <a:pPr lvl="1"/>
-            <a:r>
-              <a:rPr lang="en-US" dirty="0">
-                <a:latin typeface="Menlo" panose="020B0609030804020204" pitchFamily="49" charset="0"/>
-              </a:rPr>
-              <a:t>struct </a:t>
-            </a:r>
-            <a:r>
-              <a:rPr lang="en-US" dirty="0" err="1">
-                <a:latin typeface="Menlo" panose="020B0609030804020204" pitchFamily="49" charset="0"/>
-              </a:rPr>
-              <a:t>cache_blk_t</a:t>
-            </a:r>
-            <a:r>
-              <a:rPr lang="en-US" dirty="0">
-                <a:latin typeface="Menlo" panose="020B0609030804020204" pitchFamily="49" charset="0"/>
-              </a:rPr>
-              <a:t> *</a:t>
-            </a:r>
-            <a:r>
-              <a:rPr lang="en-US" dirty="0" err="1">
-                <a:latin typeface="Menlo" panose="020B0609030804020204" pitchFamily="49" charset="0"/>
-              </a:rPr>
-              <a:t>way_next</a:t>
-            </a:r>
-            <a:r>
-              <a:rPr lang="en-US" dirty="0">
-                <a:latin typeface="Menlo" panose="020B0609030804020204" pitchFamily="49" charset="0"/>
-              </a:rPr>
-              <a:t>; </a:t>
-            </a:r>
-          </a:p>
-          <a:p>
-            <a:pPr lvl="1"/>
-            <a:r>
-              <a:rPr lang="en-US" dirty="0">
-                <a:latin typeface="Menlo" panose="020B0609030804020204" pitchFamily="49" charset="0"/>
-              </a:rPr>
-              <a:t>struct </a:t>
-            </a:r>
-            <a:r>
-              <a:rPr lang="en-US" dirty="0" err="1">
-                <a:latin typeface="Menlo" panose="020B0609030804020204" pitchFamily="49" charset="0"/>
-              </a:rPr>
-              <a:t>cache_blk_t</a:t>
-            </a:r>
-            <a:r>
-              <a:rPr lang="en-US" dirty="0">
-                <a:latin typeface="Menlo" panose="020B0609030804020204" pitchFamily="49" charset="0"/>
-              </a:rPr>
-              <a:t> *</a:t>
-            </a:r>
-            <a:r>
-              <a:rPr lang="en-US" dirty="0" err="1">
-                <a:latin typeface="Menlo" panose="020B0609030804020204" pitchFamily="49" charset="0"/>
-              </a:rPr>
-              <a:t>way_prev</a:t>
-            </a:r>
-            <a:r>
-              <a:rPr lang="en-US" dirty="0">
-                <a:latin typeface="Menlo" panose="020B0609030804020204" pitchFamily="49" charset="0"/>
-              </a:rPr>
-              <a:t>; </a:t>
-            </a:r>
-          </a:p>
-          <a:p>
-            <a:pPr lvl="1"/>
-            <a:r>
-              <a:rPr lang="en-US" dirty="0">
-                <a:latin typeface="Menlo" panose="020B0609030804020204" pitchFamily="49" charset="0"/>
-              </a:rPr>
-              <a:t>struct </a:t>
-            </a:r>
-            <a:r>
-              <a:rPr lang="en-US" dirty="0" err="1">
-                <a:latin typeface="Menlo" panose="020B0609030804020204" pitchFamily="49" charset="0"/>
-              </a:rPr>
-              <a:t>cache_blk_t</a:t>
-            </a:r>
-            <a:r>
-              <a:rPr lang="en-US" dirty="0">
-                <a:latin typeface="Menlo" panose="020B0609030804020204" pitchFamily="49" charset="0"/>
-              </a:rPr>
-              <a:t> *</a:t>
-            </a:r>
-            <a:r>
-              <a:rPr lang="en-US" dirty="0" err="1">
-                <a:latin typeface="Menlo" panose="020B0609030804020204" pitchFamily="49" charset="0"/>
-              </a:rPr>
-              <a:t>hash_next</a:t>
-            </a:r>
-            <a:r>
-              <a:rPr lang="en-US" dirty="0">
-                <a:latin typeface="Menlo" panose="020B0609030804020204" pitchFamily="49" charset="0"/>
-              </a:rPr>
-              <a:t>; </a:t>
-            </a:r>
-          </a:p>
-          <a:p>
-            <a:pPr lvl="1"/>
-            <a:r>
-              <a:rPr lang="en-US" dirty="0" err="1">
-                <a:latin typeface="Menlo" panose="020B0609030804020204" pitchFamily="49" charset="0"/>
-              </a:rPr>
-              <a:t>md_addr_t</a:t>
-            </a:r>
-            <a:r>
-              <a:rPr lang="en-US" dirty="0">
-                <a:latin typeface="Menlo" panose="020B0609030804020204" pitchFamily="49" charset="0"/>
-              </a:rPr>
-              <a:t> tag; </a:t>
-            </a:r>
-            <a:r>
-              <a:rPr lang="en-US" i="1" dirty="0">
-                <a:solidFill>
-                  <a:schemeClr val="tx1">
-                    <a:lumMod val="50000"/>
-                    <a:lumOff val="50000"/>
-                  </a:schemeClr>
-                </a:solidFill>
-                <a:latin typeface="Menlo" panose="020B0609030804020204" pitchFamily="49" charset="0"/>
-              </a:rPr>
-              <a:t>/* data block tag value */</a:t>
-            </a:r>
-            <a:endParaRPr lang="en-US" dirty="0">
-              <a:solidFill>
-                <a:schemeClr val="tx1">
-                  <a:lumMod val="50000"/>
-                  <a:lumOff val="50000"/>
-                </a:schemeClr>
-              </a:solidFill>
-              <a:latin typeface="Menlo" panose="020B0609030804020204" pitchFamily="49" charset="0"/>
-            </a:endParaRPr>
-          </a:p>
-          <a:p>
-            <a:pPr lvl="1"/>
-            <a:r>
-              <a:rPr lang="en-US" dirty="0">
-                <a:latin typeface="Menlo" panose="020B0609030804020204" pitchFamily="49" charset="0"/>
-              </a:rPr>
-              <a:t>unsigned </a:t>
-            </a:r>
-            <a:r>
-              <a:rPr lang="en-US" dirty="0" err="1">
-                <a:latin typeface="Menlo" panose="020B0609030804020204" pitchFamily="49" charset="0"/>
-              </a:rPr>
-              <a:t>int</a:t>
-            </a:r>
-            <a:r>
-              <a:rPr lang="en-US" dirty="0">
-                <a:latin typeface="Menlo" panose="020B0609030804020204" pitchFamily="49" charset="0"/>
-              </a:rPr>
-              <a:t> status; </a:t>
-            </a:r>
-            <a:r>
-              <a:rPr lang="en-US" i="1" dirty="0">
-                <a:solidFill>
-                  <a:schemeClr val="tx1">
-                    <a:lumMod val="50000"/>
-                    <a:lumOff val="50000"/>
-                  </a:schemeClr>
-                </a:solidFill>
-                <a:latin typeface="Menlo" panose="020B0609030804020204" pitchFamily="49" charset="0"/>
-              </a:rPr>
-              <a:t>/* block status */</a:t>
-            </a:r>
-            <a:endParaRPr lang="en-US" dirty="0">
-              <a:solidFill>
-                <a:schemeClr val="tx1">
-                  <a:lumMod val="50000"/>
-                  <a:lumOff val="50000"/>
-                </a:schemeClr>
-              </a:solidFill>
-              <a:latin typeface="Menlo" panose="020B0609030804020204" pitchFamily="49" charset="0"/>
-            </a:endParaRPr>
-          </a:p>
-          <a:p>
-            <a:pPr lvl="1"/>
-            <a:r>
-              <a:rPr lang="en-US" dirty="0">
-                <a:latin typeface="Menlo" panose="020B0609030804020204" pitchFamily="49" charset="0"/>
-              </a:rPr>
-              <a:t>…</a:t>
-            </a:r>
-          </a:p>
-          <a:p>
-            <a:pPr lvl="1"/>
-            <a:endParaRPr lang="en-US" dirty="0">
-              <a:latin typeface="Menlo" panose="020B0609030804020204" pitchFamily="49" charset="0"/>
-            </a:endParaRPr>
-          </a:p>
-          <a:p>
-            <a:pPr lvl="1"/>
-            <a:r>
-              <a:rPr lang="en-US" dirty="0">
-                <a:solidFill>
-                  <a:srgbClr val="FF0000"/>
-                </a:solidFill>
-                <a:latin typeface="Menlo" panose="020B0609030804020204" pitchFamily="49" charset="0"/>
-              </a:rPr>
-              <a:t>unsigned </a:t>
-            </a:r>
-            <a:r>
-              <a:rPr lang="en-US" dirty="0" err="1">
-                <a:solidFill>
-                  <a:srgbClr val="FF0000"/>
-                </a:solidFill>
-                <a:latin typeface="Menlo" panose="020B0609030804020204" pitchFamily="49" charset="0"/>
-              </a:rPr>
-              <a:t>int</a:t>
-            </a:r>
-            <a:r>
-              <a:rPr lang="en-US" dirty="0">
-                <a:solidFill>
-                  <a:srgbClr val="FF0000"/>
-                </a:solidFill>
-                <a:latin typeface="Menlo" panose="020B0609030804020204" pitchFamily="49" charset="0"/>
-              </a:rPr>
-              <a:t> </a:t>
-            </a:r>
-            <a:r>
-              <a:rPr lang="en-US" dirty="0" err="1">
-                <a:solidFill>
-                  <a:srgbClr val="FF0000"/>
-                </a:solidFill>
-                <a:latin typeface="Menlo" panose="020B0609030804020204" pitchFamily="49" charset="0"/>
-              </a:rPr>
-              <a:t>presentCnt</a:t>
-            </a:r>
-            <a:r>
-              <a:rPr lang="en-US" dirty="0">
-                <a:solidFill>
-                  <a:srgbClr val="FF0000"/>
-                </a:solidFill>
-                <a:latin typeface="Menlo" panose="020B0609030804020204" pitchFamily="49" charset="0"/>
-              </a:rPr>
-              <a:t>; </a:t>
-            </a:r>
-          </a:p>
-          <a:p>
-            <a:pPr lvl="1"/>
-            <a:r>
-              <a:rPr lang="en-US" dirty="0">
-                <a:solidFill>
-                  <a:srgbClr val="FF0000"/>
-                </a:solidFill>
-                <a:latin typeface="Menlo" panose="020B0609030804020204" pitchFamily="49" charset="0"/>
-              </a:rPr>
-              <a:t>unsigned </a:t>
-            </a:r>
-            <a:r>
-              <a:rPr lang="en-US" dirty="0" err="1">
-                <a:solidFill>
-                  <a:srgbClr val="FF0000"/>
-                </a:solidFill>
-                <a:latin typeface="Menlo" panose="020B0609030804020204" pitchFamily="49" charset="0"/>
-              </a:rPr>
-              <a:t>int</a:t>
-            </a:r>
-            <a:r>
-              <a:rPr lang="en-US" dirty="0">
-                <a:solidFill>
-                  <a:srgbClr val="FF0000"/>
-                </a:solidFill>
-                <a:latin typeface="Menlo" panose="020B0609030804020204" pitchFamily="49" charset="0"/>
-              </a:rPr>
-              <a:t> </a:t>
-            </a:r>
-            <a:r>
-              <a:rPr lang="en-US" dirty="0" err="1">
-                <a:solidFill>
-                  <a:srgbClr val="FF0000"/>
-                </a:solidFill>
-                <a:latin typeface="Menlo" panose="020B0609030804020204" pitchFamily="49" charset="0"/>
-              </a:rPr>
-              <a:t>useCnt</a:t>
-            </a:r>
-            <a:r>
-              <a:rPr lang="en-US" dirty="0">
-                <a:solidFill>
-                  <a:srgbClr val="FF0000"/>
-                </a:solidFill>
-                <a:latin typeface="Menlo" panose="020B0609030804020204" pitchFamily="49" charset="0"/>
-              </a:rPr>
-              <a:t>;</a:t>
-            </a:r>
-          </a:p>
-          <a:p>
-            <a:r>
-              <a:rPr lang="en-US" dirty="0">
-                <a:latin typeface="Menlo" panose="020B0609030804020204" pitchFamily="49" charset="0"/>
-              </a:rPr>
-              <a:t>};</a:t>
-            </a:r>
-          </a:p>
-          <a:p>
-            <a:endParaRPr lang="en-US" b="0" dirty="0">
-              <a:effectLst/>
-              <a:latin typeface="Menlo" panose="020B0609030804020204" pitchFamily="49" charset="0"/>
-            </a:endParaRPr>
-          </a:p>
-          <a:p>
-            <a:r>
-              <a:rPr lang="en-US" b="0" dirty="0">
-                <a:effectLst/>
-                <a:latin typeface="Menlo" panose="020B0609030804020204" pitchFamily="49" charset="0"/>
-              </a:rPr>
-              <a:t>LFU replacement policy: </a:t>
-            </a:r>
-            <a:r>
-              <a:rPr lang="en-US" dirty="0" err="1">
-                <a:solidFill>
-                  <a:srgbClr val="FF0000"/>
-                </a:solidFill>
-                <a:latin typeface="Menlo" panose="020B0609030804020204" pitchFamily="49" charset="0"/>
-              </a:rPr>
-              <a:t>useCnt</a:t>
-            </a:r>
-            <a:r>
-              <a:rPr lang="en-US" altLang="zh-CN" dirty="0">
-                <a:solidFill>
-                  <a:srgbClr val="FF0000"/>
-                </a:solidFill>
-                <a:latin typeface="Menlo" panose="020B0609030804020204" pitchFamily="49" charset="0"/>
-              </a:rPr>
-              <a:t>++</a:t>
-            </a:r>
-            <a:r>
-              <a:rPr lang="zh-CN" altLang="en-US" dirty="0">
-                <a:solidFill>
-                  <a:srgbClr val="FF0000"/>
-                </a:solidFill>
-                <a:latin typeface="Menlo" panose="020B0609030804020204" pitchFamily="49" charset="0"/>
-              </a:rPr>
-              <a:t> </a:t>
-            </a:r>
-            <a:r>
-              <a:rPr lang="en-US" altLang="zh-CN" dirty="0">
-                <a:latin typeface="Menlo" panose="020B0609030804020204" pitchFamily="49" charset="0"/>
-              </a:rPr>
-              <a:t>when</a:t>
-            </a:r>
-            <a:r>
-              <a:rPr lang="zh-CN" altLang="en-US" dirty="0">
-                <a:latin typeface="Menlo" panose="020B0609030804020204" pitchFamily="49" charset="0"/>
-              </a:rPr>
-              <a:t> </a:t>
-            </a:r>
-            <a:r>
-              <a:rPr lang="en-US" altLang="zh-CN" dirty="0">
-                <a:latin typeface="Menlo" panose="020B0609030804020204" pitchFamily="49" charset="0"/>
-              </a:rPr>
-              <a:t>a</a:t>
-            </a:r>
-            <a:r>
-              <a:rPr lang="zh-CN" altLang="en-US" dirty="0">
-                <a:latin typeface="Menlo" panose="020B0609030804020204" pitchFamily="49" charset="0"/>
-              </a:rPr>
-              <a:t> </a:t>
-            </a:r>
-            <a:r>
-              <a:rPr lang="en-US" altLang="zh-CN" dirty="0">
-                <a:latin typeface="Menlo" panose="020B0609030804020204" pitchFamily="49" charset="0"/>
-              </a:rPr>
-              <a:t>block</a:t>
-            </a:r>
-            <a:r>
-              <a:rPr lang="zh-CN" altLang="en-US" dirty="0">
-                <a:latin typeface="Menlo" panose="020B0609030804020204" pitchFamily="49" charset="0"/>
-              </a:rPr>
-              <a:t> </a:t>
-            </a:r>
-            <a:r>
-              <a:rPr lang="en-US" altLang="zh-CN" dirty="0">
-                <a:latin typeface="Menlo" panose="020B0609030804020204" pitchFamily="49" charset="0"/>
-              </a:rPr>
-              <a:t>is</a:t>
-            </a:r>
-            <a:r>
-              <a:rPr lang="zh-CN" altLang="en-US" dirty="0">
-                <a:latin typeface="Menlo" panose="020B0609030804020204" pitchFamily="49" charset="0"/>
-              </a:rPr>
-              <a:t> </a:t>
-            </a:r>
-            <a:r>
-              <a:rPr lang="en-US" altLang="zh-CN" dirty="0">
-                <a:latin typeface="Menlo" panose="020B0609030804020204" pitchFamily="49" charset="0"/>
-              </a:rPr>
-              <a:t>accessed.</a:t>
-            </a:r>
-            <a:r>
-              <a:rPr lang="zh-CN" altLang="en-US" dirty="0">
-                <a:latin typeface="Menlo" panose="020B0609030804020204" pitchFamily="49" charset="0"/>
-              </a:rPr>
-              <a:t> </a:t>
-            </a:r>
-            <a:r>
-              <a:rPr lang="en-US" altLang="zh-CN" dirty="0">
-                <a:latin typeface="Menlo" panose="020B0609030804020204" pitchFamily="49" charset="0"/>
-              </a:rPr>
-              <a:t>E</a:t>
-            </a:r>
-            <a:r>
-              <a:rPr lang="en-US" b="0" dirty="0">
-                <a:effectLst/>
-                <a:latin typeface="Menlo" panose="020B0609030804020204" pitchFamily="49" charset="0"/>
-              </a:rPr>
-              <a:t>vict the cache block that has the </a:t>
-            </a:r>
-            <a:r>
-              <a:rPr lang="en-US" b="0" dirty="0" err="1">
-                <a:effectLst/>
-                <a:latin typeface="Menlo" panose="020B0609030804020204" pitchFamily="49" charset="0"/>
-              </a:rPr>
-              <a:t>minimun</a:t>
-            </a:r>
-            <a:r>
-              <a:rPr lang="en-US" b="0" dirty="0">
-                <a:effectLst/>
-                <a:latin typeface="Menlo" panose="020B0609030804020204" pitchFamily="49" charset="0"/>
-              </a:rPr>
-              <a:t> </a:t>
-            </a:r>
-            <a:r>
-              <a:rPr lang="en-US" b="0" dirty="0" err="1">
-                <a:effectLst/>
-                <a:latin typeface="Menlo" panose="020B0609030804020204" pitchFamily="49" charset="0"/>
-              </a:rPr>
-              <a:t>useCnt</a:t>
-            </a:r>
-            <a:r>
-              <a:rPr lang="en-US" b="0" dirty="0">
-                <a:effectLst/>
-                <a:latin typeface="Menlo" panose="020B0609030804020204" pitchFamily="49" charset="0"/>
-              </a:rPr>
-              <a:t>. </a:t>
-            </a:r>
-            <a:r>
-              <a:rPr lang="en-US" dirty="0">
-                <a:latin typeface="Menlo" panose="020B0609030804020204" pitchFamily="49" charset="0"/>
-              </a:rPr>
-              <a:t>Randomly pick one if there are multiple blocks with minimum </a:t>
-            </a:r>
-            <a:r>
-              <a:rPr lang="en-US" dirty="0" err="1">
-                <a:latin typeface="Menlo" panose="020B0609030804020204" pitchFamily="49" charset="0"/>
-              </a:rPr>
-              <a:t>useCnt</a:t>
-            </a:r>
-            <a:r>
-              <a:rPr lang="en-US" dirty="0">
-                <a:latin typeface="Menlo" panose="020B0609030804020204" pitchFamily="49" charset="0"/>
-              </a:rPr>
-              <a:t>.</a:t>
-            </a:r>
-          </a:p>
-          <a:p>
-            <a:endParaRPr lang="en-US" dirty="0">
-              <a:latin typeface="Menlo" panose="020B0609030804020204" pitchFamily="49" charset="0"/>
-            </a:endParaRPr>
-          </a:p>
-          <a:p>
-            <a:r>
-              <a:rPr lang="en-US" b="0" dirty="0">
-                <a:effectLst/>
-                <a:latin typeface="Menlo" panose="020B0609030804020204" pitchFamily="49" charset="0"/>
-              </a:rPr>
-              <a:t>Need to take care of </a:t>
-            </a:r>
-            <a:r>
-              <a:rPr lang="en-US" b="0" dirty="0" err="1">
-                <a:effectLst/>
-                <a:latin typeface="Menlo" panose="020B0609030804020204" pitchFamily="49" charset="0"/>
-              </a:rPr>
-              <a:t>useCnt</a:t>
-            </a:r>
-            <a:r>
-              <a:rPr lang="en-US" b="0" dirty="0">
-                <a:effectLst/>
-                <a:latin typeface="Menlo" panose="020B0609030804020204" pitchFamily="49" charset="0"/>
-              </a:rPr>
-              <a:t> overflow. Stop adding up </a:t>
-            </a:r>
-            <a:r>
-              <a:rPr lang="en-US" b="0" dirty="0" err="1">
-                <a:effectLst/>
-                <a:latin typeface="Menlo" panose="020B0609030804020204" pitchFamily="49" charset="0"/>
-              </a:rPr>
-              <a:t>useCnt</a:t>
-            </a:r>
-            <a:r>
-              <a:rPr lang="en-US" b="0" dirty="0">
-                <a:effectLst/>
-                <a:latin typeface="Menlo" panose="020B0609030804020204" pitchFamily="49" charset="0"/>
-              </a:rPr>
-              <a:t> for </a:t>
-            </a:r>
-            <a:r>
-              <a:rPr lang="en-US" altLang="zh-CN" b="0" dirty="0">
-                <a:effectLst/>
-                <a:latin typeface="Menlo" panose="020B0609030804020204" pitchFamily="49" charset="0"/>
-              </a:rPr>
-              <a:t>a</a:t>
-            </a:r>
-            <a:r>
-              <a:rPr lang="en-US" b="0" dirty="0">
-                <a:effectLst/>
-                <a:latin typeface="Menlo" panose="020B0609030804020204" pitchFamily="49" charset="0"/>
-              </a:rPr>
-              <a:t> block </a:t>
-            </a:r>
-            <a:r>
-              <a:rPr lang="en-US" altLang="zh-CN" b="0" dirty="0">
-                <a:effectLst/>
-                <a:latin typeface="Menlo" panose="020B0609030804020204" pitchFamily="49" charset="0"/>
-              </a:rPr>
-              <a:t>whose</a:t>
-            </a:r>
-            <a:r>
-              <a:rPr lang="zh-CN" altLang="en-US" b="0" dirty="0">
-                <a:effectLst/>
-                <a:latin typeface="Menlo" panose="020B0609030804020204" pitchFamily="49" charset="0"/>
-              </a:rPr>
-              <a:t> </a:t>
-            </a:r>
-            <a:r>
-              <a:rPr lang="en-US" altLang="zh-CN" b="0" dirty="0" err="1">
-                <a:effectLst/>
-                <a:latin typeface="Menlo" panose="020B0609030804020204" pitchFamily="49" charset="0"/>
-              </a:rPr>
-              <a:t>useCnt</a:t>
-            </a:r>
-            <a:r>
-              <a:rPr lang="zh-CN" altLang="en-US" b="0" dirty="0">
-                <a:effectLst/>
-                <a:latin typeface="Menlo" panose="020B0609030804020204" pitchFamily="49" charset="0"/>
-              </a:rPr>
-              <a:t> </a:t>
-            </a:r>
-            <a:r>
-              <a:rPr lang="en-US" altLang="zh-CN" b="0" dirty="0">
-                <a:effectLst/>
-                <a:latin typeface="Menlo" panose="020B0609030804020204" pitchFamily="49" charset="0"/>
-              </a:rPr>
-              <a:t>is</a:t>
-            </a:r>
-            <a:r>
-              <a:rPr lang="zh-CN" altLang="en-US" b="0" dirty="0">
-                <a:effectLst/>
-                <a:latin typeface="Menlo" panose="020B0609030804020204" pitchFamily="49" charset="0"/>
-              </a:rPr>
-              <a:t> </a:t>
-            </a:r>
-            <a:r>
-              <a:rPr lang="en-US" altLang="zh-CN" b="0" dirty="0">
-                <a:effectLst/>
-                <a:latin typeface="Menlo" panose="020B0609030804020204" pitchFamily="49" charset="0"/>
-              </a:rPr>
-              <a:t>going</a:t>
-            </a:r>
-            <a:r>
-              <a:rPr lang="zh-CN" altLang="en-US" b="0" dirty="0">
-                <a:effectLst/>
-                <a:latin typeface="Menlo" panose="020B0609030804020204" pitchFamily="49" charset="0"/>
-              </a:rPr>
-              <a:t> </a:t>
-            </a:r>
-            <a:r>
-              <a:rPr lang="en-US" altLang="zh-CN" b="0" dirty="0">
-                <a:effectLst/>
-                <a:latin typeface="Menlo" panose="020B0609030804020204" pitchFamily="49" charset="0"/>
-              </a:rPr>
-              <a:t>to</a:t>
-            </a:r>
-            <a:r>
-              <a:rPr lang="zh-CN" altLang="en-US" b="0" dirty="0">
-                <a:effectLst/>
-                <a:latin typeface="Menlo" panose="020B0609030804020204" pitchFamily="49" charset="0"/>
-              </a:rPr>
-              <a:t> </a:t>
-            </a:r>
-            <a:r>
-              <a:rPr lang="en-US" altLang="zh-CN" b="0" dirty="0">
-                <a:effectLst/>
-                <a:latin typeface="Menlo" panose="020B0609030804020204" pitchFamily="49" charset="0"/>
-              </a:rPr>
-              <a:t>overflow</a:t>
-            </a:r>
-            <a:r>
-              <a:rPr lang="en-US" b="0" dirty="0">
-                <a:effectLst/>
-                <a:latin typeface="Menlo" panose="020B0609030804020204" pitchFamily="49" charset="0"/>
-              </a:rPr>
-              <a:t>.</a:t>
-            </a:r>
-          </a:p>
-        </p:txBody>
-      </p:sp>
-    </p:spTree>
-    <p:extLst>
-      <p:ext uri="{BB962C8B-B14F-4D97-AF65-F5344CB8AC3E}">
-        <p14:creationId xmlns:p14="http://schemas.microsoft.com/office/powerpoint/2010/main" val="1354139159"/>
-      </p:ext>
-    </p:extLst>
-  </p:cSld>
-  <p:clrMapOvr>
-    <a:masterClrMapping/>
-  </p:clrMapOvr>
-</p:sld>
-</file>
-
 <file path=ppt/slides/slide14.xml><?xml version="1.0" encoding="utf-8"?>
 <p:sld xmlns:a="http://schemas.openxmlformats.org/drawingml/2006/main" xmlns:r="http://schemas.openxmlformats.org/officeDocument/2006/relationships" xmlns:p="http://schemas.openxmlformats.org/presentationml/2006/main">
   <p:cSld>
@@ -8190,8 +9434,8 @@
         </p:nvSpPr>
         <p:spPr>
           <a:xfrm>
-            <a:off x="227860" y="356587"/>
-            <a:ext cx="11345662" cy="1880586"/>
+            <a:off x="266330" y="179034"/>
+            <a:ext cx="9716382" cy="624111"/>
           </a:xfrm>
         </p:spPr>
         <p:txBody>
@@ -8202,43 +9446,21 @@
           <a:p>
             <a:pPr algn="l"/>
             <a:r>
-              <a:rPr lang="en-US" altLang="zh-CN" sz="4400" cap="none" dirty="0">
+              <a:rPr lang="en-US" altLang="zh-CN" sz="4000" cap="none" dirty="0">
                 <a:latin typeface="Times New Roman" panose="02020603050405020304" pitchFamily="18" charset="0"/>
                 <a:cs typeface="Times New Roman" panose="02020603050405020304" pitchFamily="18" charset="0"/>
               </a:rPr>
-              <a:t>Implementing Multi-Core</a:t>
-            </a:r>
-            <a:br>
-              <a:rPr lang="en-US" altLang="zh-CN" sz="4400" cap="none" dirty="0">
-                <a:latin typeface="Times New Roman" panose="02020603050405020304" pitchFamily="18" charset="0"/>
-                <a:cs typeface="Times New Roman" panose="02020603050405020304" pitchFamily="18" charset="0"/>
-              </a:rPr>
-            </a:br>
-            <a:br>
-              <a:rPr lang="en-US" altLang="zh-CN" cap="none" dirty="0">
-                <a:latin typeface="Times New Roman" panose="02020603050405020304" pitchFamily="18" charset="0"/>
-                <a:cs typeface="Times New Roman" panose="02020603050405020304" pitchFamily="18" charset="0"/>
-              </a:rPr>
-            </a:br>
-            <a:br>
-              <a:rPr lang="en-US" altLang="zh-CN" cap="none" dirty="0">
-                <a:latin typeface="Times New Roman" panose="02020603050405020304" pitchFamily="18" charset="0"/>
-                <a:cs typeface="Times New Roman" panose="02020603050405020304" pitchFamily="18" charset="0"/>
-              </a:rPr>
-            </a:br>
-            <a:endParaRPr lang="zh-CN" altLang="en-US" cap="none" dirty="0">
-              <a:latin typeface="Times New Roman" panose="02020603050405020304" pitchFamily="18" charset="0"/>
-              <a:cs typeface="Times New Roman" panose="02020603050405020304" pitchFamily="18" charset="0"/>
-            </a:endParaRPr>
-          </a:p>
-        </p:txBody>
-      </p:sp>
-      <p:sp>
-        <p:nvSpPr>
-          <p:cNvPr id="3" name="Rectangle 2">
+              <a:t>Implementing LFU Replacement Policy</a:t>
+            </a:r>
+          </a:p>
+        </p:txBody>
+      </p:sp>
+      <p:sp>
+        <p:nvSpPr>
+          <p:cNvPr id="6" name="Rectangle 5">
             <a:extLst>
               <a:ext uri="{FF2B5EF4-FFF2-40B4-BE49-F238E27FC236}">
-                <a16:creationId xmlns:a16="http://schemas.microsoft.com/office/drawing/2014/main" id="{41598BC9-7665-E54C-850F-A7B49082A0A0}"/>
+                <a16:creationId xmlns:a16="http://schemas.microsoft.com/office/drawing/2014/main" id="{25861ACB-DCFC-F044-B786-EDC72674DD97}"/>
               </a:ext>
             </a:extLst>
           </p:cNvPr>
@@ -8248,7 +9470,7 @@
         <p:spPr>
           <a:xfrm>
             <a:off x="266327" y="1092578"/>
-            <a:ext cx="9010837" cy="3693319"/>
+            <a:ext cx="9010837" cy="5355312"/>
           </a:xfrm>
           <a:prstGeom prst="rect">
             <a:avLst/>
@@ -8261,11 +9483,323 @@
           <a:lstStyle/>
           <a:p>
             <a:r>
-              <a:rPr lang="en-US" b="0" dirty="0">
-                <a:effectLst/>
-                <a:latin typeface="Menlo" panose="020B0609030804020204" pitchFamily="49" charset="0"/>
-              </a:rPr>
-              <a:t>Preliminary idea:</a:t>
+              <a:rPr lang="en-US" dirty="0">
+                <a:latin typeface="Menlo" panose="020B0609030804020204" pitchFamily="49" charset="0"/>
+              </a:rPr>
+              <a:t>struct </a:t>
+            </a:r>
+            <a:r>
+              <a:rPr lang="en-US" dirty="0" err="1">
+                <a:latin typeface="Menlo" panose="020B0609030804020204" pitchFamily="49" charset="0"/>
+              </a:rPr>
+              <a:t>cache_blk_t</a:t>
+            </a:r>
+            <a:endParaRPr lang="en-US" dirty="0">
+              <a:latin typeface="Menlo" panose="020B0609030804020204" pitchFamily="49" charset="0"/>
+            </a:endParaRPr>
+          </a:p>
+          <a:p>
+            <a:r>
+              <a:rPr lang="en-US" dirty="0">
+                <a:latin typeface="Menlo" panose="020B0609030804020204" pitchFamily="49" charset="0"/>
+              </a:rPr>
+              <a:t>{</a:t>
+            </a:r>
+          </a:p>
+          <a:p>
+            <a:pPr lvl="1"/>
+            <a:r>
+              <a:rPr lang="en-US" dirty="0">
+                <a:latin typeface="Menlo" panose="020B0609030804020204" pitchFamily="49" charset="0"/>
+              </a:rPr>
+              <a:t>struct </a:t>
+            </a:r>
+            <a:r>
+              <a:rPr lang="en-US" dirty="0" err="1">
+                <a:latin typeface="Menlo" panose="020B0609030804020204" pitchFamily="49" charset="0"/>
+              </a:rPr>
+              <a:t>cache_blk_t</a:t>
+            </a:r>
+            <a:r>
+              <a:rPr lang="en-US" dirty="0">
+                <a:latin typeface="Menlo" panose="020B0609030804020204" pitchFamily="49" charset="0"/>
+              </a:rPr>
+              <a:t> *</a:t>
+            </a:r>
+            <a:r>
+              <a:rPr lang="en-US" dirty="0" err="1">
+                <a:latin typeface="Menlo" panose="020B0609030804020204" pitchFamily="49" charset="0"/>
+              </a:rPr>
+              <a:t>way_next</a:t>
+            </a:r>
+            <a:r>
+              <a:rPr lang="en-US" dirty="0">
+                <a:latin typeface="Menlo" panose="020B0609030804020204" pitchFamily="49" charset="0"/>
+              </a:rPr>
+              <a:t>; </a:t>
+            </a:r>
+          </a:p>
+          <a:p>
+            <a:pPr lvl="1"/>
+            <a:r>
+              <a:rPr lang="en-US" dirty="0">
+                <a:latin typeface="Menlo" panose="020B0609030804020204" pitchFamily="49" charset="0"/>
+              </a:rPr>
+              <a:t>struct </a:t>
+            </a:r>
+            <a:r>
+              <a:rPr lang="en-US" dirty="0" err="1">
+                <a:latin typeface="Menlo" panose="020B0609030804020204" pitchFamily="49" charset="0"/>
+              </a:rPr>
+              <a:t>cache_blk_t</a:t>
+            </a:r>
+            <a:r>
+              <a:rPr lang="en-US" dirty="0">
+                <a:latin typeface="Menlo" panose="020B0609030804020204" pitchFamily="49" charset="0"/>
+              </a:rPr>
+              <a:t> *</a:t>
+            </a:r>
+            <a:r>
+              <a:rPr lang="en-US" dirty="0" err="1">
+                <a:latin typeface="Menlo" panose="020B0609030804020204" pitchFamily="49" charset="0"/>
+              </a:rPr>
+              <a:t>way_prev</a:t>
+            </a:r>
+            <a:r>
+              <a:rPr lang="en-US" dirty="0">
+                <a:latin typeface="Menlo" panose="020B0609030804020204" pitchFamily="49" charset="0"/>
+              </a:rPr>
+              <a:t>; </a:t>
+            </a:r>
+          </a:p>
+          <a:p>
+            <a:pPr lvl="1"/>
+            <a:r>
+              <a:rPr lang="en-US" dirty="0">
+                <a:latin typeface="Menlo" panose="020B0609030804020204" pitchFamily="49" charset="0"/>
+              </a:rPr>
+              <a:t>struct </a:t>
+            </a:r>
+            <a:r>
+              <a:rPr lang="en-US" dirty="0" err="1">
+                <a:latin typeface="Menlo" panose="020B0609030804020204" pitchFamily="49" charset="0"/>
+              </a:rPr>
+              <a:t>cache_blk_t</a:t>
+            </a:r>
+            <a:r>
+              <a:rPr lang="en-US" dirty="0">
+                <a:latin typeface="Menlo" panose="020B0609030804020204" pitchFamily="49" charset="0"/>
+              </a:rPr>
+              <a:t> *</a:t>
+            </a:r>
+            <a:r>
+              <a:rPr lang="en-US" dirty="0" err="1">
+                <a:latin typeface="Menlo" panose="020B0609030804020204" pitchFamily="49" charset="0"/>
+              </a:rPr>
+              <a:t>hash_next</a:t>
+            </a:r>
+            <a:r>
+              <a:rPr lang="en-US" dirty="0">
+                <a:latin typeface="Menlo" panose="020B0609030804020204" pitchFamily="49" charset="0"/>
+              </a:rPr>
+              <a:t>; </a:t>
+            </a:r>
+          </a:p>
+          <a:p>
+            <a:pPr lvl="1"/>
+            <a:r>
+              <a:rPr lang="en-US" dirty="0" err="1">
+                <a:latin typeface="Menlo" panose="020B0609030804020204" pitchFamily="49" charset="0"/>
+              </a:rPr>
+              <a:t>md_addr_t</a:t>
+            </a:r>
+            <a:r>
+              <a:rPr lang="en-US" dirty="0">
+                <a:latin typeface="Menlo" panose="020B0609030804020204" pitchFamily="49" charset="0"/>
+              </a:rPr>
+              <a:t> tag; </a:t>
+            </a:r>
+            <a:r>
+              <a:rPr lang="en-US" i="1" dirty="0">
+                <a:solidFill>
+                  <a:schemeClr val="tx1">
+                    <a:lumMod val="50000"/>
+                    <a:lumOff val="50000"/>
+                  </a:schemeClr>
+                </a:solidFill>
+                <a:latin typeface="Menlo" panose="020B0609030804020204" pitchFamily="49" charset="0"/>
+              </a:rPr>
+              <a:t>/* data block tag value */</a:t>
+            </a:r>
+            <a:endParaRPr lang="en-US" dirty="0">
+              <a:solidFill>
+                <a:schemeClr val="tx1">
+                  <a:lumMod val="50000"/>
+                  <a:lumOff val="50000"/>
+                </a:schemeClr>
+              </a:solidFill>
+              <a:latin typeface="Menlo" panose="020B0609030804020204" pitchFamily="49" charset="0"/>
+            </a:endParaRPr>
+          </a:p>
+          <a:p>
+            <a:pPr lvl="1"/>
+            <a:r>
+              <a:rPr lang="en-US" dirty="0">
+                <a:latin typeface="Menlo" panose="020B0609030804020204" pitchFamily="49" charset="0"/>
+              </a:rPr>
+              <a:t>unsigned </a:t>
+            </a:r>
+            <a:r>
+              <a:rPr lang="en-US" dirty="0" err="1">
+                <a:latin typeface="Menlo" panose="020B0609030804020204" pitchFamily="49" charset="0"/>
+              </a:rPr>
+              <a:t>int</a:t>
+            </a:r>
+            <a:r>
+              <a:rPr lang="en-US" dirty="0">
+                <a:latin typeface="Menlo" panose="020B0609030804020204" pitchFamily="49" charset="0"/>
+              </a:rPr>
+              <a:t> status; </a:t>
+            </a:r>
+            <a:r>
+              <a:rPr lang="en-US" i="1" dirty="0">
+                <a:solidFill>
+                  <a:schemeClr val="tx1">
+                    <a:lumMod val="50000"/>
+                    <a:lumOff val="50000"/>
+                  </a:schemeClr>
+                </a:solidFill>
+                <a:latin typeface="Menlo" panose="020B0609030804020204" pitchFamily="49" charset="0"/>
+              </a:rPr>
+              <a:t>/* block status */</a:t>
+            </a:r>
+            <a:endParaRPr lang="en-US" dirty="0">
+              <a:solidFill>
+                <a:schemeClr val="tx1">
+                  <a:lumMod val="50000"/>
+                  <a:lumOff val="50000"/>
+                </a:schemeClr>
+              </a:solidFill>
+              <a:latin typeface="Menlo" panose="020B0609030804020204" pitchFamily="49" charset="0"/>
+            </a:endParaRPr>
+          </a:p>
+          <a:p>
+            <a:pPr lvl="1"/>
+            <a:r>
+              <a:rPr lang="en-US" dirty="0">
+                <a:latin typeface="Menlo" panose="020B0609030804020204" pitchFamily="49" charset="0"/>
+              </a:rPr>
+              <a:t>…</a:t>
+            </a:r>
+          </a:p>
+          <a:p>
+            <a:pPr lvl="1"/>
+            <a:endParaRPr lang="en-US" dirty="0">
+              <a:latin typeface="Menlo" panose="020B0609030804020204" pitchFamily="49" charset="0"/>
+            </a:endParaRPr>
+          </a:p>
+          <a:p>
+            <a:pPr lvl="1"/>
+            <a:r>
+              <a:rPr lang="en-US" dirty="0">
+                <a:solidFill>
+                  <a:srgbClr val="FF0000"/>
+                </a:solidFill>
+                <a:latin typeface="Menlo" panose="020B0609030804020204" pitchFamily="49" charset="0"/>
+              </a:rPr>
+              <a:t>unsigned </a:t>
+            </a:r>
+            <a:r>
+              <a:rPr lang="en-US" dirty="0" err="1">
+                <a:solidFill>
+                  <a:srgbClr val="FF0000"/>
+                </a:solidFill>
+                <a:latin typeface="Menlo" panose="020B0609030804020204" pitchFamily="49" charset="0"/>
+              </a:rPr>
+              <a:t>int</a:t>
+            </a:r>
+            <a:r>
+              <a:rPr lang="en-US" dirty="0">
+                <a:solidFill>
+                  <a:srgbClr val="FF0000"/>
+                </a:solidFill>
+                <a:latin typeface="Menlo" panose="020B0609030804020204" pitchFamily="49" charset="0"/>
+              </a:rPr>
+              <a:t> </a:t>
+            </a:r>
+            <a:r>
+              <a:rPr lang="en-US" dirty="0" err="1">
+                <a:solidFill>
+                  <a:srgbClr val="FF0000"/>
+                </a:solidFill>
+                <a:latin typeface="Menlo" panose="020B0609030804020204" pitchFamily="49" charset="0"/>
+              </a:rPr>
+              <a:t>presentCnt</a:t>
+            </a:r>
+            <a:r>
+              <a:rPr lang="en-US" dirty="0">
+                <a:solidFill>
+                  <a:srgbClr val="FF0000"/>
+                </a:solidFill>
+                <a:latin typeface="Menlo" panose="020B0609030804020204" pitchFamily="49" charset="0"/>
+              </a:rPr>
+              <a:t>; </a:t>
+            </a:r>
+          </a:p>
+          <a:p>
+            <a:pPr lvl="1"/>
+            <a:r>
+              <a:rPr lang="en-US" dirty="0">
+                <a:solidFill>
+                  <a:srgbClr val="FF0000"/>
+                </a:solidFill>
+                <a:latin typeface="Menlo" panose="020B0609030804020204" pitchFamily="49" charset="0"/>
+              </a:rPr>
+              <a:t>unsigned </a:t>
+            </a:r>
+            <a:r>
+              <a:rPr lang="en-US" dirty="0" err="1">
+                <a:solidFill>
+                  <a:srgbClr val="FF0000"/>
+                </a:solidFill>
+                <a:latin typeface="Menlo" panose="020B0609030804020204" pitchFamily="49" charset="0"/>
+              </a:rPr>
+              <a:t>int</a:t>
+            </a:r>
+            <a:r>
+              <a:rPr lang="en-US" dirty="0">
+                <a:solidFill>
+                  <a:srgbClr val="FF0000"/>
+                </a:solidFill>
+                <a:latin typeface="Menlo" panose="020B0609030804020204" pitchFamily="49" charset="0"/>
+              </a:rPr>
+              <a:t> </a:t>
+            </a:r>
+            <a:r>
+              <a:rPr lang="en-US" dirty="0" err="1">
+                <a:solidFill>
+                  <a:srgbClr val="FF0000"/>
+                </a:solidFill>
+                <a:latin typeface="Menlo" panose="020B0609030804020204" pitchFamily="49" charset="0"/>
+              </a:rPr>
+              <a:t>useCnt</a:t>
+            </a:r>
+            <a:r>
+              <a:rPr lang="en-US" dirty="0">
+                <a:solidFill>
+                  <a:srgbClr val="FF0000"/>
+                </a:solidFill>
+                <a:latin typeface="Menlo" panose="020B0609030804020204" pitchFamily="49" charset="0"/>
+              </a:rPr>
+              <a:t>;</a:t>
+            </a:r>
+          </a:p>
+          <a:p>
+            <a:r>
+              <a:rPr lang="en-US" dirty="0">
+                <a:latin typeface="Menlo" panose="020B0609030804020204" pitchFamily="49" charset="0"/>
+              </a:rPr>
+              <a:t>};</a:t>
             </a:r>
           </a:p>
           <a:p>
@@ -8276,22 +9810,157 @@
           </a:p>
           <a:p>
             <a:r>
-              <a:rPr lang="en-US" dirty="0">
-                <a:latin typeface="Menlo" panose="020B0609030804020204" pitchFamily="49" charset="0"/>
-              </a:rPr>
-              <a:t>Start multiple threads for </a:t>
+              <a:rPr lang="en-US" b="0" dirty="0">
+                <a:effectLst/>
+                <a:latin typeface="Menlo" panose="020B0609030804020204" pitchFamily="49" charset="0"/>
+              </a:rPr>
+              <a:t>LFU replacement policy: </a:t>
             </a:r>
             <a:r>
               <a:rPr lang="en-US" dirty="0" err="1">
-                <a:latin typeface="Menlo" panose="020B0609030804020204" pitchFamily="49" charset="0"/>
-              </a:rPr>
-              <a:t>sim_main</a:t>
-            </a:r>
-            <a:r>
-              <a:rPr lang="en-US" dirty="0">
-                <a:latin typeface="Menlo" panose="020B0609030804020204" pitchFamily="49" charset="0"/>
-              </a:rPr>
-              <a:t> function, each thread simulates a core.</a:t>
+                <a:solidFill>
+                  <a:srgbClr val="FF0000"/>
+                </a:solidFill>
+                <a:latin typeface="Menlo" panose="020B0609030804020204" pitchFamily="49" charset="0"/>
+              </a:rPr>
+              <a:t>useCnt</a:t>
+            </a:r>
+            <a:r>
+              <a:rPr lang="en-US" altLang="zh-CN" dirty="0">
+                <a:solidFill>
+                  <a:srgbClr val="FF0000"/>
+                </a:solidFill>
+                <a:latin typeface="Menlo" panose="020B0609030804020204" pitchFamily="49" charset="0"/>
+              </a:rPr>
+              <a:t>++</a:t>
+            </a:r>
+            <a:r>
+              <a:rPr lang="zh-CN" altLang="en-US" dirty="0">
+                <a:solidFill>
+                  <a:srgbClr val="FF0000"/>
+                </a:solidFill>
+                <a:latin typeface="Menlo" panose="020B0609030804020204" pitchFamily="49" charset="0"/>
+              </a:rPr>
+              <a:t> </a:t>
+            </a:r>
+            <a:r>
+              <a:rPr lang="en-US" altLang="zh-CN" dirty="0">
+                <a:latin typeface="Menlo" panose="020B0609030804020204" pitchFamily="49" charset="0"/>
+              </a:rPr>
+              <a:t>when</a:t>
+            </a:r>
+            <a:r>
+              <a:rPr lang="zh-CN" altLang="en-US" dirty="0">
+                <a:latin typeface="Menlo" panose="020B0609030804020204" pitchFamily="49" charset="0"/>
+              </a:rPr>
+              <a:t> </a:t>
+            </a:r>
+            <a:r>
+              <a:rPr lang="en-US" altLang="zh-CN" dirty="0">
+                <a:latin typeface="Menlo" panose="020B0609030804020204" pitchFamily="49" charset="0"/>
+              </a:rPr>
+              <a:t>a</a:t>
+            </a:r>
+            <a:r>
+              <a:rPr lang="zh-CN" altLang="en-US" dirty="0">
+                <a:latin typeface="Menlo" panose="020B0609030804020204" pitchFamily="49" charset="0"/>
+              </a:rPr>
+              <a:t> </a:t>
+            </a:r>
+            <a:r>
+              <a:rPr lang="en-US" altLang="zh-CN" dirty="0">
+                <a:latin typeface="Menlo" panose="020B0609030804020204" pitchFamily="49" charset="0"/>
+              </a:rPr>
+              <a:t>block</a:t>
+            </a:r>
+            <a:r>
+              <a:rPr lang="zh-CN" altLang="en-US" dirty="0">
+                <a:latin typeface="Menlo" panose="020B0609030804020204" pitchFamily="49" charset="0"/>
+              </a:rPr>
+              <a:t> </a:t>
+            </a:r>
+            <a:r>
+              <a:rPr lang="en-US" altLang="zh-CN" dirty="0">
+                <a:latin typeface="Menlo" panose="020B0609030804020204" pitchFamily="49" charset="0"/>
+              </a:rPr>
+              <a:t>is</a:t>
+            </a:r>
+            <a:r>
+              <a:rPr lang="zh-CN" altLang="en-US" dirty="0">
+                <a:latin typeface="Menlo" panose="020B0609030804020204" pitchFamily="49" charset="0"/>
+              </a:rPr>
+              <a:t> </a:t>
+            </a:r>
+            <a:r>
+              <a:rPr lang="en-US" altLang="zh-CN" dirty="0">
+                <a:latin typeface="Menlo" panose="020B0609030804020204" pitchFamily="49" charset="0"/>
+              </a:rPr>
+              <a:t>accessed.</a:t>
+            </a:r>
+            <a:r>
+              <a:rPr lang="zh-CN" altLang="en-US" dirty="0">
+                <a:latin typeface="Menlo" panose="020B0609030804020204" pitchFamily="49" charset="0"/>
+              </a:rPr>
+              <a:t> </a:t>
+            </a:r>
+            <a:r>
+              <a:rPr lang="en-US" altLang="zh-CN" dirty="0">
+                <a:latin typeface="Menlo" panose="020B0609030804020204" pitchFamily="49" charset="0"/>
+              </a:rPr>
+              <a:t>E</a:t>
+            </a:r>
+            <a:r>
+              <a:rPr lang="en-US" b="0" dirty="0">
+                <a:effectLst/>
+                <a:latin typeface="Menlo" panose="020B0609030804020204" pitchFamily="49" charset="0"/>
+              </a:rPr>
+              <a:t>vict the cache block that has the </a:t>
+            </a:r>
+            <a:r>
+              <a:rPr lang="en-US" b="0" dirty="0" err="1">
+                <a:effectLst/>
+                <a:latin typeface="Menlo" panose="020B0609030804020204" pitchFamily="49" charset="0"/>
+              </a:rPr>
+              <a:t>minimun</a:t>
+            </a:r>
+            <a:r>
+              <a:rPr lang="en-US" b="0" dirty="0">
+                <a:effectLst/>
+                <a:latin typeface="Menlo" panose="020B0609030804020204" pitchFamily="49" charset="0"/>
+              </a:rPr>
+              <a:t> </a:t>
+            </a:r>
+            <a:r>
+              <a:rPr lang="en-US" b="0" dirty="0" err="1">
+                <a:effectLst/>
+                <a:latin typeface="Menlo" panose="020B0609030804020204" pitchFamily="49" charset="0"/>
+              </a:rPr>
+              <a:t>useCnt</a:t>
+            </a:r>
+            <a:r>
+              <a:rPr lang="en-US" b="0" dirty="0">
+                <a:effectLst/>
+                <a:latin typeface="Menlo" panose="020B0609030804020204" pitchFamily="49" charset="0"/>
+              </a:rPr>
+              <a:t>. </a:t>
+            </a:r>
+            <a:r>
+              <a:rPr lang="en-US" dirty="0">
+                <a:latin typeface="Menlo" panose="020B0609030804020204" pitchFamily="49" charset="0"/>
+              </a:rPr>
+              <a:t>Randomly pick one if there are multiple blocks with minimum </a:t>
+            </a:r>
+            <a:r>
+              <a:rPr lang="en-US" dirty="0" err="1">
+                <a:latin typeface="Menlo" panose="020B0609030804020204" pitchFamily="49" charset="0"/>
+              </a:rPr>
+              <a:t>useCnt</a:t>
+            </a:r>
+            <a:r>
+              <a:rPr lang="en-US" dirty="0">
+                <a:latin typeface="Menlo" panose="020B0609030804020204" pitchFamily="49" charset="0"/>
+              </a:rPr>
+              <a:t>.</a:t>
             </a:r>
           </a:p>
           <a:p>
@@ -8301,71 +9970,145 @@
           </a:p>
           <a:p>
             <a:r>
-              <a:rPr lang="en-US" dirty="0">
-                <a:latin typeface="Menlo" panose="020B0609030804020204" pitchFamily="49" charset="0"/>
-              </a:rPr>
-              <a:t>Feed different test program for each thread.</a:t>
-            </a:r>
-          </a:p>
-          <a:p>
-            <a:endParaRPr lang="en-US" b="0" dirty="0">
-              <a:effectLst/>
-              <a:latin typeface="Menlo" panose="020B0609030804020204" pitchFamily="49" charset="0"/>
-            </a:endParaRPr>
-          </a:p>
-          <a:p>
-            <a:r>
-              <a:rPr lang="en-US" dirty="0">
-                <a:latin typeface="Menlo" panose="020B0609030804020204" pitchFamily="49" charset="0"/>
-              </a:rPr>
-              <a:t>Synchronize clock among simulation threads.</a:t>
-            </a:r>
-          </a:p>
-          <a:p>
-            <a:endParaRPr lang="en-US" b="0" dirty="0">
-              <a:effectLst/>
-              <a:latin typeface="Menlo" panose="020B0609030804020204" pitchFamily="49" charset="0"/>
-            </a:endParaRPr>
-          </a:p>
-          <a:p>
-            <a:r>
               <a:rPr lang="en-US" b="0" dirty="0">
                 <a:effectLst/>
                 <a:latin typeface="Menlo" panose="020B0609030804020204" pitchFamily="49" charset="0"/>
               </a:rPr>
-              <a:t>Each thread keeps </a:t>
-            </a:r>
-            <a:r>
-              <a:rPr lang="en-US" dirty="0">
-                <a:latin typeface="Menlo" panose="020B0609030804020204" pitchFamily="49" charset="0"/>
-              </a:rPr>
-              <a:t>its private caches.</a:t>
-            </a:r>
-          </a:p>
-          <a:p>
-            <a:endParaRPr lang="en-US" b="0" dirty="0">
-              <a:effectLst/>
-              <a:latin typeface="Menlo" panose="020B0609030804020204" pitchFamily="49" charset="0"/>
-            </a:endParaRPr>
-          </a:p>
-          <a:p>
-            <a:r>
-              <a:rPr lang="en-US" dirty="0">
-                <a:latin typeface="Menlo" panose="020B0609030804020204" pitchFamily="49" charset="0"/>
-              </a:rPr>
-              <a:t>For shared caches, each clock only satisfy one read/write, other threads have to wait for next cycle.</a:t>
-            </a:r>
-            <a:endParaRPr lang="en-US" b="0" dirty="0">
-              <a:effectLst/>
-              <a:latin typeface="Menlo" panose="020B0609030804020204" pitchFamily="49" charset="0"/>
-            </a:endParaRPr>
+              <a:t>Need to take care of </a:t>
+            </a:r>
+            <a:r>
+              <a:rPr lang="en-US" b="0" dirty="0" err="1">
+                <a:effectLst/>
+                <a:latin typeface="Menlo" panose="020B0609030804020204" pitchFamily="49" charset="0"/>
+              </a:rPr>
+              <a:t>useCnt</a:t>
+            </a:r>
+            <a:r>
+              <a:rPr lang="en-US" b="0" dirty="0">
+                <a:effectLst/>
+                <a:latin typeface="Menlo" panose="020B0609030804020204" pitchFamily="49" charset="0"/>
+              </a:rPr>
+              <a:t> overflow. Stop adding up </a:t>
+            </a:r>
+            <a:r>
+              <a:rPr lang="en-US" b="0" dirty="0" err="1">
+                <a:effectLst/>
+                <a:latin typeface="Menlo" panose="020B0609030804020204" pitchFamily="49" charset="0"/>
+              </a:rPr>
+              <a:t>useCnt</a:t>
+            </a:r>
+            <a:r>
+              <a:rPr lang="en-US" b="0" dirty="0">
+                <a:effectLst/>
+                <a:latin typeface="Menlo" panose="020B0609030804020204" pitchFamily="49" charset="0"/>
+              </a:rPr>
+              <a:t> for </a:t>
+            </a:r>
+            <a:r>
+              <a:rPr lang="en-US" altLang="zh-CN" b="0" dirty="0">
+                <a:effectLst/>
+                <a:latin typeface="Menlo" panose="020B0609030804020204" pitchFamily="49" charset="0"/>
+              </a:rPr>
+              <a:t>a</a:t>
+            </a:r>
+            <a:r>
+              <a:rPr lang="en-US" b="0" dirty="0">
+                <a:effectLst/>
+                <a:latin typeface="Menlo" panose="020B0609030804020204" pitchFamily="49" charset="0"/>
+              </a:rPr>
+              <a:t> block </a:t>
+            </a:r>
+            <a:r>
+              <a:rPr lang="en-US" altLang="zh-CN" b="0" dirty="0">
+                <a:effectLst/>
+                <a:latin typeface="Menlo" panose="020B0609030804020204" pitchFamily="49" charset="0"/>
+              </a:rPr>
+              <a:t>whose</a:t>
+            </a:r>
+            <a:r>
+              <a:rPr lang="zh-CN" altLang="en-US" b="0" dirty="0">
+                <a:effectLst/>
+                <a:latin typeface="Menlo" panose="020B0609030804020204" pitchFamily="49" charset="0"/>
+              </a:rPr>
+              <a:t> </a:t>
+            </a:r>
+            <a:r>
+              <a:rPr lang="en-US" altLang="zh-CN" b="0" dirty="0" err="1">
+                <a:effectLst/>
+                <a:latin typeface="Menlo" panose="020B0609030804020204" pitchFamily="49" charset="0"/>
+              </a:rPr>
+              <a:t>useCnt</a:t>
+            </a:r>
+            <a:r>
+              <a:rPr lang="zh-CN" altLang="en-US" b="0" dirty="0">
+                <a:effectLst/>
+                <a:latin typeface="Menlo" panose="020B0609030804020204" pitchFamily="49" charset="0"/>
+              </a:rPr>
+              <a:t> </a:t>
+            </a:r>
+            <a:r>
+              <a:rPr lang="en-US" altLang="zh-CN" b="0" dirty="0">
+                <a:effectLst/>
+                <a:latin typeface="Menlo" panose="020B0609030804020204" pitchFamily="49" charset="0"/>
+              </a:rPr>
+              <a:t>is</a:t>
+            </a:r>
+            <a:r>
+              <a:rPr lang="zh-CN" altLang="en-US" b="0" dirty="0">
+                <a:effectLst/>
+                <a:latin typeface="Menlo" panose="020B0609030804020204" pitchFamily="49" charset="0"/>
+              </a:rPr>
+              <a:t> </a:t>
+            </a:r>
+            <a:r>
+              <a:rPr lang="en-US" altLang="zh-CN" b="0" dirty="0">
+                <a:effectLst/>
+                <a:latin typeface="Menlo" panose="020B0609030804020204" pitchFamily="49" charset="0"/>
+              </a:rPr>
+              <a:t>going</a:t>
+            </a:r>
+            <a:r>
+              <a:rPr lang="zh-CN" altLang="en-US" b="0" dirty="0">
+                <a:effectLst/>
+                <a:latin typeface="Menlo" panose="020B0609030804020204" pitchFamily="49" charset="0"/>
+              </a:rPr>
+              <a:t> </a:t>
+            </a:r>
+            <a:r>
+              <a:rPr lang="en-US" altLang="zh-CN" b="0" dirty="0">
+                <a:effectLst/>
+                <a:latin typeface="Menlo" panose="020B0609030804020204" pitchFamily="49" charset="0"/>
+              </a:rPr>
+              <a:t>to</a:t>
+            </a:r>
+            <a:r>
+              <a:rPr lang="zh-CN" altLang="en-US" b="0" dirty="0">
+                <a:effectLst/>
+                <a:latin typeface="Menlo" panose="020B0609030804020204" pitchFamily="49" charset="0"/>
+              </a:rPr>
+              <a:t> </a:t>
+            </a:r>
+            <a:r>
+              <a:rPr lang="en-US" altLang="zh-CN" b="0" dirty="0">
+                <a:effectLst/>
+                <a:latin typeface="Menlo" panose="020B0609030804020204" pitchFamily="49" charset="0"/>
+              </a:rPr>
+              <a:t>overflow</a:t>
+            </a:r>
+            <a:r>
+              <a:rPr lang="en-US" b="0" dirty="0">
+                <a:effectLst/>
+                <a:latin typeface="Menlo" panose="020B0609030804020204" pitchFamily="49" charset="0"/>
+              </a:rPr>
+              <a:t>.</a:t>
+            </a:r>
           </a:p>
         </p:txBody>
       </p:sp>
     </p:spTree>
     <p:extLst>
       <p:ext uri="{BB962C8B-B14F-4D97-AF65-F5344CB8AC3E}">
-        <p14:creationId xmlns:p14="http://schemas.microsoft.com/office/powerpoint/2010/main" val="2401989797"/>
+        <p14:creationId xmlns:p14="http://schemas.microsoft.com/office/powerpoint/2010/main" val="1354139159"/>
       </p:ext>
     </p:extLst>
   </p:cSld>
@@ -8410,6 +10153,226 @@
         </p:nvSpPr>
         <p:spPr>
           <a:xfrm>
+            <a:off x="227860" y="356587"/>
+            <a:ext cx="11345662" cy="1880586"/>
+          </a:xfrm>
+        </p:spPr>
+        <p:txBody>
+          <a:bodyPr>
+            <a:normAutofit fontScale="90000"/>
+          </a:bodyPr>
+          <a:lstStyle/>
+          <a:p>
+            <a:pPr algn="l"/>
+            <a:r>
+              <a:rPr lang="en-US" altLang="zh-CN" sz="4400" cap="none" dirty="0">
+                <a:latin typeface="Times New Roman" panose="02020603050405020304" pitchFamily="18" charset="0"/>
+                <a:cs typeface="Times New Roman" panose="02020603050405020304" pitchFamily="18" charset="0"/>
+              </a:rPr>
+              <a:t>Implementing Multi-Core</a:t>
+            </a:r>
+            <a:br>
+              <a:rPr lang="en-US" altLang="zh-CN" sz="4400" cap="none" dirty="0">
+                <a:latin typeface="Times New Roman" panose="02020603050405020304" pitchFamily="18" charset="0"/>
+                <a:cs typeface="Times New Roman" panose="02020603050405020304" pitchFamily="18" charset="0"/>
+              </a:rPr>
+            </a:br>
+            <a:br>
+              <a:rPr lang="en-US" altLang="zh-CN" cap="none" dirty="0">
+                <a:latin typeface="Times New Roman" panose="02020603050405020304" pitchFamily="18" charset="0"/>
+                <a:cs typeface="Times New Roman" panose="02020603050405020304" pitchFamily="18" charset="0"/>
+              </a:rPr>
+            </a:br>
+            <a:br>
+              <a:rPr lang="en-US" altLang="zh-CN" cap="none" dirty="0">
+                <a:latin typeface="Times New Roman" panose="02020603050405020304" pitchFamily="18" charset="0"/>
+                <a:cs typeface="Times New Roman" panose="02020603050405020304" pitchFamily="18" charset="0"/>
+              </a:rPr>
+            </a:br>
+            <a:endParaRPr lang="zh-CN" altLang="en-US" cap="none" dirty="0">
+              <a:latin typeface="Times New Roman" panose="02020603050405020304" pitchFamily="18" charset="0"/>
+              <a:cs typeface="Times New Roman" panose="02020603050405020304" pitchFamily="18" charset="0"/>
+            </a:endParaRPr>
+          </a:p>
+        </p:txBody>
+      </p:sp>
+      <p:sp>
+        <p:nvSpPr>
+          <p:cNvPr id="3" name="Rectangle 2">
+            <a:extLst>
+              <a:ext uri="{FF2B5EF4-FFF2-40B4-BE49-F238E27FC236}">
+                <a16:creationId xmlns:a16="http://schemas.microsoft.com/office/drawing/2014/main" id="{41598BC9-7665-E54C-850F-A7B49082A0A0}"/>
+              </a:ext>
+            </a:extLst>
+          </p:cNvPr>
+          <p:cNvSpPr/>
+          <p:nvPr/>
+        </p:nvSpPr>
+        <p:spPr>
+          <a:xfrm>
+            <a:off x="266327" y="1092578"/>
+            <a:ext cx="9010837" cy="3693319"/>
+          </a:xfrm>
+          <a:prstGeom prst="rect">
+            <a:avLst/>
+          </a:prstGeom>
+        </p:spPr>
+        <p:txBody>
+          <a:bodyPr wrap="square">
+            <a:spAutoFit/>
+          </a:bodyPr>
+          <a:lstStyle/>
+          <a:p>
+            <a:r>
+              <a:rPr lang="en-US" b="0" dirty="0">
+                <a:effectLst/>
+                <a:latin typeface="Menlo" panose="020B0609030804020204" pitchFamily="49" charset="0"/>
+              </a:rPr>
+              <a:t>Preliminary idea:</a:t>
+            </a:r>
+          </a:p>
+          <a:p>
+            <a:endParaRPr lang="en-US" b="0" dirty="0">
+              <a:effectLst/>
+              <a:latin typeface="Menlo" panose="020B0609030804020204" pitchFamily="49" charset="0"/>
+            </a:endParaRPr>
+          </a:p>
+          <a:p>
+            <a:r>
+              <a:rPr lang="en-US" dirty="0">
+                <a:latin typeface="Menlo" panose="020B0609030804020204" pitchFamily="49" charset="0"/>
+              </a:rPr>
+              <a:t>Start multiple threads for </a:t>
+            </a:r>
+            <a:r>
+              <a:rPr lang="en-US" dirty="0" err="1">
+                <a:latin typeface="Menlo" panose="020B0609030804020204" pitchFamily="49" charset="0"/>
+              </a:rPr>
+              <a:t>sim_main</a:t>
+            </a:r>
+            <a:r>
+              <a:rPr lang="en-US" dirty="0">
+                <a:latin typeface="Menlo" panose="020B0609030804020204" pitchFamily="49" charset="0"/>
+              </a:rPr>
+              <a:t> function, each thread simulates a core.</a:t>
+            </a:r>
+          </a:p>
+          <a:p>
+            <a:endParaRPr lang="en-US" dirty="0">
+              <a:latin typeface="Menlo" panose="020B0609030804020204" pitchFamily="49" charset="0"/>
+            </a:endParaRPr>
+          </a:p>
+          <a:p>
+            <a:r>
+              <a:rPr lang="en-US" dirty="0">
+                <a:latin typeface="Menlo" panose="020B0609030804020204" pitchFamily="49" charset="0"/>
+              </a:rPr>
+              <a:t>Feed different test program for each thread.</a:t>
+            </a:r>
+          </a:p>
+          <a:p>
+            <a:endParaRPr lang="en-US" b="0" dirty="0">
+              <a:effectLst/>
+              <a:latin typeface="Menlo" panose="020B0609030804020204" pitchFamily="49" charset="0"/>
+            </a:endParaRPr>
+          </a:p>
+          <a:p>
+            <a:r>
+              <a:rPr lang="en-US" dirty="0">
+                <a:latin typeface="Menlo" panose="020B0609030804020204" pitchFamily="49" charset="0"/>
+              </a:rPr>
+              <a:t>Synchronize clock among simulation threads.</a:t>
+            </a:r>
+          </a:p>
+          <a:p>
+            <a:endParaRPr lang="en-US" b="0" dirty="0">
+              <a:effectLst/>
+              <a:latin typeface="Menlo" panose="020B0609030804020204" pitchFamily="49" charset="0"/>
+            </a:endParaRPr>
+          </a:p>
+          <a:p>
+            <a:r>
+              <a:rPr lang="en-US" b="0" dirty="0">
+                <a:effectLst/>
+                <a:latin typeface="Menlo" panose="020B0609030804020204" pitchFamily="49" charset="0"/>
+              </a:rPr>
+              <a:t>Each thread keeps </a:t>
+            </a:r>
+            <a:r>
+              <a:rPr lang="en-US" dirty="0">
+                <a:latin typeface="Menlo" panose="020B0609030804020204" pitchFamily="49" charset="0"/>
+              </a:rPr>
+              <a:t>its private caches.</a:t>
+            </a:r>
+          </a:p>
+          <a:p>
+            <a:endParaRPr lang="en-US" b="0" dirty="0">
+              <a:effectLst/>
+              <a:latin typeface="Menlo" panose="020B0609030804020204" pitchFamily="49" charset="0"/>
+            </a:endParaRPr>
+          </a:p>
+          <a:p>
+            <a:r>
+              <a:rPr lang="en-US" dirty="0">
+                <a:latin typeface="Menlo" panose="020B0609030804020204" pitchFamily="49" charset="0"/>
+              </a:rPr>
+              <a:t>For shared caches, each clock only satisfy one read/write, other threads have to wait for next cycle.</a:t>
+            </a:r>
+            <a:endParaRPr lang="en-US" b="0" dirty="0">
+              <a:effectLst/>
+              <a:latin typeface="Menlo" panose="020B0609030804020204" pitchFamily="49" charset="0"/>
+            </a:endParaRPr>
+          </a:p>
+        </p:txBody>
+      </p:sp>
+    </p:spTree>
+    <p:extLst>
+      <p:ext uri="{BB962C8B-B14F-4D97-AF65-F5344CB8AC3E}">
+        <p14:creationId xmlns:p14="http://schemas.microsoft.com/office/powerpoint/2010/main" val="2401989797"/>
+      </p:ext>
+    </p:extLst>
+  </p:cSld>
+  <p:clrMapOvr>
+    <a:masterClrMapping/>
+  </p:clrMapOvr>
+</p:sld>
+</file>
+
+<file path=ppt/slides/slide16.xml><?xml version="1.0" encoding="utf-8"?>
+<p:sld xmlns:a="http://schemas.openxmlformats.org/drawingml/2006/main" xmlns:r="http://schemas.openxmlformats.org/officeDocument/2006/relationships" xmlns:p="http://schemas.openxmlformats.org/presentationml/2006/main">
+  <p:cSld>
+    <p:spTree>
+      <p:nvGrpSpPr>
+        <p:cNvPr id="1" name=""/>
+        <p:cNvGrpSpPr/>
+        <p:nvPr/>
+      </p:nvGrpSpPr>
+      <p:grpSpPr>
+        <a:xfrm>
+          <a:off x="0" y="0"/>
+          <a:ext cx="0" cy="0"/>
+          <a:chOff x="0" y="0"/>
+          <a:chExt cx="0" cy="0"/>
+        </a:xfrm>
+      </p:grpSpPr>
+      <p:sp>
+        <p:nvSpPr>
+          <p:cNvPr id="2" name="标题 1">
+            <a:extLst>
+              <a:ext uri="{FF2B5EF4-FFF2-40B4-BE49-F238E27FC236}">
+                <a16:creationId xmlns:a16="http://schemas.microsoft.com/office/drawing/2014/main" id="{5614F489-64FA-44FF-B952-7E619998D529}"/>
+              </a:ext>
+            </a:extLst>
+          </p:cNvPr>
+          <p:cNvSpPr>
+            <a:spLocks noGrp="1"/>
+          </p:cNvSpPr>
+          <p:nvPr>
+            <p:ph type="title"/>
+          </p:nvPr>
+        </p:nvSpPr>
+        <p:spPr>
+          <a:xfrm>
             <a:off x="266330" y="179033"/>
             <a:ext cx="11345662" cy="2004874"/>
           </a:xfrm>
@@ -8567,7 +10530,7 @@
 </p:sld>
 </file>
 
-<file path=ppt/slides/slide16.xml><?xml version="1.0" encoding="utf-8"?>
+<file path=ppt/slides/slide17.xml><?xml version="1.0" encoding="utf-8"?>
 <p:sld xmlns:a="http://schemas.openxmlformats.org/drawingml/2006/main" xmlns:r="http://schemas.openxmlformats.org/officeDocument/2006/relationships" xmlns:p="http://schemas.openxmlformats.org/presentationml/2006/main">
   <p:cSld>
     <p:spTree>
@@ -8688,7 +10651,7 @@
 </p:sld>
 </file>
 
-<file path=ppt/slides/slide17.xml><?xml version="1.0" encoding="utf-8"?>
+<file path=ppt/slides/slide18.xml><?xml version="1.0" encoding="utf-8"?>
 <p:sld xmlns:a="http://schemas.openxmlformats.org/drawingml/2006/main" xmlns:r="http://schemas.openxmlformats.org/officeDocument/2006/relationships" xmlns:p="http://schemas.openxmlformats.org/presentationml/2006/main">
   <p:cSld>
     <p:spTree>
